--- a/img/プレゼンテーション1.pptx
+++ b/img/プレゼンテーション1.pptx
@@ -8,6 +8,10 @@
     <p:sldId id="256" r:id="rId2"/>
     <p:sldId id="257" r:id="rId3"/>
     <p:sldId id="258" r:id="rId4"/>
+    <p:sldId id="259" r:id="rId5"/>
+    <p:sldId id="260" r:id="rId6"/>
+    <p:sldId id="261" r:id="rId7"/>
+    <p:sldId id="262" r:id="rId8"/>
   </p:sldIdLst>
   <p:sldSz cx="12192000" cy="6858000"/>
   <p:notesSz cx="6858000" cy="9144000"/>
@@ -106,6 +110,11 @@
       </a:defRPr>
     </a:lvl9pPr>
   </p:defaultTextStyle>
+  <p:extLst>
+    <p:ext uri="{EFAFB233-063F-42B5-8137-9DF3F51BA10A}">
+      <p15:sldGuideLst xmlns:p15="http://schemas.microsoft.com/office/powerpoint/2012/main"/>
+    </p:ext>
+  </p:extLst>
 </p:presentation>
 </file>
 
@@ -256,7 +265,7 @@
           <a:p>
             <a:fld id="{210C01E4-EBAF-0E44-BBFE-24C6DF45EDDE}" type="datetimeFigureOut">
               <a:rPr kumimoji="1" lang="ja-JP" altLang="en-US" smtClean="0"/>
-              <a:t>2021/11/9</a:t>
+              <a:t>2021/11/16</a:t>
             </a:fld>
             <a:endParaRPr kumimoji="1" lang="ja-JP" altLang="en-US"/>
           </a:p>
@@ -486,7 +495,7 @@
           <a:p>
             <a:fld id="{210C01E4-EBAF-0E44-BBFE-24C6DF45EDDE}" type="datetimeFigureOut">
               <a:rPr kumimoji="1" lang="ja-JP" altLang="en-US" smtClean="0"/>
-              <a:t>2021/11/9</a:t>
+              <a:t>2021/11/16</a:t>
             </a:fld>
             <a:endParaRPr kumimoji="1" lang="ja-JP" altLang="en-US"/>
           </a:p>
@@ -726,7 +735,7 @@
           <a:p>
             <a:fld id="{210C01E4-EBAF-0E44-BBFE-24C6DF45EDDE}" type="datetimeFigureOut">
               <a:rPr kumimoji="1" lang="ja-JP" altLang="en-US" smtClean="0"/>
-              <a:t>2021/11/9</a:t>
+              <a:t>2021/11/16</a:t>
             </a:fld>
             <a:endParaRPr kumimoji="1" lang="ja-JP" altLang="en-US"/>
           </a:p>
@@ -956,7 +965,7 @@
           <a:p>
             <a:fld id="{210C01E4-EBAF-0E44-BBFE-24C6DF45EDDE}" type="datetimeFigureOut">
               <a:rPr kumimoji="1" lang="ja-JP" altLang="en-US" smtClean="0"/>
-              <a:t>2021/11/9</a:t>
+              <a:t>2021/11/16</a:t>
             </a:fld>
             <a:endParaRPr kumimoji="1" lang="ja-JP" altLang="en-US"/>
           </a:p>
@@ -1231,7 +1240,7 @@
           <a:p>
             <a:fld id="{210C01E4-EBAF-0E44-BBFE-24C6DF45EDDE}" type="datetimeFigureOut">
               <a:rPr kumimoji="1" lang="ja-JP" altLang="en-US" smtClean="0"/>
-              <a:t>2021/11/9</a:t>
+              <a:t>2021/11/16</a:t>
             </a:fld>
             <a:endParaRPr kumimoji="1" lang="ja-JP" altLang="en-US"/>
           </a:p>
@@ -1560,7 +1569,7 @@
           <a:p>
             <a:fld id="{210C01E4-EBAF-0E44-BBFE-24C6DF45EDDE}" type="datetimeFigureOut">
               <a:rPr kumimoji="1" lang="ja-JP" altLang="en-US" smtClean="0"/>
-              <a:t>2021/11/9</a:t>
+              <a:t>2021/11/16</a:t>
             </a:fld>
             <a:endParaRPr kumimoji="1" lang="ja-JP" altLang="en-US"/>
           </a:p>
@@ -2036,7 +2045,7 @@
           <a:p>
             <a:fld id="{210C01E4-EBAF-0E44-BBFE-24C6DF45EDDE}" type="datetimeFigureOut">
               <a:rPr kumimoji="1" lang="ja-JP" altLang="en-US" smtClean="0"/>
-              <a:t>2021/11/9</a:t>
+              <a:t>2021/11/16</a:t>
             </a:fld>
             <a:endParaRPr kumimoji="1" lang="ja-JP" altLang="en-US"/>
           </a:p>
@@ -2177,7 +2186,7 @@
           <a:p>
             <a:fld id="{210C01E4-EBAF-0E44-BBFE-24C6DF45EDDE}" type="datetimeFigureOut">
               <a:rPr kumimoji="1" lang="ja-JP" altLang="en-US" smtClean="0"/>
-              <a:t>2021/11/9</a:t>
+              <a:t>2021/11/16</a:t>
             </a:fld>
             <a:endParaRPr kumimoji="1" lang="ja-JP" altLang="en-US"/>
           </a:p>
@@ -2290,7 +2299,7 @@
           <a:p>
             <a:fld id="{210C01E4-EBAF-0E44-BBFE-24C6DF45EDDE}" type="datetimeFigureOut">
               <a:rPr kumimoji="1" lang="ja-JP" altLang="en-US" smtClean="0"/>
-              <a:t>2021/11/9</a:t>
+              <a:t>2021/11/16</a:t>
             </a:fld>
             <a:endParaRPr kumimoji="1" lang="ja-JP" altLang="en-US"/>
           </a:p>
@@ -2633,7 +2642,7 @@
           <a:p>
             <a:fld id="{210C01E4-EBAF-0E44-BBFE-24C6DF45EDDE}" type="datetimeFigureOut">
               <a:rPr kumimoji="1" lang="ja-JP" altLang="en-US" smtClean="0"/>
-              <a:t>2021/11/9</a:t>
+              <a:t>2021/11/16</a:t>
             </a:fld>
             <a:endParaRPr kumimoji="1" lang="ja-JP" altLang="en-US"/>
           </a:p>
@@ -2921,7 +2930,7 @@
           <a:p>
             <a:fld id="{210C01E4-EBAF-0E44-BBFE-24C6DF45EDDE}" type="datetimeFigureOut">
               <a:rPr kumimoji="1" lang="ja-JP" altLang="en-US" smtClean="0"/>
-              <a:t>2021/11/9</a:t>
+              <a:t>2021/11/16</a:t>
             </a:fld>
             <a:endParaRPr kumimoji="1" lang="ja-JP" altLang="en-US"/>
           </a:p>
@@ -3194,7 +3203,7 @@
           <a:p>
             <a:fld id="{210C01E4-EBAF-0E44-BBFE-24C6DF45EDDE}" type="datetimeFigureOut">
               <a:rPr kumimoji="1" lang="ja-JP" altLang="en-US" smtClean="0"/>
-              <a:t>2021/11/9</a:t>
+              <a:t>2021/11/16</a:t>
             </a:fld>
             <a:endParaRPr kumimoji="1" lang="ja-JP" altLang="en-US"/>
           </a:p>
@@ -3611,8 +3620,8 @@
           <a:chExt cx="0" cy="0"/>
         </a:xfrm>
       </p:grpSpPr>
-      <mc:AlternateContent xmlns:mc="http://schemas.openxmlformats.org/markup-compatibility/2006">
-        <mc:Choice xmlns:a14="http://schemas.microsoft.com/office/drawing/2010/main" Requires="a14">
+      <mc:AlternateContent xmlns:mc="http://schemas.openxmlformats.org/markup-compatibility/2006" xmlns:a14="http://schemas.microsoft.com/office/drawing/2010/main">
+        <mc:Choice Requires="a14">
           <p:sp>
             <p:nvSpPr>
               <p:cNvPr id="5" name="テキスト ボックス 4">
@@ -3628,7 +3637,7 @@
             <p:spPr>
               <a:xfrm>
                 <a:off x="2015944" y="1071572"/>
-                <a:ext cx="5255713" cy="3539430"/>
+                <a:ext cx="5255713" cy="4221669"/>
               </a:xfrm>
               <a:prstGeom prst="rect">
                 <a:avLst/>
@@ -3641,7 +3650,11 @@
               </a:bodyPr>
               <a:lstStyle/>
               <a:p>
-                <a:pPr/>
+                <a:pPr>
+                  <a:lnSpc>
+                    <a:spcPts val="2320"/>
+                  </a:lnSpc>
+                </a:pPr>
                 <a14:m>
                   <m:oMathPara xmlns:m="http://schemas.openxmlformats.org/officeDocument/2006/math">
                     <m:oMathParaPr>
@@ -3765,7 +3778,11 @@
                 </a:endParaRPr>
               </a:p>
               <a:p>
-                <a:pPr/>
+                <a:pPr>
+                  <a:lnSpc>
+                    <a:spcPts val="2320"/>
+                  </a:lnSpc>
+                </a:pPr>
                 <a:r>
                   <a:rPr lang="ja-JP" altLang="en-US" sz="1600">
                     <a:cs typeface="Times New Roman" panose="02020603050405020304" pitchFamily="18" charset="0"/>
@@ -3929,7 +3946,11 @@
                 </a:endParaRPr>
               </a:p>
               <a:p>
-                <a:pPr/>
+                <a:pPr>
+                  <a:lnSpc>
+                    <a:spcPts val="2320"/>
+                  </a:lnSpc>
+                </a:pPr>
                 <a:r>
                   <a:rPr lang="ja-JP" altLang="en-US" sz="1600" b="1">
                     <a:effectLst/>
@@ -4256,7 +4277,11 @@
                 </a:endParaRPr>
               </a:p>
               <a:p>
-                <a:pPr/>
+                <a:pPr>
+                  <a:lnSpc>
+                    <a:spcPts val="2320"/>
+                  </a:lnSpc>
+                </a:pPr>
                 <a:r>
                   <a:rPr lang="ja-JP" altLang="en-US" sz="1600" b="1">
                     <a:effectLst/>
@@ -4330,7 +4355,11 @@
                 </a:endParaRPr>
               </a:p>
               <a:p>
-                <a:pPr/>
+                <a:pPr>
+                  <a:lnSpc>
+                    <a:spcPts val="2320"/>
+                  </a:lnSpc>
+                </a:pPr>
                 <a:r>
                   <a:rPr lang="ja-JP" altLang="en-US" sz="1600" b="1">
                     <a:effectLst/>
@@ -4396,7 +4425,11 @@
                 </a:endParaRPr>
               </a:p>
               <a:p>
-                <a:pPr/>
+                <a:pPr>
+                  <a:lnSpc>
+                    <a:spcPts val="2320"/>
+                  </a:lnSpc>
+                </a:pPr>
                 <a:r>
                   <a:rPr lang="ja-JP" altLang="en-US" sz="1600">
                     <a:effectLst/>
@@ -4646,7 +4679,11 @@
                 </a:endParaRPr>
               </a:p>
               <a:p>
-                <a:pPr/>
+                <a:pPr>
+                  <a:lnSpc>
+                    <a:spcPts val="2320"/>
+                  </a:lnSpc>
+                </a:pPr>
                 <a:r>
                   <a:rPr lang="ja-JP" altLang="en-US" sz="1600" b="1">
                     <a:effectLst/>
@@ -4918,7 +4955,11 @@
                 </a:endParaRPr>
               </a:p>
               <a:p>
-                <a:pPr/>
+                <a:pPr>
+                  <a:lnSpc>
+                    <a:spcPts val="2320"/>
+                  </a:lnSpc>
+                </a:pPr>
                 <a:r>
                   <a:rPr lang="ja-JP" altLang="en-US" sz="1600">
                     <a:effectLst/>
@@ -5141,7 +5182,11 @@
                 </a:endParaRPr>
               </a:p>
               <a:p>
-                <a:pPr/>
+                <a:pPr>
+                  <a:lnSpc>
+                    <a:spcPts val="2320"/>
+                  </a:lnSpc>
+                </a:pPr>
                 <a:r>
                   <a:rPr lang="ja-JP" altLang="en-US" sz="1600">
                     <a:effectLst/>
@@ -5215,7 +5260,11 @@
                 </a:endParaRPr>
               </a:p>
               <a:p>
-                <a:pPr/>
+                <a:pPr>
+                  <a:lnSpc>
+                    <a:spcPts val="2320"/>
+                  </a:lnSpc>
+                </a:pPr>
                 <a:r>
                   <a:rPr lang="ja-JP" altLang="en-US" sz="1600" b="1">
                     <a:effectLst/>
@@ -5258,7 +5307,11 @@
                 </a:endParaRPr>
               </a:p>
               <a:p>
-                <a:pPr/>
+                <a:pPr>
+                  <a:lnSpc>
+                    <a:spcPts val="2320"/>
+                  </a:lnSpc>
+                </a:pPr>
                 <a:r>
                   <a:rPr lang="ja-JP" altLang="en-US" sz="1600" b="1">
                     <a:effectLst/>
@@ -5324,7 +5377,11 @@
                 </a:endParaRPr>
               </a:p>
               <a:p>
-                <a:pPr/>
+                <a:pPr>
+                  <a:lnSpc>
+                    <a:spcPts val="2320"/>
+                  </a:lnSpc>
+                </a:pPr>
                 <a:r>
                   <a:rPr lang="ja-JP" altLang="en-US" sz="1600" b="1">
                     <a:effectLst/>
@@ -5367,7 +5424,11 @@
                 </a:endParaRPr>
               </a:p>
               <a:p>
-                <a:pPr/>
+                <a:pPr>
+                  <a:lnSpc>
+                    <a:spcPts val="2320"/>
+                  </a:lnSpc>
+                </a:pPr>
                 <a14:m>
                   <m:oMathPara xmlns:m="http://schemas.openxmlformats.org/officeDocument/2006/math">
                     <m:oMathParaPr>
@@ -5409,7 +5470,7 @@
             </p:txBody>
           </p:sp>
         </mc:Choice>
-        <mc:Fallback>
+        <mc:Fallback xmlns="">
           <p:sp>
             <p:nvSpPr>
               <p:cNvPr id="5" name="テキスト ボックス 4">
@@ -5427,7 +5488,7 @@
             <p:spPr>
               <a:xfrm>
                 <a:off x="2015944" y="1071572"/>
-                <a:ext cx="5255713" cy="3539430"/>
+                <a:ext cx="5255713" cy="4221669"/>
               </a:xfrm>
               <a:prstGeom prst="rect">
                 <a:avLst/>
@@ -5435,7 +5496,7 @@
               <a:blipFill>
                 <a:blip r:embed="rId2"/>
                 <a:stretch>
-                  <a:fillRect b="-717"/>
+                  <a:fillRect/>
                 </a:stretch>
               </a:blipFill>
             </p:spPr>
@@ -5484,8 +5545,8 @@
           <a:chExt cx="0" cy="0"/>
         </a:xfrm>
       </p:grpSpPr>
-      <mc:AlternateContent xmlns:mc="http://schemas.openxmlformats.org/markup-compatibility/2006">
-        <mc:Choice xmlns:a14="http://schemas.microsoft.com/office/drawing/2010/main" Requires="a14">
+      <mc:AlternateContent xmlns:mc="http://schemas.openxmlformats.org/markup-compatibility/2006" xmlns:a14="http://schemas.microsoft.com/office/drawing/2010/main">
+        <mc:Choice Requires="a14">
           <p:sp>
             <p:nvSpPr>
               <p:cNvPr id="2" name="テキスト ボックス 1">
@@ -5501,7 +5562,7 @@
             <p:spPr>
               <a:xfrm>
                 <a:off x="2015944" y="1071572"/>
-                <a:ext cx="5560513" cy="4093428"/>
+                <a:ext cx="5560513" cy="4811574"/>
               </a:xfrm>
               <a:prstGeom prst="rect">
                 <a:avLst/>
@@ -5514,7 +5575,11 @@
               </a:bodyPr>
               <a:lstStyle/>
               <a:p>
-                <a:pPr/>
+                <a:pPr>
+                  <a:lnSpc>
+                    <a:spcPts val="2320"/>
+                  </a:lnSpc>
+                </a:pPr>
                 <a14:m>
                   <m:oMathPara xmlns:m="http://schemas.openxmlformats.org/officeDocument/2006/math">
                     <m:oMathParaPr>
@@ -5607,7 +5672,11 @@
                 </a:endParaRPr>
               </a:p>
               <a:p>
-                <a:pPr/>
+                <a:pPr>
+                  <a:lnSpc>
+                    <a:spcPts val="2320"/>
+                  </a:lnSpc>
+                </a:pPr>
                 <a:r>
                   <a:rPr lang="ja-JP" altLang="en-US" sz="1600">
                     <a:cs typeface="Times New Roman" panose="02020603050405020304" pitchFamily="18" charset="0"/>
@@ -5771,7 +5840,11 @@
                 </a:endParaRPr>
               </a:p>
               <a:p>
-                <a:pPr/>
+                <a:pPr>
+                  <a:lnSpc>
+                    <a:spcPts val="2320"/>
+                  </a:lnSpc>
+                </a:pPr>
                 <a:r>
                   <a:rPr lang="ja-JP" altLang="en-US" sz="1600" i="1">
                     <a:latin typeface="Cambria Math" panose="02040503050406030204" pitchFamily="18" charset="0"/>
@@ -5934,7 +6007,11 @@
                 </a:endParaRPr>
               </a:p>
               <a:p>
-                <a:pPr/>
+                <a:pPr>
+                  <a:lnSpc>
+                    <a:spcPts val="2320"/>
+                  </a:lnSpc>
+                </a:pPr>
                 <a:r>
                   <a:rPr lang="ja-JP" altLang="en-US" sz="1600" i="1">
                     <a:latin typeface="Cambria Math" panose="02040503050406030204" pitchFamily="18" charset="0"/>
@@ -6345,7 +6422,11 @@
                 </a:endParaRPr>
               </a:p>
               <a:p>
-                <a:pPr/>
+                <a:pPr>
+                  <a:lnSpc>
+                    <a:spcPts val="2320"/>
+                  </a:lnSpc>
+                </a:pPr>
                 <a:r>
                   <a:rPr lang="ja-JP" altLang="en-US" sz="1600" b="1">
                     <a:effectLst/>
@@ -6419,7 +6500,11 @@
                 </a:endParaRPr>
               </a:p>
               <a:p>
-                <a:pPr/>
+                <a:pPr>
+                  <a:lnSpc>
+                    <a:spcPts val="2320"/>
+                  </a:lnSpc>
+                </a:pPr>
                 <a:r>
                   <a:rPr lang="ja-JP" altLang="en-US" sz="1600" b="1">
                     <a:effectLst/>
@@ -6485,7 +6570,11 @@
                 </a:endParaRPr>
               </a:p>
               <a:p>
-                <a:pPr/>
+                <a:pPr>
+                  <a:lnSpc>
+                    <a:spcPts val="2320"/>
+                  </a:lnSpc>
+                </a:pPr>
                 <a:r>
                   <a:rPr lang="ja-JP" altLang="en-US" sz="1600">
                     <a:effectLst/>
@@ -6804,7 +6893,11 @@
                 </a:endParaRPr>
               </a:p>
               <a:p>
-                <a:pPr/>
+                <a:pPr>
+                  <a:lnSpc>
+                    <a:spcPts val="2320"/>
+                  </a:lnSpc>
+                </a:pPr>
                 <a:r>
                   <a:rPr lang="ja-JP" altLang="en-US" sz="1600" b="1">
                     <a:effectLst/>
@@ -6932,7 +7025,11 @@
                 </a:endParaRPr>
               </a:p>
               <a:p>
-                <a:pPr/>
+                <a:pPr>
+                  <a:lnSpc>
+                    <a:spcPts val="2320"/>
+                  </a:lnSpc>
+                </a:pPr>
                 <a:r>
                   <a:rPr lang="ja-JP" altLang="en-US" sz="1600">
                     <a:effectLst/>
@@ -7103,7 +7200,11 @@
                 </a:endParaRPr>
               </a:p>
               <a:p>
-                <a:pPr/>
+                <a:pPr>
+                  <a:lnSpc>
+                    <a:spcPts val="2320"/>
+                  </a:lnSpc>
+                </a:pPr>
                 <a:r>
                   <a:rPr lang="ja-JP" altLang="en-US" sz="1600">
                     <a:effectLst/>
@@ -7177,7 +7278,11 @@
                 </a:endParaRPr>
               </a:p>
               <a:p>
-                <a:pPr/>
+                <a:pPr>
+                  <a:lnSpc>
+                    <a:spcPts val="2320"/>
+                  </a:lnSpc>
+                </a:pPr>
                 <a:r>
                   <a:rPr lang="ja-JP" altLang="en-US" sz="1600" b="1">
                     <a:effectLst/>
@@ -7220,7 +7325,11 @@
                 </a:endParaRPr>
               </a:p>
               <a:p>
-                <a:pPr/>
+                <a:pPr>
+                  <a:lnSpc>
+                    <a:spcPts val="2320"/>
+                  </a:lnSpc>
+                </a:pPr>
                 <a:r>
                   <a:rPr lang="ja-JP" altLang="en-US" sz="1600" b="1">
                     <a:effectLst/>
@@ -7286,7 +7395,11 @@
                 </a:endParaRPr>
               </a:p>
               <a:p>
-                <a:pPr/>
+                <a:pPr>
+                  <a:lnSpc>
+                    <a:spcPts val="2320"/>
+                  </a:lnSpc>
+                </a:pPr>
                 <a:r>
                   <a:rPr lang="ja-JP" altLang="en-US" sz="1600" b="1">
                     <a:effectLst/>
@@ -7329,7 +7442,11 @@
                 </a:endParaRPr>
               </a:p>
               <a:p>
-                <a:pPr/>
+                <a:pPr>
+                  <a:lnSpc>
+                    <a:spcPts val="2320"/>
+                  </a:lnSpc>
+                </a:pPr>
                 <a14:m>
                   <m:oMathPara xmlns:m="http://schemas.openxmlformats.org/officeDocument/2006/math">
                     <m:oMathParaPr>
@@ -7371,7 +7488,7 @@
             </p:txBody>
           </p:sp>
         </mc:Choice>
-        <mc:Fallback>
+        <mc:Fallback xmlns="">
           <p:sp>
             <p:nvSpPr>
               <p:cNvPr id="2" name="テキスト ボックス 1">
@@ -7389,7 +7506,7 @@
             <p:spPr>
               <a:xfrm>
                 <a:off x="2015944" y="1071572"/>
-                <a:ext cx="5560513" cy="4093428"/>
+                <a:ext cx="5560513" cy="4811574"/>
               </a:xfrm>
               <a:prstGeom prst="rect">
                 <a:avLst/>
@@ -7397,7 +7514,7 @@
               <a:blipFill>
                 <a:blip r:embed="rId2"/>
                 <a:stretch>
-                  <a:fillRect b="-619"/>
+                  <a:fillRect/>
                 </a:stretch>
               </a:blipFill>
             </p:spPr>
@@ -9001,6 +9118,6289 @@
 </p:sld>
 </file>
 
+<file path=ppt/slides/slide4.xml><?xml version="1.0" encoding="utf-8"?>
+<p:sld xmlns:a="http://schemas.openxmlformats.org/drawingml/2006/main" xmlns:r="http://schemas.openxmlformats.org/officeDocument/2006/relationships" xmlns:p="http://schemas.openxmlformats.org/presentationml/2006/main">
+  <p:cSld>
+    <p:spTree>
+      <p:nvGrpSpPr>
+        <p:cNvPr id="1" name=""/>
+        <p:cNvGrpSpPr/>
+        <p:nvPr/>
+      </p:nvGrpSpPr>
+      <p:grpSpPr>
+        <a:xfrm>
+          <a:off x="0" y="0"/>
+          <a:ext cx="0" cy="0"/>
+          <a:chOff x="0" y="0"/>
+          <a:chExt cx="0" cy="0"/>
+        </a:xfrm>
+      </p:grpSpPr>
+      <mc:AlternateContent xmlns:mc="http://schemas.openxmlformats.org/markup-compatibility/2006">
+        <mc:Choice xmlns:a14="http://schemas.microsoft.com/office/drawing/2010/main" Requires="a14">
+          <p:sp>
+            <p:nvSpPr>
+              <p:cNvPr id="3" name="テキスト ボックス 2">
+                <a:extLst>
+                  <a:ext uri="{FF2B5EF4-FFF2-40B4-BE49-F238E27FC236}">
+                    <a16:creationId xmlns:a16="http://schemas.microsoft.com/office/drawing/2014/main" id="{14BA473E-F863-8046-A1B3-DB8A8DAD7B0E}"/>
+                  </a:ext>
+                </a:extLst>
+              </p:cNvPr>
+              <p:cNvSpPr txBox="1"/>
+              <p:nvPr/>
+            </p:nvSpPr>
+            <p:spPr>
+              <a:xfrm>
+                <a:off x="2059487" y="429315"/>
+                <a:ext cx="5691142" cy="2746906"/>
+              </a:xfrm>
+              <a:prstGeom prst="rect">
+                <a:avLst/>
+              </a:prstGeom>
+              <a:noFill/>
+            </p:spPr>
+            <p:txBody>
+              <a:bodyPr wrap="square">
+                <a:spAutoFit/>
+              </a:bodyPr>
+              <a:lstStyle/>
+              <a:p>
+                <a:pPr>
+                  <a:lnSpc>
+                    <a:spcPts val="2320"/>
+                  </a:lnSpc>
+                </a:pPr>
+                <a14:m>
+                  <m:oMathPara xmlns:m="http://schemas.openxmlformats.org/officeDocument/2006/math">
+                    <m:oMathParaPr>
+                      <m:jc m:val="left"/>
+                    </m:oMathParaPr>
+                    <m:oMath xmlns:m="http://schemas.openxmlformats.org/officeDocument/2006/math">
+                      <m:r>
+                        <a:rPr lang="en-US" altLang="ja-JP" sz="1600" b="1" i="0" dirty="0" smtClean="0">
+                          <a:effectLst/>
+                          <a:latin typeface="Cambria Math" panose="02040503050406030204" pitchFamily="18" charset="0"/>
+                          <a:cs typeface="Times New Roman" panose="02020603050405020304" pitchFamily="18" charset="0"/>
+                        </a:rPr>
+                        <m:t>𝐟𝐮𝐧𝐜𝐭𝐢𝐨𝐧</m:t>
+                      </m:r>
+                      <m:r>
+                        <a:rPr lang="en-US" altLang="ja-JP" sz="1600" b="1" i="1" dirty="0" smtClean="0">
+                          <a:effectLst/>
+                          <a:latin typeface="Cambria Math" panose="02040503050406030204" pitchFamily="18" charset="0"/>
+                          <a:cs typeface="Times New Roman" panose="02020603050405020304" pitchFamily="18" charset="0"/>
+                        </a:rPr>
+                        <m:t> </m:t>
+                      </m:r>
+                      <m:r>
+                        <a:rPr lang="en-US" altLang="ja-JP" sz="1600" b="0" i="1" dirty="0" smtClean="0">
+                          <a:effectLst/>
+                          <a:latin typeface="Cambria Math" panose="02040503050406030204" pitchFamily="18" charset="0"/>
+                          <a:cs typeface="Times New Roman" panose="02020603050405020304" pitchFamily="18" charset="0"/>
+                        </a:rPr>
+                        <m:t>𝐿𝑓𝑝</m:t>
+                      </m:r>
+                      <m:d>
+                        <m:dPr>
+                          <m:ctrlPr>
+                            <a:rPr lang="en-US" altLang="ja-JP" sz="1600" i="1" dirty="0" smtClean="0">
+                              <a:effectLst/>
+                              <a:latin typeface="Cambria Math" panose="02040503050406030204" pitchFamily="18" charset="0"/>
+                              <a:cs typeface="Times New Roman" panose="02020603050405020304" pitchFamily="18" charset="0"/>
+                            </a:rPr>
+                          </m:ctrlPr>
+                        </m:dPr>
+                        <m:e>
+                          <m:r>
+                            <a:rPr lang="en-US" altLang="ja-JP" sz="1600" b="0" i="1" dirty="0" smtClean="0">
+                              <a:effectLst/>
+                              <a:latin typeface="Cambria Math" panose="02040503050406030204" pitchFamily="18" charset="0"/>
+                              <a:cs typeface="Times New Roman" panose="02020603050405020304" pitchFamily="18" charset="0"/>
+                            </a:rPr>
+                            <m:t>𝑇𝑎𝑢</m:t>
+                          </m:r>
+                          <m:r>
+                            <a:rPr lang="en-US" altLang="ja-JP" sz="1600" b="0" i="1" dirty="0" smtClean="0">
+                              <a:effectLst/>
+                              <a:latin typeface="Cambria Math" panose="02040503050406030204" pitchFamily="18" charset="0"/>
+                              <a:cs typeface="Times New Roman" panose="02020603050405020304" pitchFamily="18" charset="0"/>
+                            </a:rPr>
+                            <m:t> :</m:t>
+                          </m:r>
+                          <m:r>
+                            <a:rPr lang="en-US" altLang="ja-JP" sz="1600" b="0" i="1" dirty="0" smtClean="0">
+                              <a:effectLst/>
+                              <a:latin typeface="Cambria Math" panose="02040503050406030204" pitchFamily="18" charset="0"/>
+                              <a:cs typeface="Times New Roman" panose="02020603050405020304" pitchFamily="18" charset="0"/>
+                            </a:rPr>
+                            <m:t>𝑃𝑟𝑒𝑑𝑖𝑐𝑎𝑡𝑒𝑇𝑟𝑎𝑛𝑠𝑓𝑜𝑟𝑚𝑒𝑟</m:t>
+                          </m:r>
+                        </m:e>
+                      </m:d>
+                      <m:r>
+                        <a:rPr lang="en-US" altLang="ja-JP" sz="1600" b="0" i="1" dirty="0" smtClean="0">
+                          <a:effectLst/>
+                          <a:latin typeface="Cambria Math" panose="02040503050406030204" pitchFamily="18" charset="0"/>
+                          <a:cs typeface="Times New Roman" panose="02020603050405020304" pitchFamily="18" charset="0"/>
+                        </a:rPr>
+                        <m:t>:</m:t>
+                      </m:r>
+                      <m:r>
+                        <a:rPr lang="en-US" altLang="ja-JP" sz="1600" b="0" i="1" dirty="0" smtClean="0">
+                          <a:effectLst/>
+                          <a:latin typeface="Cambria Math" panose="02040503050406030204" pitchFamily="18" charset="0"/>
+                          <a:cs typeface="Times New Roman" panose="02020603050405020304" pitchFamily="18" charset="0"/>
+                        </a:rPr>
+                        <m:t>𝑃𝑟𝑒𝑑𝑖𝑐𝑎𝑡𝑒</m:t>
+                      </m:r>
+                    </m:oMath>
+                  </m:oMathPara>
+                </a14:m>
+                <a:endParaRPr lang="en-US" altLang="ja-JP" sz="1600" i="1" dirty="0">
+                  <a:effectLst/>
+                  <a:latin typeface="Cambria Math" panose="02040503050406030204" pitchFamily="18" charset="0"/>
+                  <a:cs typeface="Times New Roman" panose="02020603050405020304" pitchFamily="18" charset="0"/>
+                </a:endParaRPr>
+              </a:p>
+              <a:p>
+                <a:pPr>
+                  <a:lnSpc>
+                    <a:spcPts val="2320"/>
+                  </a:lnSpc>
+                </a:pPr>
+                <a:r>
+                  <a:rPr lang="ja-JP" altLang="en-US" sz="1600">
+                    <a:cs typeface="Times New Roman" panose="02020603050405020304" pitchFamily="18" charset="0"/>
+                  </a:rPr>
+                  <a:t>　</a:t>
+                </a:r>
+                <a14:m>
+                  <m:oMath xmlns:m="http://schemas.openxmlformats.org/officeDocument/2006/math">
+                    <m:r>
+                      <a:rPr lang="en-US" altLang="ja-JP" sz="1600" b="0" i="1" dirty="0" smtClean="0">
+                        <a:effectLst/>
+                        <a:latin typeface="Cambria Math" panose="02040503050406030204" pitchFamily="18" charset="0"/>
+                        <a:cs typeface="Times New Roman" panose="02020603050405020304" pitchFamily="18" charset="0"/>
+                      </a:rPr>
+                      <m:t>𝑄</m:t>
+                    </m:r>
+                    <m:r>
+                      <a:rPr lang="en-US" altLang="ja-JP" sz="1600" i="1" dirty="0" smtClean="0">
+                        <a:effectLst/>
+                        <a:latin typeface="Cambria Math" panose="02040503050406030204" pitchFamily="18" charset="0"/>
+                        <a:cs typeface="Times New Roman" panose="02020603050405020304" pitchFamily="18" charset="0"/>
+                      </a:rPr>
+                      <m:t>:=</m:t>
+                    </m:r>
+                    <m:r>
+                      <a:rPr lang="en-US" altLang="ja-JP" sz="1600" b="0" i="1" dirty="0" smtClean="0">
+                        <a:effectLst/>
+                        <a:latin typeface="Cambria Math" panose="02040503050406030204" pitchFamily="18" charset="0"/>
+                        <a:cs typeface="Times New Roman" panose="02020603050405020304" pitchFamily="18" charset="0"/>
+                      </a:rPr>
+                      <m:t>𝑓𝑎𝑙𝑠𝑒</m:t>
+                    </m:r>
+                    <m:r>
+                      <a:rPr lang="en-US" altLang="ja-JP" sz="1600" i="1" dirty="0" smtClean="0">
+                        <a:effectLst/>
+                        <a:latin typeface="Cambria Math" panose="02040503050406030204" pitchFamily="18" charset="0"/>
+                        <a:cs typeface="Times New Roman" panose="02020603050405020304" pitchFamily="18" charset="0"/>
+                      </a:rPr>
+                      <m:t>;</m:t>
+                    </m:r>
+                  </m:oMath>
+                </a14:m>
+                <a:endParaRPr lang="en-US" altLang="ja-JP" sz="1600" dirty="0">
+                  <a:effectLst/>
+                  <a:cs typeface="Times New Roman" panose="02020603050405020304" pitchFamily="18" charset="0"/>
+                </a:endParaRPr>
+              </a:p>
+              <a:p>
+                <a:pPr>
+                  <a:lnSpc>
+                    <a:spcPts val="2320"/>
+                  </a:lnSpc>
+                </a:pPr>
+                <a:r>
+                  <a:rPr lang="ja-JP" altLang="en-US" sz="1600" i="1">
+                    <a:effectLst/>
+                    <a:latin typeface="Cambria Math" panose="02040503050406030204" pitchFamily="18" charset="0"/>
+                    <a:cs typeface="Times New Roman" panose="02020603050405020304" pitchFamily="18" charset="0"/>
+                  </a:rPr>
+                  <a:t>　</a:t>
+                </a:r>
+                <a14:m>
+                  <m:oMath xmlns:m="http://schemas.openxmlformats.org/officeDocument/2006/math">
+                    <m:r>
+                      <a:rPr lang="en-US" altLang="ja-JP" sz="1600" i="1" dirty="0" smtClean="0">
+                        <a:effectLst/>
+                        <a:latin typeface="Cambria Math" panose="02040503050406030204" pitchFamily="18" charset="0"/>
+                        <a:cs typeface="Times New Roman" panose="02020603050405020304" pitchFamily="18" charset="0"/>
+                      </a:rPr>
+                      <m:t>𝑄</m:t>
+                    </m:r>
+                    <m:r>
+                      <a:rPr lang="en-US" altLang="ja-JP" sz="1600" i="1" dirty="0" smtClean="0">
+                        <a:effectLst/>
+                        <a:latin typeface="Cambria Math" panose="02040503050406030204" pitchFamily="18" charset="0"/>
+                        <a:cs typeface="Times New Roman" panose="02020603050405020304" pitchFamily="18" charset="0"/>
+                      </a:rPr>
+                      <m:t>′:=</m:t>
+                    </m:r>
+                    <m:r>
+                      <a:rPr lang="en-US" altLang="ja-JP" sz="1600" i="1" dirty="0" smtClean="0">
+                        <a:effectLst/>
+                        <a:latin typeface="Cambria Math" panose="02040503050406030204" pitchFamily="18" charset="0"/>
+                        <a:cs typeface="Times New Roman" panose="02020603050405020304" pitchFamily="18" charset="0"/>
+                      </a:rPr>
+                      <m:t>𝑇𝑎𝑢</m:t>
+                    </m:r>
+                    <m:r>
+                      <a:rPr lang="en-US" altLang="ja-JP" sz="1600" i="1" dirty="0" smtClean="0">
+                        <a:effectLst/>
+                        <a:latin typeface="Cambria Math" panose="02040503050406030204" pitchFamily="18" charset="0"/>
+                        <a:cs typeface="Times New Roman" panose="02020603050405020304" pitchFamily="18" charset="0"/>
+                      </a:rPr>
+                      <m:t>(</m:t>
+                    </m:r>
+                    <m:r>
+                      <a:rPr lang="en-US" altLang="ja-JP" sz="1600" i="1" dirty="0" smtClean="0">
+                        <a:effectLst/>
+                        <a:latin typeface="Cambria Math" panose="02040503050406030204" pitchFamily="18" charset="0"/>
+                        <a:cs typeface="Times New Roman" panose="02020603050405020304" pitchFamily="18" charset="0"/>
+                      </a:rPr>
+                      <m:t>𝑄</m:t>
+                    </m:r>
+                    <m:r>
+                      <a:rPr lang="en-US" altLang="ja-JP" sz="1600" i="1" dirty="0" smtClean="0">
+                        <a:effectLst/>
+                        <a:latin typeface="Cambria Math" panose="02040503050406030204" pitchFamily="18" charset="0"/>
+                        <a:cs typeface="Times New Roman" panose="02020603050405020304" pitchFamily="18" charset="0"/>
+                      </a:rPr>
+                      <m:t>);</m:t>
+                    </m:r>
+                  </m:oMath>
+                </a14:m>
+                <a:endParaRPr lang="en-US" altLang="ja-JP" sz="1600" i="1" dirty="0">
+                  <a:effectLst/>
+                  <a:latin typeface="Cambria Math" panose="02040503050406030204" pitchFamily="18" charset="0"/>
+                  <a:cs typeface="Times New Roman" panose="02020603050405020304" pitchFamily="18" charset="0"/>
+                </a:endParaRPr>
+              </a:p>
+              <a:p>
+                <a:pPr>
+                  <a:lnSpc>
+                    <a:spcPts val="2320"/>
+                  </a:lnSpc>
+                </a:pPr>
+                <a:r>
+                  <a:rPr lang="ja-JP" altLang="en-US" sz="1600" b="1">
+                    <a:effectLst/>
+                    <a:cs typeface="Times New Roman" panose="02020603050405020304" pitchFamily="18" charset="0"/>
+                  </a:rPr>
+                  <a:t>　</a:t>
+                </a:r>
+                <a14:m>
+                  <m:oMath xmlns:m="http://schemas.openxmlformats.org/officeDocument/2006/math">
+                    <m:r>
+                      <a:rPr lang="en-US" altLang="ja-JP" sz="1600" b="1" i="0" dirty="0" smtClean="0">
+                        <a:effectLst/>
+                        <a:latin typeface="Cambria Math" panose="02040503050406030204" pitchFamily="18" charset="0"/>
+                        <a:cs typeface="Times New Roman" panose="02020603050405020304" pitchFamily="18" charset="0"/>
+                      </a:rPr>
+                      <m:t>𝐰𝐡𝐢𝐥𝐞</m:t>
+                    </m:r>
+                    <m:r>
+                      <a:rPr lang="en-US" altLang="ja-JP" sz="1600" i="1" dirty="0" smtClean="0">
+                        <a:effectLst/>
+                        <a:latin typeface="Cambria Math" panose="02040503050406030204" pitchFamily="18" charset="0"/>
+                        <a:cs typeface="Times New Roman" panose="02020603050405020304" pitchFamily="18" charset="0"/>
+                      </a:rPr>
+                      <m:t> </m:t>
+                    </m:r>
+                    <m:r>
+                      <a:rPr lang="en-US" altLang="ja-JP" sz="1600" b="0" i="1" dirty="0" smtClean="0">
+                        <a:effectLst/>
+                        <a:latin typeface="Cambria Math" panose="02040503050406030204" pitchFamily="18" charset="0"/>
+                        <a:cs typeface="Times New Roman" panose="02020603050405020304" pitchFamily="18" charset="0"/>
+                      </a:rPr>
+                      <m:t>𝑄</m:t>
+                    </m:r>
+                    <m:r>
+                      <a:rPr lang="ja-JP" altLang="en-US" sz="1600" i="1" smtClean="0">
+                        <a:latin typeface="Cambria Math" panose="02040503050406030204" pitchFamily="18" charset="0"/>
+                        <a:cs typeface="Times New Roman" panose="02020603050405020304" pitchFamily="18" charset="0"/>
+                      </a:rPr>
+                      <m:t>≠</m:t>
+                    </m:r>
+                    <m:r>
+                      <a:rPr lang="en-US" altLang="ja-JP" sz="1600" b="0" i="1" smtClean="0">
+                        <a:latin typeface="Cambria Math" panose="02040503050406030204" pitchFamily="18" charset="0"/>
+                        <a:cs typeface="Times New Roman" panose="02020603050405020304" pitchFamily="18" charset="0"/>
+                      </a:rPr>
+                      <m:t>𝑄</m:t>
+                    </m:r>
+                    <m:r>
+                      <a:rPr lang="en-US" altLang="ja-JP" sz="1600" b="0" i="1" smtClean="0">
+                        <a:latin typeface="Cambria Math" panose="02040503050406030204" pitchFamily="18" charset="0"/>
+                        <a:cs typeface="Times New Roman" panose="02020603050405020304" pitchFamily="18" charset="0"/>
+                      </a:rPr>
+                      <m:t>′ </m:t>
+                    </m:r>
+                    <m:r>
+                      <a:rPr lang="en-US" altLang="ja-JP" sz="1600" b="1" i="0" dirty="0" smtClean="0">
+                        <a:effectLst/>
+                        <a:latin typeface="Cambria Math" panose="02040503050406030204" pitchFamily="18" charset="0"/>
+                        <a:cs typeface="Times New Roman" panose="02020603050405020304" pitchFamily="18" charset="0"/>
+                      </a:rPr>
+                      <m:t>𝐝𝐨</m:t>
+                    </m:r>
+                  </m:oMath>
+                </a14:m>
+                <a:endParaRPr lang="en-US" altLang="ja-JP" sz="1600" i="1" dirty="0">
+                  <a:effectLst/>
+                  <a:latin typeface="Cambria Math" panose="02040503050406030204" pitchFamily="18" charset="0"/>
+                  <a:cs typeface="Times New Roman" panose="02020603050405020304" pitchFamily="18" charset="0"/>
+                </a:endParaRPr>
+              </a:p>
+              <a:p>
+                <a:pPr>
+                  <a:lnSpc>
+                    <a:spcPts val="2320"/>
+                  </a:lnSpc>
+                </a:pPr>
+                <a:r>
+                  <a:rPr lang="ja-JP" altLang="en-US" sz="1600">
+                    <a:effectLst/>
+                    <a:cs typeface="Times New Roman" panose="02020603050405020304" pitchFamily="18" charset="0"/>
+                  </a:rPr>
+                  <a:t>　　</a:t>
+                </a:r>
+                <a14:m>
+                  <m:oMath xmlns:m="http://schemas.openxmlformats.org/officeDocument/2006/math">
+                    <m:r>
+                      <a:rPr lang="en-US" altLang="ja-JP" sz="1600" b="0" i="1" dirty="0" smtClean="0">
+                        <a:effectLst/>
+                        <a:latin typeface="Cambria Math" panose="02040503050406030204" pitchFamily="18" charset="0"/>
+                        <a:cs typeface="Times New Roman" panose="02020603050405020304" pitchFamily="18" charset="0"/>
+                      </a:rPr>
+                      <m:t>𝑄</m:t>
+                    </m:r>
+                    <m:r>
+                      <a:rPr lang="en-US" altLang="ja-JP" sz="1600" i="1" dirty="0" smtClean="0">
+                        <a:effectLst/>
+                        <a:latin typeface="Cambria Math" panose="02040503050406030204" pitchFamily="18" charset="0"/>
+                        <a:cs typeface="Times New Roman" panose="02020603050405020304" pitchFamily="18" charset="0"/>
+                      </a:rPr>
+                      <m:t>:=</m:t>
+                    </m:r>
+                    <m:r>
+                      <a:rPr lang="en-US" altLang="ja-JP" sz="1600" b="0" i="1" dirty="0" smtClean="0">
+                        <a:effectLst/>
+                        <a:latin typeface="Cambria Math" panose="02040503050406030204" pitchFamily="18" charset="0"/>
+                        <a:cs typeface="Times New Roman" panose="02020603050405020304" pitchFamily="18" charset="0"/>
+                      </a:rPr>
+                      <m:t>𝑄</m:t>
+                    </m:r>
+                    <m:r>
+                      <a:rPr lang="en-US" altLang="ja-JP" sz="1600" b="0" i="1" dirty="0" smtClean="0">
+                        <a:effectLst/>
+                        <a:latin typeface="Cambria Math" panose="02040503050406030204" pitchFamily="18" charset="0"/>
+                        <a:cs typeface="Times New Roman" panose="02020603050405020304" pitchFamily="18" charset="0"/>
+                      </a:rPr>
+                      <m:t>′;</m:t>
+                    </m:r>
+                  </m:oMath>
+                </a14:m>
+                <a:endParaRPr lang="en-US" altLang="ja-JP" sz="1600" dirty="0">
+                  <a:effectLst/>
+                  <a:latin typeface="Times New Roman" panose="02020603050405020304" pitchFamily="18" charset="0"/>
+                  <a:cs typeface="Times New Roman" panose="02020603050405020304" pitchFamily="18" charset="0"/>
+                </a:endParaRPr>
+              </a:p>
+              <a:p>
+                <a:pPr>
+                  <a:lnSpc>
+                    <a:spcPts val="2320"/>
+                  </a:lnSpc>
+                </a:pPr>
+                <a:r>
+                  <a:rPr lang="ja-JP" altLang="en-US" sz="1600">
+                    <a:latin typeface="Times New Roman" panose="02020603050405020304" pitchFamily="18" charset="0"/>
+                    <a:cs typeface="Times New Roman" panose="02020603050405020304" pitchFamily="18" charset="0"/>
+                  </a:rPr>
+                  <a:t>　　</a:t>
+                </a:r>
+                <a14:m>
+                  <m:oMath xmlns:m="http://schemas.openxmlformats.org/officeDocument/2006/math">
+                    <m:r>
+                      <a:rPr lang="en-US" altLang="ja-JP" sz="1600" i="1" dirty="0">
+                        <a:latin typeface="Cambria Math" panose="02040503050406030204" pitchFamily="18" charset="0"/>
+                        <a:cs typeface="Times New Roman" panose="02020603050405020304" pitchFamily="18" charset="0"/>
+                      </a:rPr>
+                      <m:t>𝑄</m:t>
+                    </m:r>
+                    <m:r>
+                      <a:rPr lang="en-US" altLang="ja-JP" sz="1600" i="1" dirty="0">
+                        <a:latin typeface="Cambria Math" panose="02040503050406030204" pitchFamily="18" charset="0"/>
+                        <a:cs typeface="Times New Roman" panose="02020603050405020304" pitchFamily="18" charset="0"/>
+                      </a:rPr>
+                      <m:t>′:=</m:t>
+                    </m:r>
+                    <m:r>
+                      <a:rPr lang="en-US" altLang="ja-JP" sz="1600" i="1" dirty="0">
+                        <a:latin typeface="Cambria Math" panose="02040503050406030204" pitchFamily="18" charset="0"/>
+                        <a:cs typeface="Times New Roman" panose="02020603050405020304" pitchFamily="18" charset="0"/>
+                      </a:rPr>
+                      <m:t>𝑇𝑎𝑢</m:t>
+                    </m:r>
+                    <m:r>
+                      <a:rPr lang="en-US" altLang="ja-JP" sz="1600" i="1" dirty="0">
+                        <a:latin typeface="Cambria Math" panose="02040503050406030204" pitchFamily="18" charset="0"/>
+                        <a:cs typeface="Times New Roman" panose="02020603050405020304" pitchFamily="18" charset="0"/>
+                      </a:rPr>
+                      <m:t>(</m:t>
+                    </m:r>
+                    <m:r>
+                      <a:rPr lang="en-US" altLang="ja-JP" sz="1600" i="1" dirty="0">
+                        <a:latin typeface="Cambria Math" panose="02040503050406030204" pitchFamily="18" charset="0"/>
+                        <a:cs typeface="Times New Roman" panose="02020603050405020304" pitchFamily="18" charset="0"/>
+                      </a:rPr>
+                      <m:t>𝑄</m:t>
+                    </m:r>
+                    <m:r>
+                      <a:rPr lang="en-US" altLang="ja-JP" sz="1600" i="1" dirty="0">
+                        <a:latin typeface="Cambria Math" panose="02040503050406030204" pitchFamily="18" charset="0"/>
+                        <a:cs typeface="Times New Roman" panose="02020603050405020304" pitchFamily="18" charset="0"/>
+                      </a:rPr>
+                      <m:t>);</m:t>
+                    </m:r>
+                  </m:oMath>
+                </a14:m>
+                <a:br>
+                  <a:rPr lang="en-US" altLang="ja-JP" sz="1600" dirty="0">
+                    <a:effectLst/>
+                    <a:latin typeface="Times New Roman" panose="02020603050405020304" pitchFamily="18" charset="0"/>
+                    <a:cs typeface="Times New Roman" panose="02020603050405020304" pitchFamily="18" charset="0"/>
+                  </a:rPr>
+                </a:br>
+                <a:r>
+                  <a:rPr lang="ja-JP" altLang="en-US" sz="1600" b="1">
+                    <a:effectLst/>
+                    <a:cs typeface="Times New Roman" panose="02020603050405020304" pitchFamily="18" charset="0"/>
+                  </a:rPr>
+                  <a:t>　</a:t>
+                </a:r>
+                <a14:m>
+                  <m:oMath xmlns:m="http://schemas.openxmlformats.org/officeDocument/2006/math">
+                    <m:r>
+                      <a:rPr lang="en-US" altLang="ja-JP" sz="1600" b="1" i="0" dirty="0" smtClean="0">
+                        <a:effectLst/>
+                        <a:latin typeface="Cambria Math" panose="02040503050406030204" pitchFamily="18" charset="0"/>
+                        <a:cs typeface="Times New Roman" panose="02020603050405020304" pitchFamily="18" charset="0"/>
+                      </a:rPr>
+                      <m:t>𝐞𝐧𝐝</m:t>
+                    </m:r>
+                    <m:r>
+                      <a:rPr lang="en-US" altLang="ja-JP" sz="1600" b="1" i="0" dirty="0" smtClean="0">
+                        <a:effectLst/>
+                        <a:latin typeface="Cambria Math" panose="02040503050406030204" pitchFamily="18" charset="0"/>
+                        <a:cs typeface="Times New Roman" panose="02020603050405020304" pitchFamily="18" charset="0"/>
+                      </a:rPr>
+                      <m:t> </m:t>
+                    </m:r>
+                    <m:r>
+                      <a:rPr lang="en-US" altLang="ja-JP" sz="1600" b="1" i="0" dirty="0" smtClean="0">
+                        <a:effectLst/>
+                        <a:latin typeface="Cambria Math" panose="02040503050406030204" pitchFamily="18" charset="0"/>
+                        <a:cs typeface="Times New Roman" panose="02020603050405020304" pitchFamily="18" charset="0"/>
+                      </a:rPr>
+                      <m:t>𝐰𝐡𝐢𝐥𝐞</m:t>
+                    </m:r>
+                  </m:oMath>
+                </a14:m>
+                <a:endParaRPr lang="en-US" altLang="ja-JP" sz="1600" b="1" dirty="0">
+                  <a:effectLst/>
+                  <a:latin typeface="Times New Roman" panose="02020603050405020304" pitchFamily="18" charset="0"/>
+                  <a:cs typeface="Times New Roman" panose="02020603050405020304" pitchFamily="18" charset="0"/>
+                </a:endParaRPr>
+              </a:p>
+              <a:p>
+                <a:pPr>
+                  <a:lnSpc>
+                    <a:spcPts val="2320"/>
+                  </a:lnSpc>
+                </a:pPr>
+                <a:r>
+                  <a:rPr lang="ja-JP" altLang="en-US" sz="1600" b="1">
+                    <a:latin typeface="Times New Roman" panose="02020603050405020304" pitchFamily="18" charset="0"/>
+                    <a:cs typeface="Times New Roman" panose="02020603050405020304" pitchFamily="18" charset="0"/>
+                  </a:rPr>
+                  <a:t>　</a:t>
+                </a:r>
+                <a14:m>
+                  <m:oMath xmlns:m="http://schemas.openxmlformats.org/officeDocument/2006/math">
+                    <m:r>
+                      <a:rPr lang="en-US" altLang="ja-JP" sz="1600" b="1" i="0" dirty="0" smtClean="0">
+                        <a:latin typeface="Cambria Math" panose="02040503050406030204" pitchFamily="18" charset="0"/>
+                        <a:cs typeface="Times New Roman" panose="02020603050405020304" pitchFamily="18" charset="0"/>
+                      </a:rPr>
+                      <m:t>𝐫𝐞𝐭𝐮𝐫𝐧</m:t>
+                    </m:r>
+                    <m:r>
+                      <a:rPr lang="en-US" altLang="ja-JP" sz="1600" b="1" i="1" dirty="0">
+                        <a:latin typeface="Cambria Math" panose="02040503050406030204" pitchFamily="18" charset="0"/>
+                        <a:cs typeface="Times New Roman" panose="02020603050405020304" pitchFamily="18" charset="0"/>
+                      </a:rPr>
+                      <m:t> </m:t>
+                    </m:r>
+                    <m:r>
+                      <a:rPr lang="en-US" altLang="ja-JP" sz="1600" b="0" i="1" dirty="0" smtClean="0">
+                        <a:latin typeface="Cambria Math" panose="02040503050406030204" pitchFamily="18" charset="0"/>
+                        <a:cs typeface="Times New Roman" panose="02020603050405020304" pitchFamily="18" charset="0"/>
+                      </a:rPr>
+                      <m:t>𝑄</m:t>
+                    </m:r>
+                    <m:r>
+                      <a:rPr lang="en-US" altLang="ja-JP" sz="1600" b="1" i="1" dirty="0" smtClean="0">
+                        <a:latin typeface="Cambria Math" panose="02040503050406030204" pitchFamily="18" charset="0"/>
+                        <a:cs typeface="Times New Roman" panose="02020603050405020304" pitchFamily="18" charset="0"/>
+                      </a:rPr>
+                      <m:t>;</m:t>
+                    </m:r>
+                  </m:oMath>
+                </a14:m>
+                <a:endParaRPr lang="en-US" altLang="ja-JP" sz="1600" b="1" dirty="0">
+                  <a:effectLst/>
+                  <a:latin typeface="Times New Roman" panose="02020603050405020304" pitchFamily="18" charset="0"/>
+                  <a:cs typeface="Times New Roman" panose="02020603050405020304" pitchFamily="18" charset="0"/>
+                </a:endParaRPr>
+              </a:p>
+              <a:p>
+                <a:pPr>
+                  <a:lnSpc>
+                    <a:spcPts val="2320"/>
+                  </a:lnSpc>
+                </a:pPr>
+                <a14:m>
+                  <m:oMathPara xmlns:m="http://schemas.openxmlformats.org/officeDocument/2006/math">
+                    <m:oMathParaPr>
+                      <m:jc m:val="left"/>
+                    </m:oMathParaPr>
+                    <m:oMath xmlns:m="http://schemas.openxmlformats.org/officeDocument/2006/math">
+                      <m:r>
+                        <a:rPr lang="en-US" altLang="ja-JP" sz="1600" b="1" i="0" dirty="0" smtClean="0">
+                          <a:effectLst/>
+                          <a:latin typeface="Cambria Math" panose="02040503050406030204" pitchFamily="18" charset="0"/>
+                          <a:cs typeface="Times New Roman" panose="02020603050405020304" pitchFamily="18" charset="0"/>
+                        </a:rPr>
+                        <m:t>𝐞𝐧𝐝</m:t>
+                      </m:r>
+                      <m:r>
+                        <a:rPr lang="en-US" altLang="ja-JP" sz="1600" b="1" i="0" dirty="0" smtClean="0">
+                          <a:effectLst/>
+                          <a:latin typeface="Cambria Math" panose="02040503050406030204" pitchFamily="18" charset="0"/>
+                          <a:cs typeface="Times New Roman" panose="02020603050405020304" pitchFamily="18" charset="0"/>
+                        </a:rPr>
+                        <m:t> </m:t>
+                      </m:r>
+                      <m:r>
+                        <a:rPr lang="en-US" altLang="ja-JP" sz="1600" b="1" i="0" dirty="0" smtClean="0">
+                          <a:effectLst/>
+                          <a:latin typeface="Cambria Math" panose="02040503050406030204" pitchFamily="18" charset="0"/>
+                          <a:cs typeface="Times New Roman" panose="02020603050405020304" pitchFamily="18" charset="0"/>
+                        </a:rPr>
+                        <m:t>𝐟𝐮𝐧𝐜𝐭𝐢𝐨𝐧</m:t>
+                      </m:r>
+                    </m:oMath>
+                  </m:oMathPara>
+                </a14:m>
+                <a:endParaRPr lang="en-US" altLang="ja-JP" sz="1600" dirty="0">
+                  <a:latin typeface="Times New Roman" panose="02020603050405020304" pitchFamily="18" charset="0"/>
+                  <a:cs typeface="Times New Roman" panose="02020603050405020304" pitchFamily="18" charset="0"/>
+                </a:endParaRPr>
+              </a:p>
+            </p:txBody>
+          </p:sp>
+        </mc:Choice>
+        <mc:Fallback>
+          <p:sp>
+            <p:nvSpPr>
+              <p:cNvPr id="3" name="テキスト ボックス 2">
+                <a:extLst>
+                  <a:ext uri="{FF2B5EF4-FFF2-40B4-BE49-F238E27FC236}">
+                    <a16:creationId xmlns:a16="http://schemas.microsoft.com/office/drawing/2014/main" id="{14BA473E-F863-8046-A1B3-DB8A8DAD7B0E}"/>
+                  </a:ext>
+                </a:extLst>
+              </p:cNvPr>
+              <p:cNvSpPr txBox="1">
+                <a:spLocks noRot="1" noChangeAspect="1" noMove="1" noResize="1" noEditPoints="1" noAdjustHandles="1" noChangeArrowheads="1" noChangeShapeType="1" noTextEdit="1"/>
+              </p:cNvSpPr>
+              <p:nvPr/>
+            </p:nvSpPr>
+            <p:spPr>
+              <a:xfrm>
+                <a:off x="2059487" y="429315"/>
+                <a:ext cx="5691142" cy="2746906"/>
+              </a:xfrm>
+              <a:prstGeom prst="rect">
+                <a:avLst/>
+              </a:prstGeom>
+              <a:blipFill>
+                <a:blip r:embed="rId2"/>
+                <a:stretch>
+                  <a:fillRect/>
+                </a:stretch>
+              </a:blipFill>
+            </p:spPr>
+            <p:txBody>
+              <a:bodyPr/>
+              <a:lstStyle/>
+              <a:p>
+                <a:r>
+                  <a:rPr lang="ja-JP" altLang="en-US">
+                    <a:noFill/>
+                  </a:rPr>
+                  <a:t> </a:t>
+                </a:r>
+              </a:p>
+            </p:txBody>
+          </p:sp>
+        </mc:Fallback>
+      </mc:AlternateContent>
+      <mc:AlternateContent xmlns:mc="http://schemas.openxmlformats.org/markup-compatibility/2006">
+        <mc:Choice xmlns:a14="http://schemas.microsoft.com/office/drawing/2010/main" Requires="a14">
+          <p:sp>
+            <p:nvSpPr>
+              <p:cNvPr id="4" name="テキスト ボックス 3">
+                <a:extLst>
+                  <a:ext uri="{FF2B5EF4-FFF2-40B4-BE49-F238E27FC236}">
+                    <a16:creationId xmlns:a16="http://schemas.microsoft.com/office/drawing/2014/main" id="{8248D6FA-6D40-0544-AE9B-76081E7D1575}"/>
+                  </a:ext>
+                </a:extLst>
+              </p:cNvPr>
+              <p:cNvSpPr txBox="1"/>
+              <p:nvPr/>
+            </p:nvSpPr>
+            <p:spPr>
+              <a:xfrm>
+                <a:off x="2059487" y="3531744"/>
+                <a:ext cx="5691142" cy="2746906"/>
+              </a:xfrm>
+              <a:prstGeom prst="rect">
+                <a:avLst/>
+              </a:prstGeom>
+              <a:noFill/>
+            </p:spPr>
+            <p:txBody>
+              <a:bodyPr wrap="square">
+                <a:spAutoFit/>
+              </a:bodyPr>
+              <a:lstStyle/>
+              <a:p>
+                <a:pPr>
+                  <a:lnSpc>
+                    <a:spcPts val="2320"/>
+                  </a:lnSpc>
+                </a:pPr>
+                <a14:m>
+                  <m:oMathPara xmlns:m="http://schemas.openxmlformats.org/officeDocument/2006/math">
+                    <m:oMathParaPr>
+                      <m:jc m:val="left"/>
+                    </m:oMathParaPr>
+                    <m:oMath xmlns:m="http://schemas.openxmlformats.org/officeDocument/2006/math">
+                      <m:r>
+                        <a:rPr lang="en-US" altLang="ja-JP" sz="1600" b="1" i="0" dirty="0" smtClean="0">
+                          <a:effectLst/>
+                          <a:latin typeface="Cambria Math" panose="02040503050406030204" pitchFamily="18" charset="0"/>
+                          <a:cs typeface="Times New Roman" panose="02020603050405020304" pitchFamily="18" charset="0"/>
+                        </a:rPr>
+                        <m:t>𝐟𝐮𝐧𝐜𝐭𝐢𝐨𝐧</m:t>
+                      </m:r>
+                      <m:r>
+                        <a:rPr lang="en-US" altLang="ja-JP" sz="1600" b="1" i="1" dirty="0" smtClean="0">
+                          <a:effectLst/>
+                          <a:latin typeface="Cambria Math" panose="02040503050406030204" pitchFamily="18" charset="0"/>
+                          <a:cs typeface="Times New Roman" panose="02020603050405020304" pitchFamily="18" charset="0"/>
+                        </a:rPr>
+                        <m:t> </m:t>
+                      </m:r>
+                      <m:r>
+                        <a:rPr lang="en-US" altLang="ja-JP" sz="1600" b="0" i="1" dirty="0" smtClean="0">
+                          <a:effectLst/>
+                          <a:latin typeface="Cambria Math" panose="02040503050406030204" pitchFamily="18" charset="0"/>
+                          <a:cs typeface="Times New Roman" panose="02020603050405020304" pitchFamily="18" charset="0"/>
+                        </a:rPr>
+                        <m:t>𝐺𝑓𝑝</m:t>
+                      </m:r>
+                      <m:d>
+                        <m:dPr>
+                          <m:ctrlPr>
+                            <a:rPr lang="en-US" altLang="ja-JP" sz="1600" i="1" dirty="0" smtClean="0">
+                              <a:effectLst/>
+                              <a:latin typeface="Cambria Math" panose="02040503050406030204" pitchFamily="18" charset="0"/>
+                              <a:cs typeface="Times New Roman" panose="02020603050405020304" pitchFamily="18" charset="0"/>
+                            </a:rPr>
+                          </m:ctrlPr>
+                        </m:dPr>
+                        <m:e>
+                          <m:r>
+                            <a:rPr lang="en-US" altLang="ja-JP" sz="1600" b="0" i="1" dirty="0" smtClean="0">
+                              <a:effectLst/>
+                              <a:latin typeface="Cambria Math" panose="02040503050406030204" pitchFamily="18" charset="0"/>
+                              <a:cs typeface="Times New Roman" panose="02020603050405020304" pitchFamily="18" charset="0"/>
+                            </a:rPr>
+                            <m:t>𝑇𝑎𝑢</m:t>
+                          </m:r>
+                          <m:r>
+                            <a:rPr lang="en-US" altLang="ja-JP" sz="1600" b="0" i="1" dirty="0" smtClean="0">
+                              <a:effectLst/>
+                              <a:latin typeface="Cambria Math" panose="02040503050406030204" pitchFamily="18" charset="0"/>
+                              <a:cs typeface="Times New Roman" panose="02020603050405020304" pitchFamily="18" charset="0"/>
+                            </a:rPr>
+                            <m:t> :</m:t>
+                          </m:r>
+                          <m:r>
+                            <a:rPr lang="en-US" altLang="ja-JP" sz="1600" b="0" i="1" dirty="0" smtClean="0">
+                              <a:effectLst/>
+                              <a:latin typeface="Cambria Math" panose="02040503050406030204" pitchFamily="18" charset="0"/>
+                              <a:cs typeface="Times New Roman" panose="02020603050405020304" pitchFamily="18" charset="0"/>
+                            </a:rPr>
+                            <m:t>𝑃𝑟𝑒𝑑𝑖𝑐𝑎𝑡𝑒𝑇𝑟𝑎𝑛𝑠𝑓𝑜𝑟𝑚𝑒𝑟</m:t>
+                          </m:r>
+                        </m:e>
+                      </m:d>
+                      <m:r>
+                        <a:rPr lang="en-US" altLang="ja-JP" sz="1600" b="0" i="1" dirty="0" smtClean="0">
+                          <a:effectLst/>
+                          <a:latin typeface="Cambria Math" panose="02040503050406030204" pitchFamily="18" charset="0"/>
+                          <a:cs typeface="Times New Roman" panose="02020603050405020304" pitchFamily="18" charset="0"/>
+                        </a:rPr>
+                        <m:t>:</m:t>
+                      </m:r>
+                      <m:r>
+                        <a:rPr lang="en-US" altLang="ja-JP" sz="1600" b="0" i="1" dirty="0" smtClean="0">
+                          <a:effectLst/>
+                          <a:latin typeface="Cambria Math" panose="02040503050406030204" pitchFamily="18" charset="0"/>
+                          <a:cs typeface="Times New Roman" panose="02020603050405020304" pitchFamily="18" charset="0"/>
+                        </a:rPr>
+                        <m:t>𝑃𝑟𝑒𝑑𝑖𝑐𝑎𝑡𝑒</m:t>
+                      </m:r>
+                    </m:oMath>
+                  </m:oMathPara>
+                </a14:m>
+                <a:endParaRPr lang="en-US" altLang="ja-JP" sz="1600" i="1" dirty="0">
+                  <a:effectLst/>
+                  <a:latin typeface="Cambria Math" panose="02040503050406030204" pitchFamily="18" charset="0"/>
+                  <a:cs typeface="Times New Roman" panose="02020603050405020304" pitchFamily="18" charset="0"/>
+                </a:endParaRPr>
+              </a:p>
+              <a:p>
+                <a:pPr>
+                  <a:lnSpc>
+                    <a:spcPts val="2320"/>
+                  </a:lnSpc>
+                </a:pPr>
+                <a:r>
+                  <a:rPr lang="ja-JP" altLang="en-US" sz="1600">
+                    <a:cs typeface="Times New Roman" panose="02020603050405020304" pitchFamily="18" charset="0"/>
+                  </a:rPr>
+                  <a:t>　</a:t>
+                </a:r>
+                <a14:m>
+                  <m:oMath xmlns:m="http://schemas.openxmlformats.org/officeDocument/2006/math">
+                    <m:r>
+                      <a:rPr lang="en-US" altLang="ja-JP" sz="1600" b="0" i="1" dirty="0" smtClean="0">
+                        <a:effectLst/>
+                        <a:latin typeface="Cambria Math" panose="02040503050406030204" pitchFamily="18" charset="0"/>
+                        <a:cs typeface="Times New Roman" panose="02020603050405020304" pitchFamily="18" charset="0"/>
+                      </a:rPr>
+                      <m:t>𝑄</m:t>
+                    </m:r>
+                    <m:r>
+                      <a:rPr lang="en-US" altLang="ja-JP" sz="1600" i="1" dirty="0" smtClean="0">
+                        <a:effectLst/>
+                        <a:latin typeface="Cambria Math" panose="02040503050406030204" pitchFamily="18" charset="0"/>
+                        <a:cs typeface="Times New Roman" panose="02020603050405020304" pitchFamily="18" charset="0"/>
+                      </a:rPr>
+                      <m:t>:=</m:t>
+                    </m:r>
+                    <m:r>
+                      <a:rPr lang="en-US" altLang="ja-JP" sz="1600" b="0" i="1" dirty="0" smtClean="0">
+                        <a:effectLst/>
+                        <a:latin typeface="Cambria Math" panose="02040503050406030204" pitchFamily="18" charset="0"/>
+                        <a:cs typeface="Times New Roman" panose="02020603050405020304" pitchFamily="18" charset="0"/>
+                      </a:rPr>
+                      <m:t>𝑡𝑟𝑢𝑒</m:t>
+                    </m:r>
+                    <m:r>
+                      <a:rPr lang="en-US" altLang="ja-JP" sz="1600" i="1" dirty="0" smtClean="0">
+                        <a:effectLst/>
+                        <a:latin typeface="Cambria Math" panose="02040503050406030204" pitchFamily="18" charset="0"/>
+                        <a:cs typeface="Times New Roman" panose="02020603050405020304" pitchFamily="18" charset="0"/>
+                      </a:rPr>
+                      <m:t>;</m:t>
+                    </m:r>
+                  </m:oMath>
+                </a14:m>
+                <a:endParaRPr lang="en-US" altLang="ja-JP" sz="1600" dirty="0">
+                  <a:effectLst/>
+                  <a:cs typeface="Times New Roman" panose="02020603050405020304" pitchFamily="18" charset="0"/>
+                </a:endParaRPr>
+              </a:p>
+              <a:p>
+                <a:pPr>
+                  <a:lnSpc>
+                    <a:spcPts val="2320"/>
+                  </a:lnSpc>
+                </a:pPr>
+                <a:r>
+                  <a:rPr lang="ja-JP" altLang="en-US" sz="1600" i="1">
+                    <a:effectLst/>
+                    <a:latin typeface="Cambria Math" panose="02040503050406030204" pitchFamily="18" charset="0"/>
+                    <a:cs typeface="Times New Roman" panose="02020603050405020304" pitchFamily="18" charset="0"/>
+                  </a:rPr>
+                  <a:t>　</a:t>
+                </a:r>
+                <a14:m>
+                  <m:oMath xmlns:m="http://schemas.openxmlformats.org/officeDocument/2006/math">
+                    <m:r>
+                      <a:rPr lang="en-US" altLang="ja-JP" sz="1600" i="1" dirty="0" smtClean="0">
+                        <a:effectLst/>
+                        <a:latin typeface="Cambria Math" panose="02040503050406030204" pitchFamily="18" charset="0"/>
+                        <a:cs typeface="Times New Roman" panose="02020603050405020304" pitchFamily="18" charset="0"/>
+                      </a:rPr>
+                      <m:t>𝑄</m:t>
+                    </m:r>
+                    <m:r>
+                      <a:rPr lang="en-US" altLang="ja-JP" sz="1600" i="1" dirty="0" smtClean="0">
+                        <a:effectLst/>
+                        <a:latin typeface="Cambria Math" panose="02040503050406030204" pitchFamily="18" charset="0"/>
+                        <a:cs typeface="Times New Roman" panose="02020603050405020304" pitchFamily="18" charset="0"/>
+                      </a:rPr>
+                      <m:t>′:=</m:t>
+                    </m:r>
+                    <m:r>
+                      <a:rPr lang="en-US" altLang="ja-JP" sz="1600" i="1" dirty="0" smtClean="0">
+                        <a:effectLst/>
+                        <a:latin typeface="Cambria Math" panose="02040503050406030204" pitchFamily="18" charset="0"/>
+                        <a:cs typeface="Times New Roman" panose="02020603050405020304" pitchFamily="18" charset="0"/>
+                      </a:rPr>
+                      <m:t>𝑇𝑎𝑢</m:t>
+                    </m:r>
+                    <m:r>
+                      <a:rPr lang="en-US" altLang="ja-JP" sz="1600" i="1" dirty="0" smtClean="0">
+                        <a:effectLst/>
+                        <a:latin typeface="Cambria Math" panose="02040503050406030204" pitchFamily="18" charset="0"/>
+                        <a:cs typeface="Times New Roman" panose="02020603050405020304" pitchFamily="18" charset="0"/>
+                      </a:rPr>
+                      <m:t>(</m:t>
+                    </m:r>
+                    <m:r>
+                      <a:rPr lang="en-US" altLang="ja-JP" sz="1600" i="1" dirty="0" smtClean="0">
+                        <a:effectLst/>
+                        <a:latin typeface="Cambria Math" panose="02040503050406030204" pitchFamily="18" charset="0"/>
+                        <a:cs typeface="Times New Roman" panose="02020603050405020304" pitchFamily="18" charset="0"/>
+                      </a:rPr>
+                      <m:t>𝑄</m:t>
+                    </m:r>
+                    <m:r>
+                      <a:rPr lang="en-US" altLang="ja-JP" sz="1600" i="1" dirty="0" smtClean="0">
+                        <a:effectLst/>
+                        <a:latin typeface="Cambria Math" panose="02040503050406030204" pitchFamily="18" charset="0"/>
+                        <a:cs typeface="Times New Roman" panose="02020603050405020304" pitchFamily="18" charset="0"/>
+                      </a:rPr>
+                      <m:t>);</m:t>
+                    </m:r>
+                  </m:oMath>
+                </a14:m>
+                <a:endParaRPr lang="en-US" altLang="ja-JP" sz="1600" i="1" dirty="0">
+                  <a:effectLst/>
+                  <a:latin typeface="Cambria Math" panose="02040503050406030204" pitchFamily="18" charset="0"/>
+                  <a:cs typeface="Times New Roman" panose="02020603050405020304" pitchFamily="18" charset="0"/>
+                </a:endParaRPr>
+              </a:p>
+              <a:p>
+                <a:pPr>
+                  <a:lnSpc>
+                    <a:spcPts val="2320"/>
+                  </a:lnSpc>
+                </a:pPr>
+                <a:r>
+                  <a:rPr lang="ja-JP" altLang="en-US" sz="1600" b="1">
+                    <a:effectLst/>
+                    <a:cs typeface="Times New Roman" panose="02020603050405020304" pitchFamily="18" charset="0"/>
+                  </a:rPr>
+                  <a:t>　</a:t>
+                </a:r>
+                <a14:m>
+                  <m:oMath xmlns:m="http://schemas.openxmlformats.org/officeDocument/2006/math">
+                    <m:r>
+                      <a:rPr lang="en-US" altLang="ja-JP" sz="1600" b="1" i="0" dirty="0" smtClean="0">
+                        <a:effectLst/>
+                        <a:latin typeface="Cambria Math" panose="02040503050406030204" pitchFamily="18" charset="0"/>
+                        <a:cs typeface="Times New Roman" panose="02020603050405020304" pitchFamily="18" charset="0"/>
+                      </a:rPr>
+                      <m:t>𝐰𝐡𝐢𝐥𝐞</m:t>
+                    </m:r>
+                    <m:r>
+                      <a:rPr lang="en-US" altLang="ja-JP" sz="1600" i="1" dirty="0" smtClean="0">
+                        <a:effectLst/>
+                        <a:latin typeface="Cambria Math" panose="02040503050406030204" pitchFamily="18" charset="0"/>
+                        <a:cs typeface="Times New Roman" panose="02020603050405020304" pitchFamily="18" charset="0"/>
+                      </a:rPr>
+                      <m:t> </m:t>
+                    </m:r>
+                    <m:r>
+                      <a:rPr lang="en-US" altLang="ja-JP" sz="1600" b="0" i="1" dirty="0" smtClean="0">
+                        <a:effectLst/>
+                        <a:latin typeface="Cambria Math" panose="02040503050406030204" pitchFamily="18" charset="0"/>
+                        <a:cs typeface="Times New Roman" panose="02020603050405020304" pitchFamily="18" charset="0"/>
+                      </a:rPr>
+                      <m:t>𝑄</m:t>
+                    </m:r>
+                    <m:r>
+                      <a:rPr lang="ja-JP" altLang="en-US" sz="1600" i="1" smtClean="0">
+                        <a:latin typeface="Cambria Math" panose="02040503050406030204" pitchFamily="18" charset="0"/>
+                        <a:cs typeface="Times New Roman" panose="02020603050405020304" pitchFamily="18" charset="0"/>
+                      </a:rPr>
+                      <m:t>≠</m:t>
+                    </m:r>
+                    <m:r>
+                      <a:rPr lang="en-US" altLang="ja-JP" sz="1600" b="0" i="1" smtClean="0">
+                        <a:latin typeface="Cambria Math" panose="02040503050406030204" pitchFamily="18" charset="0"/>
+                        <a:cs typeface="Times New Roman" panose="02020603050405020304" pitchFamily="18" charset="0"/>
+                      </a:rPr>
+                      <m:t>𝑄</m:t>
+                    </m:r>
+                    <m:r>
+                      <a:rPr lang="en-US" altLang="ja-JP" sz="1600" b="0" i="1" smtClean="0">
+                        <a:latin typeface="Cambria Math" panose="02040503050406030204" pitchFamily="18" charset="0"/>
+                        <a:cs typeface="Times New Roman" panose="02020603050405020304" pitchFamily="18" charset="0"/>
+                      </a:rPr>
+                      <m:t>′ </m:t>
+                    </m:r>
+                    <m:r>
+                      <a:rPr lang="en-US" altLang="ja-JP" sz="1600" b="1" i="0" dirty="0" smtClean="0">
+                        <a:effectLst/>
+                        <a:latin typeface="Cambria Math" panose="02040503050406030204" pitchFamily="18" charset="0"/>
+                        <a:cs typeface="Times New Roman" panose="02020603050405020304" pitchFamily="18" charset="0"/>
+                      </a:rPr>
+                      <m:t>𝐝𝐨</m:t>
+                    </m:r>
+                  </m:oMath>
+                </a14:m>
+                <a:endParaRPr lang="en-US" altLang="ja-JP" sz="1600" i="1" dirty="0">
+                  <a:effectLst/>
+                  <a:latin typeface="Cambria Math" panose="02040503050406030204" pitchFamily="18" charset="0"/>
+                  <a:cs typeface="Times New Roman" panose="02020603050405020304" pitchFamily="18" charset="0"/>
+                </a:endParaRPr>
+              </a:p>
+              <a:p>
+                <a:pPr>
+                  <a:lnSpc>
+                    <a:spcPts val="2320"/>
+                  </a:lnSpc>
+                </a:pPr>
+                <a:r>
+                  <a:rPr lang="ja-JP" altLang="en-US" sz="1600">
+                    <a:effectLst/>
+                    <a:cs typeface="Times New Roman" panose="02020603050405020304" pitchFamily="18" charset="0"/>
+                  </a:rPr>
+                  <a:t>　　</a:t>
+                </a:r>
+                <a14:m>
+                  <m:oMath xmlns:m="http://schemas.openxmlformats.org/officeDocument/2006/math">
+                    <m:r>
+                      <a:rPr lang="en-US" altLang="ja-JP" sz="1600" b="0" i="1" dirty="0" smtClean="0">
+                        <a:effectLst/>
+                        <a:latin typeface="Cambria Math" panose="02040503050406030204" pitchFamily="18" charset="0"/>
+                        <a:cs typeface="Times New Roman" panose="02020603050405020304" pitchFamily="18" charset="0"/>
+                      </a:rPr>
+                      <m:t>𝑄</m:t>
+                    </m:r>
+                    <m:r>
+                      <a:rPr lang="en-US" altLang="ja-JP" sz="1600" i="1" dirty="0" smtClean="0">
+                        <a:effectLst/>
+                        <a:latin typeface="Cambria Math" panose="02040503050406030204" pitchFamily="18" charset="0"/>
+                        <a:cs typeface="Times New Roman" panose="02020603050405020304" pitchFamily="18" charset="0"/>
+                      </a:rPr>
+                      <m:t>:=</m:t>
+                    </m:r>
+                    <m:r>
+                      <a:rPr lang="en-US" altLang="ja-JP" sz="1600" b="0" i="1" dirty="0" smtClean="0">
+                        <a:effectLst/>
+                        <a:latin typeface="Cambria Math" panose="02040503050406030204" pitchFamily="18" charset="0"/>
+                        <a:cs typeface="Times New Roman" panose="02020603050405020304" pitchFamily="18" charset="0"/>
+                      </a:rPr>
+                      <m:t>𝑄</m:t>
+                    </m:r>
+                    <m:r>
+                      <a:rPr lang="en-US" altLang="ja-JP" sz="1600" b="0" i="1" dirty="0" smtClean="0">
+                        <a:effectLst/>
+                        <a:latin typeface="Cambria Math" panose="02040503050406030204" pitchFamily="18" charset="0"/>
+                        <a:cs typeface="Times New Roman" panose="02020603050405020304" pitchFamily="18" charset="0"/>
+                      </a:rPr>
+                      <m:t>′;</m:t>
+                    </m:r>
+                  </m:oMath>
+                </a14:m>
+                <a:endParaRPr lang="en-US" altLang="ja-JP" sz="1600" dirty="0">
+                  <a:effectLst/>
+                  <a:latin typeface="Times New Roman" panose="02020603050405020304" pitchFamily="18" charset="0"/>
+                  <a:cs typeface="Times New Roman" panose="02020603050405020304" pitchFamily="18" charset="0"/>
+                </a:endParaRPr>
+              </a:p>
+              <a:p>
+                <a:pPr>
+                  <a:lnSpc>
+                    <a:spcPts val="2320"/>
+                  </a:lnSpc>
+                </a:pPr>
+                <a:r>
+                  <a:rPr lang="ja-JP" altLang="en-US" sz="1600">
+                    <a:latin typeface="Times New Roman" panose="02020603050405020304" pitchFamily="18" charset="0"/>
+                    <a:cs typeface="Times New Roman" panose="02020603050405020304" pitchFamily="18" charset="0"/>
+                  </a:rPr>
+                  <a:t>　　</a:t>
+                </a:r>
+                <a14:m>
+                  <m:oMath xmlns:m="http://schemas.openxmlformats.org/officeDocument/2006/math">
+                    <m:r>
+                      <a:rPr lang="en-US" altLang="ja-JP" sz="1600" i="1" dirty="0">
+                        <a:latin typeface="Cambria Math" panose="02040503050406030204" pitchFamily="18" charset="0"/>
+                        <a:cs typeface="Times New Roman" panose="02020603050405020304" pitchFamily="18" charset="0"/>
+                      </a:rPr>
+                      <m:t>𝑄</m:t>
+                    </m:r>
+                    <m:r>
+                      <a:rPr lang="en-US" altLang="ja-JP" sz="1600" i="1" dirty="0">
+                        <a:latin typeface="Cambria Math" panose="02040503050406030204" pitchFamily="18" charset="0"/>
+                        <a:cs typeface="Times New Roman" panose="02020603050405020304" pitchFamily="18" charset="0"/>
+                      </a:rPr>
+                      <m:t>′:=</m:t>
+                    </m:r>
+                    <m:r>
+                      <a:rPr lang="en-US" altLang="ja-JP" sz="1600" i="1" dirty="0">
+                        <a:latin typeface="Cambria Math" panose="02040503050406030204" pitchFamily="18" charset="0"/>
+                        <a:cs typeface="Times New Roman" panose="02020603050405020304" pitchFamily="18" charset="0"/>
+                      </a:rPr>
+                      <m:t>𝑇𝑎𝑢</m:t>
+                    </m:r>
+                    <m:r>
+                      <a:rPr lang="en-US" altLang="ja-JP" sz="1600" i="1" dirty="0">
+                        <a:latin typeface="Cambria Math" panose="02040503050406030204" pitchFamily="18" charset="0"/>
+                        <a:cs typeface="Times New Roman" panose="02020603050405020304" pitchFamily="18" charset="0"/>
+                      </a:rPr>
+                      <m:t>(</m:t>
+                    </m:r>
+                    <m:r>
+                      <a:rPr lang="en-US" altLang="ja-JP" sz="1600" i="1" dirty="0">
+                        <a:latin typeface="Cambria Math" panose="02040503050406030204" pitchFamily="18" charset="0"/>
+                        <a:cs typeface="Times New Roman" panose="02020603050405020304" pitchFamily="18" charset="0"/>
+                      </a:rPr>
+                      <m:t>𝑄</m:t>
+                    </m:r>
+                    <m:r>
+                      <a:rPr lang="en-US" altLang="ja-JP" sz="1600" i="1" dirty="0">
+                        <a:latin typeface="Cambria Math" panose="02040503050406030204" pitchFamily="18" charset="0"/>
+                        <a:cs typeface="Times New Roman" panose="02020603050405020304" pitchFamily="18" charset="0"/>
+                      </a:rPr>
+                      <m:t>);</m:t>
+                    </m:r>
+                  </m:oMath>
+                </a14:m>
+                <a:br>
+                  <a:rPr lang="en-US" altLang="ja-JP" sz="1600" dirty="0">
+                    <a:effectLst/>
+                    <a:latin typeface="Times New Roman" panose="02020603050405020304" pitchFamily="18" charset="0"/>
+                    <a:cs typeface="Times New Roman" panose="02020603050405020304" pitchFamily="18" charset="0"/>
+                  </a:rPr>
+                </a:br>
+                <a:r>
+                  <a:rPr lang="ja-JP" altLang="en-US" sz="1600" b="1">
+                    <a:effectLst/>
+                    <a:cs typeface="Times New Roman" panose="02020603050405020304" pitchFamily="18" charset="0"/>
+                  </a:rPr>
+                  <a:t>　</a:t>
+                </a:r>
+                <a14:m>
+                  <m:oMath xmlns:m="http://schemas.openxmlformats.org/officeDocument/2006/math">
+                    <m:r>
+                      <a:rPr lang="en-US" altLang="ja-JP" sz="1600" b="1" i="0" dirty="0" smtClean="0">
+                        <a:effectLst/>
+                        <a:latin typeface="Cambria Math" panose="02040503050406030204" pitchFamily="18" charset="0"/>
+                        <a:cs typeface="Times New Roman" panose="02020603050405020304" pitchFamily="18" charset="0"/>
+                      </a:rPr>
+                      <m:t>𝐞𝐧𝐝</m:t>
+                    </m:r>
+                    <m:r>
+                      <a:rPr lang="en-US" altLang="ja-JP" sz="1600" b="1" i="0" dirty="0" smtClean="0">
+                        <a:effectLst/>
+                        <a:latin typeface="Cambria Math" panose="02040503050406030204" pitchFamily="18" charset="0"/>
+                        <a:cs typeface="Times New Roman" panose="02020603050405020304" pitchFamily="18" charset="0"/>
+                      </a:rPr>
+                      <m:t> </m:t>
+                    </m:r>
+                    <m:r>
+                      <a:rPr lang="en-US" altLang="ja-JP" sz="1600" b="1" i="0" dirty="0" smtClean="0">
+                        <a:effectLst/>
+                        <a:latin typeface="Cambria Math" panose="02040503050406030204" pitchFamily="18" charset="0"/>
+                        <a:cs typeface="Times New Roman" panose="02020603050405020304" pitchFamily="18" charset="0"/>
+                      </a:rPr>
+                      <m:t>𝐰𝐡𝐢𝐥𝐞</m:t>
+                    </m:r>
+                  </m:oMath>
+                </a14:m>
+                <a:endParaRPr lang="en-US" altLang="ja-JP" sz="1600" b="1" dirty="0">
+                  <a:effectLst/>
+                  <a:latin typeface="Times New Roman" panose="02020603050405020304" pitchFamily="18" charset="0"/>
+                  <a:cs typeface="Times New Roman" panose="02020603050405020304" pitchFamily="18" charset="0"/>
+                </a:endParaRPr>
+              </a:p>
+              <a:p>
+                <a:pPr>
+                  <a:lnSpc>
+                    <a:spcPts val="2320"/>
+                  </a:lnSpc>
+                </a:pPr>
+                <a:r>
+                  <a:rPr lang="ja-JP" altLang="en-US" sz="1600" b="1">
+                    <a:latin typeface="Times New Roman" panose="02020603050405020304" pitchFamily="18" charset="0"/>
+                    <a:cs typeface="Times New Roman" panose="02020603050405020304" pitchFamily="18" charset="0"/>
+                  </a:rPr>
+                  <a:t>　</a:t>
+                </a:r>
+                <a14:m>
+                  <m:oMath xmlns:m="http://schemas.openxmlformats.org/officeDocument/2006/math">
+                    <m:r>
+                      <a:rPr lang="en-US" altLang="ja-JP" sz="1600" b="1" i="0" dirty="0" smtClean="0">
+                        <a:latin typeface="Cambria Math" panose="02040503050406030204" pitchFamily="18" charset="0"/>
+                        <a:cs typeface="Times New Roman" panose="02020603050405020304" pitchFamily="18" charset="0"/>
+                      </a:rPr>
+                      <m:t>𝐫𝐞𝐭𝐮𝐫𝐧</m:t>
+                    </m:r>
+                    <m:r>
+                      <a:rPr lang="en-US" altLang="ja-JP" sz="1600" b="1" i="1" dirty="0">
+                        <a:latin typeface="Cambria Math" panose="02040503050406030204" pitchFamily="18" charset="0"/>
+                        <a:cs typeface="Times New Roman" panose="02020603050405020304" pitchFamily="18" charset="0"/>
+                      </a:rPr>
+                      <m:t> </m:t>
+                    </m:r>
+                    <m:r>
+                      <a:rPr lang="en-US" altLang="ja-JP" sz="1600" b="0" i="1" dirty="0" smtClean="0">
+                        <a:latin typeface="Cambria Math" panose="02040503050406030204" pitchFamily="18" charset="0"/>
+                        <a:cs typeface="Times New Roman" panose="02020603050405020304" pitchFamily="18" charset="0"/>
+                      </a:rPr>
+                      <m:t>𝑄</m:t>
+                    </m:r>
+                    <m:r>
+                      <a:rPr lang="en-US" altLang="ja-JP" sz="1600" b="1" i="1" dirty="0" smtClean="0">
+                        <a:latin typeface="Cambria Math" panose="02040503050406030204" pitchFamily="18" charset="0"/>
+                        <a:cs typeface="Times New Roman" panose="02020603050405020304" pitchFamily="18" charset="0"/>
+                      </a:rPr>
+                      <m:t>;</m:t>
+                    </m:r>
+                  </m:oMath>
+                </a14:m>
+                <a:endParaRPr lang="en-US" altLang="ja-JP" sz="1600" b="1" dirty="0">
+                  <a:effectLst/>
+                  <a:latin typeface="Times New Roman" panose="02020603050405020304" pitchFamily="18" charset="0"/>
+                  <a:cs typeface="Times New Roman" panose="02020603050405020304" pitchFamily="18" charset="0"/>
+                </a:endParaRPr>
+              </a:p>
+              <a:p>
+                <a:pPr>
+                  <a:lnSpc>
+                    <a:spcPts val="2320"/>
+                  </a:lnSpc>
+                </a:pPr>
+                <a14:m>
+                  <m:oMathPara xmlns:m="http://schemas.openxmlformats.org/officeDocument/2006/math">
+                    <m:oMathParaPr>
+                      <m:jc m:val="left"/>
+                    </m:oMathParaPr>
+                    <m:oMath xmlns:m="http://schemas.openxmlformats.org/officeDocument/2006/math">
+                      <m:r>
+                        <a:rPr lang="en-US" altLang="ja-JP" sz="1600" b="1" i="0" dirty="0" smtClean="0">
+                          <a:effectLst/>
+                          <a:latin typeface="Cambria Math" panose="02040503050406030204" pitchFamily="18" charset="0"/>
+                          <a:cs typeface="Times New Roman" panose="02020603050405020304" pitchFamily="18" charset="0"/>
+                        </a:rPr>
+                        <m:t>𝐞𝐧𝐝</m:t>
+                      </m:r>
+                      <m:r>
+                        <a:rPr lang="en-US" altLang="ja-JP" sz="1600" b="1" i="0" dirty="0" smtClean="0">
+                          <a:effectLst/>
+                          <a:latin typeface="Cambria Math" panose="02040503050406030204" pitchFamily="18" charset="0"/>
+                          <a:cs typeface="Times New Roman" panose="02020603050405020304" pitchFamily="18" charset="0"/>
+                        </a:rPr>
+                        <m:t> </m:t>
+                      </m:r>
+                      <m:r>
+                        <a:rPr lang="en-US" altLang="ja-JP" sz="1600" b="1" i="0" dirty="0" smtClean="0">
+                          <a:effectLst/>
+                          <a:latin typeface="Cambria Math" panose="02040503050406030204" pitchFamily="18" charset="0"/>
+                          <a:cs typeface="Times New Roman" panose="02020603050405020304" pitchFamily="18" charset="0"/>
+                        </a:rPr>
+                        <m:t>𝐟𝐮𝐧𝐜𝐭𝐢𝐨𝐧</m:t>
+                      </m:r>
+                    </m:oMath>
+                  </m:oMathPara>
+                </a14:m>
+                <a:endParaRPr lang="en-US" altLang="ja-JP" sz="1600" dirty="0">
+                  <a:latin typeface="Times New Roman" panose="02020603050405020304" pitchFamily="18" charset="0"/>
+                  <a:cs typeface="Times New Roman" panose="02020603050405020304" pitchFamily="18" charset="0"/>
+                </a:endParaRPr>
+              </a:p>
+            </p:txBody>
+          </p:sp>
+        </mc:Choice>
+        <mc:Fallback>
+          <p:sp>
+            <p:nvSpPr>
+              <p:cNvPr id="4" name="テキスト ボックス 3">
+                <a:extLst>
+                  <a:ext uri="{FF2B5EF4-FFF2-40B4-BE49-F238E27FC236}">
+                    <a16:creationId xmlns:a16="http://schemas.microsoft.com/office/drawing/2014/main" id="{8248D6FA-6D40-0544-AE9B-76081E7D1575}"/>
+                  </a:ext>
+                </a:extLst>
+              </p:cNvPr>
+              <p:cNvSpPr txBox="1">
+                <a:spLocks noRot="1" noChangeAspect="1" noMove="1" noResize="1" noEditPoints="1" noAdjustHandles="1" noChangeArrowheads="1" noChangeShapeType="1" noTextEdit="1"/>
+              </p:cNvSpPr>
+              <p:nvPr/>
+            </p:nvSpPr>
+            <p:spPr>
+              <a:xfrm>
+                <a:off x="2059487" y="3531744"/>
+                <a:ext cx="5691142" cy="2746906"/>
+              </a:xfrm>
+              <a:prstGeom prst="rect">
+                <a:avLst/>
+              </a:prstGeom>
+              <a:blipFill>
+                <a:blip r:embed="rId3"/>
+                <a:stretch>
+                  <a:fillRect/>
+                </a:stretch>
+              </a:blipFill>
+            </p:spPr>
+            <p:txBody>
+              <a:bodyPr/>
+              <a:lstStyle/>
+              <a:p>
+                <a:r>
+                  <a:rPr lang="ja-JP" altLang="en-US">
+                    <a:noFill/>
+                  </a:rPr>
+                  <a:t> </a:t>
+                </a:r>
+              </a:p>
+            </p:txBody>
+          </p:sp>
+        </mc:Fallback>
+      </mc:AlternateContent>
+    </p:spTree>
+    <p:extLst>
+      <p:ext uri="{BB962C8B-B14F-4D97-AF65-F5344CB8AC3E}">
+        <p14:creationId xmlns:p14="http://schemas.microsoft.com/office/powerpoint/2010/main" val="1413918460"/>
+      </p:ext>
+    </p:extLst>
+  </p:cSld>
+  <p:clrMapOvr>
+    <a:masterClrMapping/>
+  </p:clrMapOvr>
+</p:sld>
+</file>
+
+<file path=ppt/slides/slide5.xml><?xml version="1.0" encoding="utf-8"?>
+<p:sld xmlns:a="http://schemas.openxmlformats.org/drawingml/2006/main" xmlns:r="http://schemas.openxmlformats.org/officeDocument/2006/relationships" xmlns:p="http://schemas.openxmlformats.org/presentationml/2006/main">
+  <p:cSld>
+    <p:spTree>
+      <p:nvGrpSpPr>
+        <p:cNvPr id="1" name=""/>
+        <p:cNvGrpSpPr/>
+        <p:nvPr/>
+      </p:nvGrpSpPr>
+      <p:grpSpPr>
+        <a:xfrm>
+          <a:off x="0" y="0"/>
+          <a:ext cx="0" cy="0"/>
+          <a:chOff x="0" y="0"/>
+          <a:chExt cx="0" cy="0"/>
+        </a:xfrm>
+      </p:grpSpPr>
+      <p:sp>
+        <p:nvSpPr>
+          <p:cNvPr id="2" name="円/楕円 1">
+            <a:extLst>
+              <a:ext uri="{FF2B5EF4-FFF2-40B4-BE49-F238E27FC236}">
+                <a16:creationId xmlns:a16="http://schemas.microsoft.com/office/drawing/2014/main" id="{1D82598E-C724-684D-95CE-1CD07C77F2D0}"/>
+              </a:ext>
+            </a:extLst>
+          </p:cNvPr>
+          <p:cNvSpPr/>
+          <p:nvPr/>
+        </p:nvSpPr>
+        <p:spPr>
+          <a:xfrm>
+            <a:off x="4833257" y="3657600"/>
+            <a:ext cx="1349829" cy="653143"/>
+          </a:xfrm>
+          <a:prstGeom prst="ellipse">
+            <a:avLst/>
+          </a:prstGeom>
+          <a:noFill/>
+        </p:spPr>
+        <p:style>
+          <a:lnRef idx="2">
+            <a:schemeClr val="dk1"/>
+          </a:lnRef>
+          <a:fillRef idx="1">
+            <a:schemeClr val="lt1"/>
+          </a:fillRef>
+          <a:effectRef idx="0">
+            <a:schemeClr val="dk1"/>
+          </a:effectRef>
+          <a:fontRef idx="minor">
+            <a:schemeClr val="dk1"/>
+          </a:fontRef>
+        </p:style>
+        <p:txBody>
+          <a:bodyPr rtlCol="0" anchor="ctr"/>
+          <a:lstStyle/>
+          <a:p>
+            <a:pPr algn="ctr"/>
+            <a:endParaRPr kumimoji="1" lang="ja-JP" altLang="en-US"/>
+          </a:p>
+        </p:txBody>
+      </p:sp>
+      <p:sp>
+        <p:nvSpPr>
+          <p:cNvPr id="4" name="円/楕円 3">
+            <a:extLst>
+              <a:ext uri="{FF2B5EF4-FFF2-40B4-BE49-F238E27FC236}">
+                <a16:creationId xmlns:a16="http://schemas.microsoft.com/office/drawing/2014/main" id="{B66A2AD5-BEE2-0E42-AFB5-72DB88E608AF}"/>
+              </a:ext>
+            </a:extLst>
+          </p:cNvPr>
+          <p:cNvSpPr/>
+          <p:nvPr/>
+        </p:nvSpPr>
+        <p:spPr>
+          <a:xfrm>
+            <a:off x="4098470" y="3048000"/>
+            <a:ext cx="2819399" cy="1415144"/>
+          </a:xfrm>
+          <a:prstGeom prst="ellipse">
+            <a:avLst/>
+          </a:prstGeom>
+          <a:noFill/>
+        </p:spPr>
+        <p:style>
+          <a:lnRef idx="2">
+            <a:schemeClr val="dk1"/>
+          </a:lnRef>
+          <a:fillRef idx="1">
+            <a:schemeClr val="lt1"/>
+          </a:fillRef>
+          <a:effectRef idx="0">
+            <a:schemeClr val="dk1"/>
+          </a:effectRef>
+          <a:fontRef idx="minor">
+            <a:schemeClr val="dk1"/>
+          </a:fontRef>
+        </p:style>
+        <p:txBody>
+          <a:bodyPr rtlCol="0" anchor="ctr"/>
+          <a:lstStyle/>
+          <a:p>
+            <a:pPr algn="ctr"/>
+            <a:endParaRPr kumimoji="1" lang="ja-JP" altLang="en-US"/>
+          </a:p>
+        </p:txBody>
+      </p:sp>
+      <p:sp>
+        <p:nvSpPr>
+          <p:cNvPr id="5" name="円/楕円 4">
+            <a:extLst>
+              <a:ext uri="{FF2B5EF4-FFF2-40B4-BE49-F238E27FC236}">
+                <a16:creationId xmlns:a16="http://schemas.microsoft.com/office/drawing/2014/main" id="{6BA7A3C4-DAF5-3E40-A56C-4556FA061CB7}"/>
+              </a:ext>
+            </a:extLst>
+          </p:cNvPr>
+          <p:cNvSpPr/>
+          <p:nvPr/>
+        </p:nvSpPr>
+        <p:spPr>
+          <a:xfrm>
+            <a:off x="3243938" y="2239735"/>
+            <a:ext cx="4528457" cy="2378529"/>
+          </a:xfrm>
+          <a:prstGeom prst="ellipse">
+            <a:avLst/>
+          </a:prstGeom>
+          <a:noFill/>
+        </p:spPr>
+        <p:style>
+          <a:lnRef idx="2">
+            <a:schemeClr val="dk1"/>
+          </a:lnRef>
+          <a:fillRef idx="1">
+            <a:schemeClr val="lt1"/>
+          </a:fillRef>
+          <a:effectRef idx="0">
+            <a:schemeClr val="dk1"/>
+          </a:effectRef>
+          <a:fontRef idx="minor">
+            <a:schemeClr val="dk1"/>
+          </a:fontRef>
+        </p:style>
+        <p:txBody>
+          <a:bodyPr rtlCol="0" anchor="ctr"/>
+          <a:lstStyle/>
+          <a:p>
+            <a:pPr algn="ctr"/>
+            <a:endParaRPr kumimoji="1" lang="ja-JP" altLang="en-US"/>
+          </a:p>
+        </p:txBody>
+      </p:sp>
+      <mc:AlternateContent xmlns:mc="http://schemas.openxmlformats.org/markup-compatibility/2006">
+        <mc:Choice xmlns:a14="http://schemas.microsoft.com/office/drawing/2010/main" Requires="a14">
+          <p:sp>
+            <p:nvSpPr>
+              <p:cNvPr id="6" name="テキスト ボックス 5">
+                <a:extLst>
+                  <a:ext uri="{FF2B5EF4-FFF2-40B4-BE49-F238E27FC236}">
+                    <a16:creationId xmlns:a16="http://schemas.microsoft.com/office/drawing/2014/main" id="{554E1C42-3B34-5B40-B982-3E72AD6154C9}"/>
+                  </a:ext>
+                </a:extLst>
+              </p:cNvPr>
+              <p:cNvSpPr txBox="1"/>
+              <p:nvPr/>
+            </p:nvSpPr>
+            <p:spPr>
+              <a:xfrm>
+                <a:off x="5256657" y="3830321"/>
+                <a:ext cx="503023" cy="400110"/>
+              </a:xfrm>
+              <a:prstGeom prst="rect">
+                <a:avLst/>
+              </a:prstGeom>
+              <a:noFill/>
+            </p:spPr>
+            <p:txBody>
+              <a:bodyPr wrap="none" rtlCol="0">
+                <a:spAutoFit/>
+              </a:bodyPr>
+              <a:lstStyle/>
+              <a:p>
+                <a14:m>
+                  <m:oMathPara xmlns:m="http://schemas.openxmlformats.org/officeDocument/2006/math">
+                    <m:oMathParaPr>
+                      <m:jc m:val="centerGroup"/>
+                    </m:oMathParaPr>
+                    <m:oMath xmlns:m="http://schemas.openxmlformats.org/officeDocument/2006/math">
+                      <m:sSub>
+                        <m:sSubPr>
+                          <m:ctrlPr>
+                            <a:rPr kumimoji="1" lang="en-US" altLang="ja-JP" sz="2000" i="1" smtClean="0">
+                              <a:latin typeface="Cambria Math" panose="02040503050406030204" pitchFamily="18" charset="0"/>
+                            </a:rPr>
+                          </m:ctrlPr>
+                        </m:sSubPr>
+                        <m:e>
+                          <m:r>
+                            <a:rPr kumimoji="1" lang="en-US" altLang="ja-JP" sz="2000" b="0" i="1" smtClean="0">
+                              <a:latin typeface="Cambria Math" panose="02040503050406030204" pitchFamily="18" charset="0"/>
+                            </a:rPr>
+                            <m:t>𝑆</m:t>
+                          </m:r>
+                        </m:e>
+                        <m:sub>
+                          <m:r>
+                            <a:rPr kumimoji="1" lang="en-US" altLang="ja-JP" sz="2000" b="0" i="1" smtClean="0">
+                              <a:latin typeface="Cambria Math" panose="02040503050406030204" pitchFamily="18" charset="0"/>
+                            </a:rPr>
+                            <m:t>0</m:t>
+                          </m:r>
+                        </m:sub>
+                      </m:sSub>
+                    </m:oMath>
+                  </m:oMathPara>
+                </a14:m>
+                <a:endParaRPr kumimoji="1" lang="ja-JP" altLang="en-US" sz="2000"/>
+              </a:p>
+            </p:txBody>
+          </p:sp>
+        </mc:Choice>
+        <mc:Fallback>
+          <p:sp>
+            <p:nvSpPr>
+              <p:cNvPr id="6" name="テキスト ボックス 5">
+                <a:extLst>
+                  <a:ext uri="{FF2B5EF4-FFF2-40B4-BE49-F238E27FC236}">
+                    <a16:creationId xmlns:a16="http://schemas.microsoft.com/office/drawing/2014/main" id="{554E1C42-3B34-5B40-B982-3E72AD6154C9}"/>
+                  </a:ext>
+                </a:extLst>
+              </p:cNvPr>
+              <p:cNvSpPr txBox="1">
+                <a:spLocks noRot="1" noChangeAspect="1" noMove="1" noResize="1" noEditPoints="1" noAdjustHandles="1" noChangeArrowheads="1" noChangeShapeType="1" noTextEdit="1"/>
+              </p:cNvSpPr>
+              <p:nvPr/>
+            </p:nvSpPr>
+            <p:spPr>
+              <a:xfrm>
+                <a:off x="5256657" y="3830321"/>
+                <a:ext cx="503023" cy="400110"/>
+              </a:xfrm>
+              <a:prstGeom prst="rect">
+                <a:avLst/>
+              </a:prstGeom>
+              <a:blipFill>
+                <a:blip r:embed="rId2"/>
+                <a:stretch>
+                  <a:fillRect/>
+                </a:stretch>
+              </a:blipFill>
+            </p:spPr>
+            <p:txBody>
+              <a:bodyPr/>
+              <a:lstStyle/>
+              <a:p>
+                <a:r>
+                  <a:rPr lang="ja-JP" altLang="en-US">
+                    <a:noFill/>
+                  </a:rPr>
+                  <a:t> </a:t>
+                </a:r>
+              </a:p>
+            </p:txBody>
+          </p:sp>
+        </mc:Fallback>
+      </mc:AlternateContent>
+      <mc:AlternateContent xmlns:mc="http://schemas.openxmlformats.org/markup-compatibility/2006">
+        <mc:Choice xmlns:a14="http://schemas.microsoft.com/office/drawing/2010/main" Requires="a14">
+          <p:sp>
+            <p:nvSpPr>
+              <p:cNvPr id="7" name="テキスト ボックス 6">
+                <a:extLst>
+                  <a:ext uri="{FF2B5EF4-FFF2-40B4-BE49-F238E27FC236}">
+                    <a16:creationId xmlns:a16="http://schemas.microsoft.com/office/drawing/2014/main" id="{38E3B562-7C62-384E-9AA9-EF9E5AC7AB69}"/>
+                  </a:ext>
+                </a:extLst>
+              </p:cNvPr>
+              <p:cNvSpPr txBox="1"/>
+              <p:nvPr/>
+            </p:nvSpPr>
+            <p:spPr>
+              <a:xfrm>
+                <a:off x="4494813" y="3200400"/>
+                <a:ext cx="2026709" cy="400110"/>
+              </a:xfrm>
+              <a:prstGeom prst="rect">
+                <a:avLst/>
+              </a:prstGeom>
+              <a:noFill/>
+            </p:spPr>
+            <p:txBody>
+              <a:bodyPr wrap="none" rtlCol="0">
+                <a:spAutoFit/>
+              </a:bodyPr>
+              <a:lstStyle/>
+              <a:p>
+                <a14:m>
+                  <m:oMathPara xmlns:m="http://schemas.openxmlformats.org/officeDocument/2006/math">
+                    <m:oMathParaPr>
+                      <m:jc m:val="centerGroup"/>
+                    </m:oMathParaPr>
+                    <m:oMath xmlns:m="http://schemas.openxmlformats.org/officeDocument/2006/math">
+                      <m:r>
+                        <a:rPr kumimoji="1" lang="en-US" altLang="ja-JP" sz="2000" b="0" i="1" dirty="0" smtClean="0">
+                          <a:latin typeface="Cambria Math" panose="02040503050406030204" pitchFamily="18" charset="0"/>
+                        </a:rPr>
+                        <m:t>𝑝𝑜𝑠𝑡</m:t>
+                      </m:r>
+                      <m:r>
+                        <m:rPr>
+                          <m:nor/>
+                        </m:rPr>
+                        <a:rPr kumimoji="1" lang="en-US" altLang="ja-JP" sz="2000" b="0" i="0" dirty="0" smtClean="0">
+                          <a:latin typeface="Cambria Math" panose="02040503050406030204" pitchFamily="18" charset="0"/>
+                        </a:rPr>
+                        <m:t>-</m:t>
+                      </m:r>
+                      <m:r>
+                        <a:rPr kumimoji="1" lang="en-US" altLang="ja-JP" sz="2000" b="0" i="1" dirty="0" smtClean="0">
+                          <a:latin typeface="Cambria Math" panose="02040503050406030204" pitchFamily="18" charset="0"/>
+                        </a:rPr>
+                        <m:t>𝑖𝑚𝑎𝑔𝑒</m:t>
+                      </m:r>
+                      <m:r>
+                        <a:rPr kumimoji="1" lang="en-US" altLang="ja-JP" sz="2000" b="0" i="1" smtClean="0">
+                          <a:latin typeface="Cambria Math" panose="02040503050406030204" pitchFamily="18" charset="0"/>
+                        </a:rPr>
+                        <m:t>(</m:t>
+                      </m:r>
+                      <m:sSub>
+                        <m:sSubPr>
+                          <m:ctrlPr>
+                            <a:rPr kumimoji="1" lang="en-US" altLang="ja-JP" sz="2000" b="0" i="1" smtClean="0">
+                              <a:latin typeface="Cambria Math" panose="02040503050406030204" pitchFamily="18" charset="0"/>
+                            </a:rPr>
+                          </m:ctrlPr>
+                        </m:sSubPr>
+                        <m:e>
+                          <m:r>
+                            <a:rPr kumimoji="1" lang="en-US" altLang="ja-JP" sz="2000" b="0" i="1" smtClean="0">
+                              <a:latin typeface="Cambria Math" panose="02040503050406030204" pitchFamily="18" charset="0"/>
+                            </a:rPr>
+                            <m:t>𝑆</m:t>
+                          </m:r>
+                        </m:e>
+                        <m:sub>
+                          <m:r>
+                            <a:rPr kumimoji="1" lang="en-US" altLang="ja-JP" sz="2000" b="0" i="1" smtClean="0">
+                              <a:latin typeface="Cambria Math" panose="02040503050406030204" pitchFamily="18" charset="0"/>
+                            </a:rPr>
+                            <m:t>0</m:t>
+                          </m:r>
+                        </m:sub>
+                      </m:sSub>
+                      <m:r>
+                        <a:rPr kumimoji="1" lang="en-US" altLang="ja-JP" sz="2000" b="0" i="1" smtClean="0">
+                          <a:latin typeface="Cambria Math" panose="02040503050406030204" pitchFamily="18" charset="0"/>
+                        </a:rPr>
+                        <m:t>)</m:t>
+                      </m:r>
+                    </m:oMath>
+                  </m:oMathPara>
+                </a14:m>
+                <a:endParaRPr kumimoji="1" lang="ja-JP" altLang="en-US" sz="2000"/>
+              </a:p>
+            </p:txBody>
+          </p:sp>
+        </mc:Choice>
+        <mc:Fallback>
+          <p:sp>
+            <p:nvSpPr>
+              <p:cNvPr id="7" name="テキスト ボックス 6">
+                <a:extLst>
+                  <a:ext uri="{FF2B5EF4-FFF2-40B4-BE49-F238E27FC236}">
+                    <a16:creationId xmlns:a16="http://schemas.microsoft.com/office/drawing/2014/main" id="{38E3B562-7C62-384E-9AA9-EF9E5AC7AB69}"/>
+                  </a:ext>
+                </a:extLst>
+              </p:cNvPr>
+              <p:cNvSpPr txBox="1">
+                <a:spLocks noRot="1" noChangeAspect="1" noMove="1" noResize="1" noEditPoints="1" noAdjustHandles="1" noChangeArrowheads="1" noChangeShapeType="1" noTextEdit="1"/>
+              </p:cNvSpPr>
+              <p:nvPr/>
+            </p:nvSpPr>
+            <p:spPr>
+              <a:xfrm>
+                <a:off x="4494813" y="3200400"/>
+                <a:ext cx="2026709" cy="400110"/>
+              </a:xfrm>
+              <a:prstGeom prst="rect">
+                <a:avLst/>
+              </a:prstGeom>
+              <a:blipFill>
+                <a:blip r:embed="rId3"/>
+                <a:stretch>
+                  <a:fillRect b="-12500"/>
+                </a:stretch>
+              </a:blipFill>
+            </p:spPr>
+            <p:txBody>
+              <a:bodyPr/>
+              <a:lstStyle/>
+              <a:p>
+                <a:r>
+                  <a:rPr lang="ja-JP" altLang="en-US">
+                    <a:noFill/>
+                  </a:rPr>
+                  <a:t> </a:t>
+                </a:r>
+              </a:p>
+            </p:txBody>
+          </p:sp>
+        </mc:Fallback>
+      </mc:AlternateContent>
+      <mc:AlternateContent xmlns:mc="http://schemas.openxmlformats.org/markup-compatibility/2006">
+        <mc:Choice xmlns:a14="http://schemas.microsoft.com/office/drawing/2010/main" Requires="a14">
+          <p:sp>
+            <p:nvSpPr>
+              <p:cNvPr id="8" name="テキスト ボックス 7">
+                <a:extLst>
+                  <a:ext uri="{FF2B5EF4-FFF2-40B4-BE49-F238E27FC236}">
+                    <a16:creationId xmlns:a16="http://schemas.microsoft.com/office/drawing/2014/main" id="{313A5F39-E338-2349-80E8-CAC42428E551}"/>
+                  </a:ext>
+                </a:extLst>
+              </p:cNvPr>
+              <p:cNvSpPr txBox="1"/>
+              <p:nvPr/>
+            </p:nvSpPr>
+            <p:spPr>
+              <a:xfrm>
+                <a:off x="3743218" y="2571687"/>
+                <a:ext cx="3551678" cy="400110"/>
+              </a:xfrm>
+              <a:prstGeom prst="rect">
+                <a:avLst/>
+              </a:prstGeom>
+              <a:noFill/>
+            </p:spPr>
+            <p:txBody>
+              <a:bodyPr wrap="none" rtlCol="0">
+                <a:spAutoFit/>
+              </a:bodyPr>
+              <a:lstStyle/>
+              <a:p>
+                <a14:m>
+                  <m:oMathPara xmlns:m="http://schemas.openxmlformats.org/officeDocument/2006/math">
+                    <m:oMathParaPr>
+                      <m:jc m:val="centerGroup"/>
+                    </m:oMathParaPr>
+                    <m:oMath xmlns:m="http://schemas.openxmlformats.org/officeDocument/2006/math">
+                      <m:r>
+                        <a:rPr lang="en-US" altLang="ja-JP" sz="2000" i="1" dirty="0" smtClean="0">
+                          <a:latin typeface="Cambria Math" panose="02040503050406030204" pitchFamily="18" charset="0"/>
+                        </a:rPr>
+                        <m:t>𝑝𝑜𝑠𝑡</m:t>
+                      </m:r>
+                      <m:r>
+                        <m:rPr>
+                          <m:nor/>
+                        </m:rPr>
+                        <a:rPr lang="en-US" altLang="ja-JP" sz="2000" i="0" dirty="0">
+                          <a:latin typeface="Cambria Math" panose="02040503050406030204" pitchFamily="18" charset="0"/>
+                        </a:rPr>
+                        <m:t>-</m:t>
+                      </m:r>
+                      <m:r>
+                        <a:rPr lang="en-US" altLang="ja-JP" sz="2000" i="1" dirty="0">
+                          <a:latin typeface="Cambria Math" panose="02040503050406030204" pitchFamily="18" charset="0"/>
+                        </a:rPr>
+                        <m:t>𝑖𝑚𝑎𝑔𝑒</m:t>
+                      </m:r>
+                      <m:r>
+                        <a:rPr lang="en-US" altLang="ja-JP" sz="2000" b="0" i="1" dirty="0" smtClean="0">
+                          <a:latin typeface="Cambria Math" panose="02040503050406030204" pitchFamily="18" charset="0"/>
+                        </a:rPr>
+                        <m:t>(</m:t>
+                      </m:r>
+                      <m:r>
+                        <a:rPr kumimoji="1" lang="en-US" altLang="ja-JP" sz="2000" b="0" i="1" dirty="0" smtClean="0">
+                          <a:latin typeface="Cambria Math" panose="02040503050406030204" pitchFamily="18" charset="0"/>
+                        </a:rPr>
+                        <m:t>𝑝𝑜𝑠𝑡</m:t>
+                      </m:r>
+                      <m:r>
+                        <m:rPr>
+                          <m:nor/>
+                        </m:rPr>
+                        <a:rPr kumimoji="1" lang="en-US" altLang="ja-JP" sz="2000" b="0" i="0" dirty="0" smtClean="0">
+                          <a:latin typeface="Cambria Math" panose="02040503050406030204" pitchFamily="18" charset="0"/>
+                        </a:rPr>
+                        <m:t>-</m:t>
+                      </m:r>
+                      <m:r>
+                        <a:rPr kumimoji="1" lang="en-US" altLang="ja-JP" sz="2000" b="0" i="1" dirty="0" smtClean="0">
+                          <a:latin typeface="Cambria Math" panose="02040503050406030204" pitchFamily="18" charset="0"/>
+                        </a:rPr>
+                        <m:t>𝑖𝑚𝑎𝑔𝑒</m:t>
+                      </m:r>
+                      <m:d>
+                        <m:dPr>
+                          <m:ctrlPr>
+                            <a:rPr kumimoji="1" lang="en-US" altLang="ja-JP" sz="2000" b="0" i="1" smtClean="0">
+                              <a:latin typeface="Cambria Math" panose="02040503050406030204" pitchFamily="18" charset="0"/>
+                            </a:rPr>
+                          </m:ctrlPr>
+                        </m:dPr>
+                        <m:e>
+                          <m:sSub>
+                            <m:sSubPr>
+                              <m:ctrlPr>
+                                <a:rPr kumimoji="1" lang="en-US" altLang="ja-JP" sz="2000" b="0" i="1" smtClean="0">
+                                  <a:latin typeface="Cambria Math" panose="02040503050406030204" pitchFamily="18" charset="0"/>
+                                </a:rPr>
+                              </m:ctrlPr>
+                            </m:sSubPr>
+                            <m:e>
+                              <m:r>
+                                <a:rPr kumimoji="1" lang="en-US" altLang="ja-JP" sz="2000" b="0" i="1" smtClean="0">
+                                  <a:latin typeface="Cambria Math" panose="02040503050406030204" pitchFamily="18" charset="0"/>
+                                </a:rPr>
+                                <m:t>𝑆</m:t>
+                              </m:r>
+                            </m:e>
+                            <m:sub>
+                              <m:r>
+                                <a:rPr kumimoji="1" lang="en-US" altLang="ja-JP" sz="2000" b="0" i="1" smtClean="0">
+                                  <a:latin typeface="Cambria Math" panose="02040503050406030204" pitchFamily="18" charset="0"/>
+                                </a:rPr>
+                                <m:t>0</m:t>
+                              </m:r>
+                            </m:sub>
+                          </m:sSub>
+                        </m:e>
+                      </m:d>
+                      <m:r>
+                        <a:rPr kumimoji="1" lang="en-US" altLang="ja-JP" sz="2000" b="0" i="1" smtClean="0">
+                          <a:latin typeface="Cambria Math" panose="02040503050406030204" pitchFamily="18" charset="0"/>
+                        </a:rPr>
+                        <m:t>)</m:t>
+                      </m:r>
+                    </m:oMath>
+                  </m:oMathPara>
+                </a14:m>
+                <a:endParaRPr kumimoji="1" lang="ja-JP" altLang="en-US" sz="2000"/>
+              </a:p>
+            </p:txBody>
+          </p:sp>
+        </mc:Choice>
+        <mc:Fallback>
+          <p:sp>
+            <p:nvSpPr>
+              <p:cNvPr id="8" name="テキスト ボックス 7">
+                <a:extLst>
+                  <a:ext uri="{FF2B5EF4-FFF2-40B4-BE49-F238E27FC236}">
+                    <a16:creationId xmlns:a16="http://schemas.microsoft.com/office/drawing/2014/main" id="{313A5F39-E338-2349-80E8-CAC42428E551}"/>
+                  </a:ext>
+                </a:extLst>
+              </p:cNvPr>
+              <p:cNvSpPr txBox="1">
+                <a:spLocks noRot="1" noChangeAspect="1" noMove="1" noResize="1" noEditPoints="1" noAdjustHandles="1" noChangeArrowheads="1" noChangeShapeType="1" noTextEdit="1"/>
+              </p:cNvSpPr>
+              <p:nvPr/>
+            </p:nvSpPr>
+            <p:spPr>
+              <a:xfrm>
+                <a:off x="3743218" y="2571687"/>
+                <a:ext cx="3551678" cy="400110"/>
+              </a:xfrm>
+              <a:prstGeom prst="rect">
+                <a:avLst/>
+              </a:prstGeom>
+              <a:blipFill>
+                <a:blip r:embed="rId4"/>
+                <a:stretch>
+                  <a:fillRect b="-15625"/>
+                </a:stretch>
+              </a:blipFill>
+            </p:spPr>
+            <p:txBody>
+              <a:bodyPr/>
+              <a:lstStyle/>
+              <a:p>
+                <a:r>
+                  <a:rPr lang="ja-JP" altLang="en-US">
+                    <a:noFill/>
+                  </a:rPr>
+                  <a:t> </a:t>
+                </a:r>
+              </a:p>
+            </p:txBody>
+          </p:sp>
+        </mc:Fallback>
+      </mc:AlternateContent>
+    </p:spTree>
+    <p:extLst>
+      <p:ext uri="{BB962C8B-B14F-4D97-AF65-F5344CB8AC3E}">
+        <p14:creationId xmlns:p14="http://schemas.microsoft.com/office/powerpoint/2010/main" val="1022702844"/>
+      </p:ext>
+    </p:extLst>
+  </p:cSld>
+  <p:clrMapOvr>
+    <a:masterClrMapping/>
+  </p:clrMapOvr>
+</p:sld>
+</file>
+
+<file path=ppt/slides/slide6.xml><?xml version="1.0" encoding="utf-8"?>
+<p:sld xmlns:a="http://schemas.openxmlformats.org/drawingml/2006/main" xmlns:r="http://schemas.openxmlformats.org/officeDocument/2006/relationships" xmlns:p="http://schemas.openxmlformats.org/presentationml/2006/main">
+  <p:cSld>
+    <p:spTree>
+      <p:nvGrpSpPr>
+        <p:cNvPr id="1" name=""/>
+        <p:cNvGrpSpPr/>
+        <p:nvPr/>
+      </p:nvGrpSpPr>
+      <p:grpSpPr>
+        <a:xfrm>
+          <a:off x="0" y="0"/>
+          <a:ext cx="0" cy="0"/>
+          <a:chOff x="0" y="0"/>
+          <a:chExt cx="0" cy="0"/>
+        </a:xfrm>
+      </p:grpSpPr>
+      <mc:AlternateContent xmlns:mc="http://schemas.openxmlformats.org/markup-compatibility/2006">
+        <mc:Choice xmlns:a14="http://schemas.microsoft.com/office/drawing/2010/main" Requires="a14">
+          <p:sp>
+            <p:nvSpPr>
+              <p:cNvPr id="2" name="テキスト ボックス 1">
+                <a:extLst>
+                  <a:ext uri="{FF2B5EF4-FFF2-40B4-BE49-F238E27FC236}">
+                    <a16:creationId xmlns:a16="http://schemas.microsoft.com/office/drawing/2014/main" id="{D15ABD2D-4FE2-694A-A8DD-F70779BA5B3F}"/>
+                  </a:ext>
+                </a:extLst>
+              </p:cNvPr>
+              <p:cNvSpPr txBox="1"/>
+              <p:nvPr/>
+            </p:nvSpPr>
+            <p:spPr>
+              <a:xfrm>
+                <a:off x="2059487" y="429315"/>
+                <a:ext cx="5691142" cy="3631763"/>
+              </a:xfrm>
+              <a:prstGeom prst="rect">
+                <a:avLst/>
+              </a:prstGeom>
+              <a:noFill/>
+            </p:spPr>
+            <p:txBody>
+              <a:bodyPr wrap="square">
+                <a:spAutoFit/>
+              </a:bodyPr>
+              <a:lstStyle/>
+              <a:p>
+                <a:pPr>
+                  <a:lnSpc>
+                    <a:spcPts val="2320"/>
+                  </a:lnSpc>
+                </a:pPr>
+                <a14:m>
+                  <m:oMathPara xmlns:m="http://schemas.openxmlformats.org/officeDocument/2006/math">
+                    <m:oMathParaPr>
+                      <m:jc m:val="left"/>
+                    </m:oMathParaPr>
+                    <m:oMath xmlns:m="http://schemas.openxmlformats.org/officeDocument/2006/math">
+                      <m:r>
+                        <a:rPr lang="en-US" altLang="ja-JP" sz="1600" b="1" i="0" dirty="0" smtClean="0">
+                          <a:effectLst/>
+                          <a:latin typeface="Cambria Math" panose="02040503050406030204" pitchFamily="18" charset="0"/>
+                          <a:cs typeface="Times New Roman" panose="02020603050405020304" pitchFamily="18" charset="0"/>
+                        </a:rPr>
+                        <m:t>𝐟𝐮𝐧𝐜𝐭𝐢𝐨𝐧</m:t>
+                      </m:r>
+                      <m:r>
+                        <a:rPr lang="en-US" altLang="ja-JP" sz="1600" b="1" i="1" dirty="0" smtClean="0">
+                          <a:effectLst/>
+                          <a:latin typeface="Cambria Math" panose="02040503050406030204" pitchFamily="18" charset="0"/>
+                          <a:cs typeface="Times New Roman" panose="02020603050405020304" pitchFamily="18" charset="0"/>
+                        </a:rPr>
+                        <m:t> </m:t>
+                      </m:r>
+                      <m:r>
+                        <a:rPr lang="en-US" altLang="ja-JP" sz="1600" b="0" i="1" dirty="0" smtClean="0">
+                          <a:effectLst/>
+                          <a:latin typeface="Cambria Math" panose="02040503050406030204" pitchFamily="18" charset="0"/>
+                          <a:cs typeface="Times New Roman" panose="02020603050405020304" pitchFamily="18" charset="0"/>
+                        </a:rPr>
+                        <m:t>𝑂𝑛</m:t>
+                      </m:r>
+                      <m:r>
+                        <m:rPr>
+                          <m:nor/>
+                        </m:rPr>
+                        <a:rPr lang="en-US" altLang="ja-JP" sz="1600" b="0" i="0" dirty="0" smtClean="0">
+                          <a:effectLst/>
+                          <a:latin typeface="Cambria Math" panose="02040503050406030204" pitchFamily="18" charset="0"/>
+                          <a:cs typeface="Times New Roman" panose="02020603050405020304" pitchFamily="18" charset="0"/>
+                        </a:rPr>
+                        <m:t>-</m:t>
+                      </m:r>
+                      <m:r>
+                        <a:rPr lang="en-US" altLang="ja-JP" sz="1600" b="0" i="1" dirty="0" smtClean="0">
+                          <a:effectLst/>
+                          <a:latin typeface="Cambria Math" panose="02040503050406030204" pitchFamily="18" charset="0"/>
+                          <a:cs typeface="Times New Roman" panose="02020603050405020304" pitchFamily="18" charset="0"/>
+                        </a:rPr>
+                        <m:t>𝑡h𝑒</m:t>
+                      </m:r>
+                      <m:r>
+                        <m:rPr>
+                          <m:nor/>
+                        </m:rPr>
+                        <a:rPr lang="en-US" altLang="ja-JP" sz="1600" b="0" i="0" dirty="0" smtClean="0">
+                          <a:effectLst/>
+                          <a:latin typeface="Cambria Math" panose="02040503050406030204" pitchFamily="18" charset="0"/>
+                          <a:cs typeface="Times New Roman" panose="02020603050405020304" pitchFamily="18" charset="0"/>
+                        </a:rPr>
+                        <m:t>-</m:t>
+                      </m:r>
+                      <m:r>
+                        <a:rPr lang="en-US" altLang="ja-JP" sz="1600" b="0" i="1" dirty="0" smtClean="0">
+                          <a:effectLst/>
+                          <a:latin typeface="Cambria Math" panose="02040503050406030204" pitchFamily="18" charset="0"/>
+                          <a:cs typeface="Times New Roman" panose="02020603050405020304" pitchFamily="18" charset="0"/>
+                        </a:rPr>
+                        <m:t>𝑓𝑙𝑦</m:t>
+                      </m:r>
+                      <m:r>
+                        <a:rPr lang="en-US" altLang="ja-JP" sz="1600" b="0" i="1" dirty="0" smtClean="0">
+                          <a:effectLst/>
+                          <a:latin typeface="Cambria Math" panose="02040503050406030204" pitchFamily="18" charset="0"/>
+                          <a:cs typeface="Times New Roman" panose="02020603050405020304" pitchFamily="18" charset="0"/>
+                        </a:rPr>
+                        <m:t> </m:t>
+                      </m:r>
+                      <m:r>
+                        <a:rPr lang="en-US" altLang="ja-JP" sz="1600" b="0" i="1" dirty="0" smtClean="0">
+                          <a:effectLst/>
+                          <a:latin typeface="Cambria Math" panose="02040503050406030204" pitchFamily="18" charset="0"/>
+                          <a:cs typeface="Times New Roman" panose="02020603050405020304" pitchFamily="18" charset="0"/>
+                        </a:rPr>
+                        <m:t>𝑅𝑒𝑎𝑐h</m:t>
+                      </m:r>
+                      <m:d>
+                        <m:dPr>
+                          <m:ctrlPr>
+                            <a:rPr lang="en-US" altLang="ja-JP" sz="1600" i="1" dirty="0" smtClean="0">
+                              <a:effectLst/>
+                              <a:latin typeface="Cambria Math" panose="02040503050406030204" pitchFamily="18" charset="0"/>
+                              <a:cs typeface="Times New Roman" panose="02020603050405020304" pitchFamily="18" charset="0"/>
+                            </a:rPr>
+                          </m:ctrlPr>
+                        </m:dPr>
+                        <m:e>
+                          <m:r>
+                            <m:rPr>
+                              <m:nor/>
+                            </m:rPr>
+                            <a:rPr lang="en-US" altLang="ja-JP" sz="1600" b="0" i="0" dirty="0" smtClean="0">
+                              <a:effectLst/>
+                              <a:latin typeface="Cambria Math" panose="02040503050406030204" pitchFamily="18" charset="0"/>
+                              <a:cs typeface="Times New Roman" panose="02020603050405020304" pitchFamily="18" charset="0"/>
+                            </a:rPr>
+                            <m:t>model</m:t>
+                          </m:r>
+                          <m:r>
+                            <a:rPr lang="en-US" altLang="ja-JP" sz="1600" b="0" i="1" dirty="0" smtClean="0">
+                              <a:effectLst/>
+                              <a:latin typeface="Cambria Math" panose="02040503050406030204" pitchFamily="18" charset="0"/>
+                              <a:cs typeface="Times New Roman" panose="02020603050405020304" pitchFamily="18" charset="0"/>
+                            </a:rPr>
+                            <m:t> </m:t>
+                          </m:r>
+                          <m:r>
+                            <a:rPr lang="en-US" altLang="ja-JP" sz="1600" b="0" i="1" dirty="0" smtClean="0">
+                              <a:effectLst/>
+                              <a:latin typeface="Cambria Math" panose="02040503050406030204" pitchFamily="18" charset="0"/>
+                              <a:cs typeface="Times New Roman" panose="02020603050405020304" pitchFamily="18" charset="0"/>
+                            </a:rPr>
+                            <m:t>𝑀</m:t>
+                          </m:r>
+                          <m:r>
+                            <a:rPr lang="en-US" altLang="ja-JP" sz="1600" b="0" i="1" dirty="0" smtClean="0">
+                              <a:effectLst/>
+                              <a:latin typeface="Cambria Math" panose="02040503050406030204" pitchFamily="18" charset="0"/>
+                              <a:cs typeface="Times New Roman" panose="02020603050405020304" pitchFamily="18" charset="0"/>
+                            </a:rPr>
+                            <m:t>, </m:t>
+                          </m:r>
+                          <m:r>
+                            <a:rPr lang="en-US" altLang="ja-JP" sz="1600" b="0" i="1" dirty="0" smtClean="0">
+                              <a:effectLst/>
+                              <a:latin typeface="Cambria Math" panose="02040503050406030204" pitchFamily="18" charset="0"/>
+                              <a:cs typeface="Times New Roman" panose="02020603050405020304" pitchFamily="18" charset="0"/>
+                            </a:rPr>
+                            <m:t>𝑝</m:t>
+                          </m:r>
+                          <m:r>
+                            <a:rPr lang="en-US" altLang="ja-JP" sz="1600" b="0" i="1" dirty="0" smtClean="0">
+                              <a:effectLst/>
+                              <a:latin typeface="Cambria Math" panose="02040503050406030204" pitchFamily="18" charset="0"/>
+                              <a:ea typeface="Cambria Math" panose="02040503050406030204" pitchFamily="18" charset="0"/>
+                              <a:cs typeface="Times New Roman" panose="02020603050405020304" pitchFamily="18" charset="0"/>
+                            </a:rPr>
+                            <m:t>∈</m:t>
+                          </m:r>
+                          <m:r>
+                            <a:rPr lang="en-US" altLang="ja-JP" sz="1600" b="0" i="1" dirty="0" smtClean="0">
+                              <a:effectLst/>
+                              <a:latin typeface="Cambria Math" panose="02040503050406030204" pitchFamily="18" charset="0"/>
+                              <a:ea typeface="Cambria Math" panose="02040503050406030204" pitchFamily="18" charset="0"/>
+                              <a:cs typeface="Times New Roman" panose="02020603050405020304" pitchFamily="18" charset="0"/>
+                            </a:rPr>
+                            <m:t>𝐴𝑃</m:t>
+                          </m:r>
+                        </m:e>
+                      </m:d>
+                    </m:oMath>
+                  </m:oMathPara>
+                </a14:m>
+                <a:endParaRPr lang="en-US" altLang="ja-JP" sz="1600" i="1" dirty="0">
+                  <a:effectLst/>
+                  <a:latin typeface="Cambria Math" panose="02040503050406030204" pitchFamily="18" charset="0"/>
+                  <a:cs typeface="Times New Roman" panose="02020603050405020304" pitchFamily="18" charset="0"/>
+                </a:endParaRPr>
+              </a:p>
+              <a:p>
+                <a:pPr>
+                  <a:lnSpc>
+                    <a:spcPts val="2320"/>
+                  </a:lnSpc>
+                </a:pPr>
+                <a:r>
+                  <a:rPr lang="ja-JP" altLang="en-US" sz="1600">
+                    <a:cs typeface="Times New Roman" panose="02020603050405020304" pitchFamily="18" charset="0"/>
+                  </a:rPr>
+                  <a:t>　</a:t>
+                </a:r>
+                <a14:m>
+                  <m:oMath xmlns:m="http://schemas.openxmlformats.org/officeDocument/2006/math">
+                    <m:r>
+                      <a:rPr lang="en-US" altLang="ja-JP" sz="1600" b="0" i="1" dirty="0" smtClean="0">
+                        <a:effectLst/>
+                        <a:latin typeface="Cambria Math" panose="02040503050406030204" pitchFamily="18" charset="0"/>
+                        <a:cs typeface="Times New Roman" panose="02020603050405020304" pitchFamily="18" charset="0"/>
+                      </a:rPr>
+                      <m:t>𝑄</m:t>
+                    </m:r>
+                    <m:r>
+                      <a:rPr lang="en-US" altLang="ja-JP" sz="1600" i="1" dirty="0" smtClean="0">
+                        <a:effectLst/>
+                        <a:latin typeface="Cambria Math" panose="02040503050406030204" pitchFamily="18" charset="0"/>
+                        <a:cs typeface="Times New Roman" panose="02020603050405020304" pitchFamily="18" charset="0"/>
+                      </a:rPr>
+                      <m:t>:=</m:t>
+                    </m:r>
+                    <m:r>
+                      <a:rPr lang="en-US" altLang="ja-JP" sz="1600" b="0" i="1" dirty="0" smtClean="0">
+                        <a:effectLst/>
+                        <a:latin typeface="Cambria Math" panose="02040503050406030204" pitchFamily="18" charset="0"/>
+                        <a:ea typeface="Cambria Math" panose="02040503050406030204" pitchFamily="18" charset="0"/>
+                        <a:cs typeface="Times New Roman" panose="02020603050405020304" pitchFamily="18" charset="0"/>
+                      </a:rPr>
+                      <m:t>∅</m:t>
+                    </m:r>
+                    <m:r>
+                      <a:rPr lang="en-US" altLang="ja-JP" sz="1600" i="1" dirty="0" smtClean="0">
+                        <a:effectLst/>
+                        <a:latin typeface="Cambria Math" panose="02040503050406030204" pitchFamily="18" charset="0"/>
+                        <a:cs typeface="Times New Roman" panose="02020603050405020304" pitchFamily="18" charset="0"/>
+                      </a:rPr>
+                      <m:t>;</m:t>
+                    </m:r>
+                  </m:oMath>
+                </a14:m>
+                <a:endParaRPr lang="en-US" altLang="ja-JP" sz="1600" dirty="0">
+                  <a:effectLst/>
+                  <a:cs typeface="Times New Roman" panose="02020603050405020304" pitchFamily="18" charset="0"/>
+                </a:endParaRPr>
+              </a:p>
+              <a:p>
+                <a:pPr>
+                  <a:lnSpc>
+                    <a:spcPts val="2320"/>
+                  </a:lnSpc>
+                </a:pPr>
+                <a:r>
+                  <a:rPr lang="ja-JP" altLang="en-US" sz="1600" i="1">
+                    <a:effectLst/>
+                    <a:latin typeface="Cambria Math" panose="02040503050406030204" pitchFamily="18" charset="0"/>
+                    <a:cs typeface="Times New Roman" panose="02020603050405020304" pitchFamily="18" charset="0"/>
+                  </a:rPr>
+                  <a:t>　</a:t>
+                </a:r>
+                <a14:m>
+                  <m:oMath xmlns:m="http://schemas.openxmlformats.org/officeDocument/2006/math">
+                    <m:r>
+                      <a:rPr lang="en-US" altLang="ja-JP" sz="1600" i="1" dirty="0" smtClean="0">
+                        <a:effectLst/>
+                        <a:latin typeface="Cambria Math" panose="02040503050406030204" pitchFamily="18" charset="0"/>
+                        <a:cs typeface="Times New Roman" panose="02020603050405020304" pitchFamily="18" charset="0"/>
+                      </a:rPr>
+                      <m:t>𝑄</m:t>
+                    </m:r>
+                    <m:r>
+                      <a:rPr lang="en-US" altLang="ja-JP" sz="1600" i="1" dirty="0" smtClean="0">
+                        <a:effectLst/>
+                        <a:latin typeface="Cambria Math" panose="02040503050406030204" pitchFamily="18" charset="0"/>
+                        <a:cs typeface="Times New Roman" panose="02020603050405020304" pitchFamily="18" charset="0"/>
+                      </a:rPr>
+                      <m:t>′:=</m:t>
+                    </m:r>
+                    <m:sSub>
+                      <m:sSubPr>
+                        <m:ctrlPr>
+                          <a:rPr lang="en-US" altLang="ja-JP" sz="1600" i="1" dirty="0" smtClean="0">
+                            <a:effectLst/>
+                            <a:latin typeface="Cambria Math" panose="02040503050406030204" pitchFamily="18" charset="0"/>
+                            <a:cs typeface="Times New Roman" panose="02020603050405020304" pitchFamily="18" charset="0"/>
+                          </a:rPr>
+                        </m:ctrlPr>
+                      </m:sSubPr>
+                      <m:e>
+                        <m:r>
+                          <a:rPr lang="en-US" altLang="ja-JP" sz="1600" b="0" i="1" dirty="0" smtClean="0">
+                            <a:effectLst/>
+                            <a:latin typeface="Cambria Math" panose="02040503050406030204" pitchFamily="18" charset="0"/>
+                            <a:cs typeface="Times New Roman" panose="02020603050405020304" pitchFamily="18" charset="0"/>
+                          </a:rPr>
+                          <m:t>𝑆</m:t>
+                        </m:r>
+                      </m:e>
+                      <m:sub>
+                        <m:r>
+                          <a:rPr lang="en-US" altLang="ja-JP" sz="1600" b="0" i="1" dirty="0" smtClean="0">
+                            <a:effectLst/>
+                            <a:latin typeface="Cambria Math" panose="02040503050406030204" pitchFamily="18" charset="0"/>
+                            <a:cs typeface="Times New Roman" panose="02020603050405020304" pitchFamily="18" charset="0"/>
+                          </a:rPr>
+                          <m:t>0</m:t>
+                        </m:r>
+                      </m:sub>
+                    </m:sSub>
+                    <m:r>
+                      <a:rPr lang="en-US" altLang="ja-JP" sz="1600" i="1" dirty="0" smtClean="0">
+                        <a:effectLst/>
+                        <a:latin typeface="Cambria Math" panose="02040503050406030204" pitchFamily="18" charset="0"/>
+                        <a:cs typeface="Times New Roman" panose="02020603050405020304" pitchFamily="18" charset="0"/>
+                      </a:rPr>
+                      <m:t>;</m:t>
+                    </m:r>
+                  </m:oMath>
+                </a14:m>
+                <a:endParaRPr lang="en-US" altLang="ja-JP" sz="1600" i="1" dirty="0">
+                  <a:effectLst/>
+                  <a:latin typeface="Cambria Math" panose="02040503050406030204" pitchFamily="18" charset="0"/>
+                  <a:cs typeface="Times New Roman" panose="02020603050405020304" pitchFamily="18" charset="0"/>
+                </a:endParaRPr>
+              </a:p>
+              <a:p>
+                <a:pPr>
+                  <a:lnSpc>
+                    <a:spcPts val="2320"/>
+                  </a:lnSpc>
+                </a:pPr>
+                <a:r>
+                  <a:rPr lang="ja-JP" altLang="en-US" sz="1600" b="1">
+                    <a:effectLst/>
+                    <a:cs typeface="Times New Roman" panose="02020603050405020304" pitchFamily="18" charset="0"/>
+                  </a:rPr>
+                  <a:t>　</a:t>
+                </a:r>
+                <a14:m>
+                  <m:oMath xmlns:m="http://schemas.openxmlformats.org/officeDocument/2006/math">
+                    <m:r>
+                      <a:rPr lang="en-US" altLang="ja-JP" sz="1600" b="1" i="0" dirty="0" smtClean="0">
+                        <a:effectLst/>
+                        <a:latin typeface="Cambria Math" panose="02040503050406030204" pitchFamily="18" charset="0"/>
+                        <a:cs typeface="Times New Roman" panose="02020603050405020304" pitchFamily="18" charset="0"/>
+                      </a:rPr>
+                      <m:t>𝐰𝐡𝐢𝐥𝐞</m:t>
+                    </m:r>
+                    <m:r>
+                      <a:rPr lang="en-US" altLang="ja-JP" sz="1600" i="1" dirty="0" smtClean="0">
+                        <a:effectLst/>
+                        <a:latin typeface="Cambria Math" panose="02040503050406030204" pitchFamily="18" charset="0"/>
+                        <a:cs typeface="Times New Roman" panose="02020603050405020304" pitchFamily="18" charset="0"/>
+                      </a:rPr>
+                      <m:t> </m:t>
+                    </m:r>
+                    <m:r>
+                      <a:rPr lang="en-US" altLang="ja-JP" sz="1600" b="0" i="1" dirty="0" smtClean="0">
+                        <a:effectLst/>
+                        <a:latin typeface="Cambria Math" panose="02040503050406030204" pitchFamily="18" charset="0"/>
+                        <a:cs typeface="Times New Roman" panose="02020603050405020304" pitchFamily="18" charset="0"/>
+                      </a:rPr>
+                      <m:t>𝑄</m:t>
+                    </m:r>
+                    <m:r>
+                      <a:rPr lang="ja-JP" altLang="en-US" sz="1600" i="1" smtClean="0">
+                        <a:latin typeface="Cambria Math" panose="02040503050406030204" pitchFamily="18" charset="0"/>
+                        <a:cs typeface="Times New Roman" panose="02020603050405020304" pitchFamily="18" charset="0"/>
+                      </a:rPr>
+                      <m:t>≠</m:t>
+                    </m:r>
+                    <m:r>
+                      <a:rPr lang="en-US" altLang="ja-JP" sz="1600" b="0" i="1" smtClean="0">
+                        <a:latin typeface="Cambria Math" panose="02040503050406030204" pitchFamily="18" charset="0"/>
+                        <a:cs typeface="Times New Roman" panose="02020603050405020304" pitchFamily="18" charset="0"/>
+                      </a:rPr>
+                      <m:t>𝑄</m:t>
+                    </m:r>
+                    <m:r>
+                      <a:rPr lang="en-US" altLang="ja-JP" sz="1600" b="0" i="1" smtClean="0">
+                        <a:latin typeface="Cambria Math" panose="02040503050406030204" pitchFamily="18" charset="0"/>
+                        <a:cs typeface="Times New Roman" panose="02020603050405020304" pitchFamily="18" charset="0"/>
+                      </a:rPr>
+                      <m:t>′ </m:t>
+                    </m:r>
+                    <m:r>
+                      <a:rPr lang="en-US" altLang="ja-JP" sz="1600" b="1" i="0" dirty="0" smtClean="0">
+                        <a:effectLst/>
+                        <a:latin typeface="Cambria Math" panose="02040503050406030204" pitchFamily="18" charset="0"/>
+                        <a:cs typeface="Times New Roman" panose="02020603050405020304" pitchFamily="18" charset="0"/>
+                      </a:rPr>
+                      <m:t>𝐝𝐨</m:t>
+                    </m:r>
+                  </m:oMath>
+                </a14:m>
+                <a:endParaRPr lang="en-US" altLang="ja-JP" sz="1600" i="1" dirty="0">
+                  <a:effectLst/>
+                  <a:latin typeface="Cambria Math" panose="02040503050406030204" pitchFamily="18" charset="0"/>
+                  <a:cs typeface="Times New Roman" panose="02020603050405020304" pitchFamily="18" charset="0"/>
+                </a:endParaRPr>
+              </a:p>
+              <a:p>
+                <a:pPr>
+                  <a:lnSpc>
+                    <a:spcPts val="2320"/>
+                  </a:lnSpc>
+                </a:pPr>
+                <a:r>
+                  <a:rPr lang="ja-JP" altLang="en-US" sz="1600">
+                    <a:effectLst/>
+                    <a:cs typeface="Times New Roman" panose="02020603050405020304" pitchFamily="18" charset="0"/>
+                  </a:rPr>
+                  <a:t>　　</a:t>
+                </a:r>
+                <a14:m>
+                  <m:oMath xmlns:m="http://schemas.openxmlformats.org/officeDocument/2006/math">
+                    <m:r>
+                      <a:rPr lang="en-US" altLang="ja-JP" sz="1600" b="1" i="0" dirty="0" smtClean="0">
+                        <a:latin typeface="Cambria Math" panose="02040503050406030204" pitchFamily="18" charset="0"/>
+                        <a:cs typeface="Times New Roman" panose="02020603050405020304" pitchFamily="18" charset="0"/>
+                      </a:rPr>
+                      <m:t>𝐢𝐟</m:t>
+                    </m:r>
+                    <m:r>
+                      <a:rPr lang="en-US" altLang="ja-JP" sz="1600" b="0" i="1" dirty="0" smtClean="0">
+                        <a:latin typeface="Cambria Math" panose="02040503050406030204" pitchFamily="18" charset="0"/>
+                        <a:cs typeface="Times New Roman" panose="02020603050405020304" pitchFamily="18" charset="0"/>
+                      </a:rPr>
+                      <m:t> </m:t>
+                    </m:r>
+                    <m:r>
+                      <a:rPr lang="en-US" altLang="ja-JP" sz="1600" b="0" i="1" dirty="0" smtClean="0">
+                        <a:latin typeface="Cambria Math" panose="02040503050406030204" pitchFamily="18" charset="0"/>
+                        <a:ea typeface="Cambria Math" panose="02040503050406030204" pitchFamily="18" charset="0"/>
+                        <a:cs typeface="Times New Roman" panose="02020603050405020304" pitchFamily="18" charset="0"/>
+                      </a:rPr>
+                      <m:t>∃</m:t>
+                    </m:r>
+                    <m:r>
+                      <a:rPr lang="en-US" altLang="ja-JP" sz="1600" i="1" dirty="0" smtClean="0">
+                        <a:latin typeface="Cambria Math" panose="02040503050406030204" pitchFamily="18" charset="0"/>
+                        <a:cs typeface="Times New Roman" panose="02020603050405020304" pitchFamily="18" charset="0"/>
+                      </a:rPr>
+                      <m:t>𝑠</m:t>
+                    </m:r>
+                    <m:r>
+                      <a:rPr lang="en-US" altLang="ja-JP" sz="1600" i="1" dirty="0" smtClean="0">
+                        <a:latin typeface="Cambria Math" panose="02040503050406030204" pitchFamily="18" charset="0"/>
+                        <a:ea typeface="Cambria Math" panose="02040503050406030204" pitchFamily="18" charset="0"/>
+                        <a:cs typeface="Times New Roman" panose="02020603050405020304" pitchFamily="18" charset="0"/>
+                      </a:rPr>
+                      <m:t>∈</m:t>
+                    </m:r>
+                    <m:sSup>
+                      <m:sSupPr>
+                        <m:ctrlPr>
+                          <a:rPr lang="en-US" altLang="ja-JP" sz="1600" i="1" dirty="0" smtClean="0">
+                            <a:latin typeface="Cambria Math" panose="02040503050406030204" pitchFamily="18" charset="0"/>
+                            <a:cs typeface="Times New Roman" panose="02020603050405020304" pitchFamily="18" charset="0"/>
+                          </a:rPr>
+                        </m:ctrlPr>
+                      </m:sSupPr>
+                      <m:e>
+                        <m:r>
+                          <a:rPr lang="en-US" altLang="ja-JP" sz="1600" i="1" dirty="0" smtClean="0">
+                            <a:latin typeface="Cambria Math" panose="02040503050406030204" pitchFamily="18" charset="0"/>
+                            <a:cs typeface="Times New Roman" panose="02020603050405020304" pitchFamily="18" charset="0"/>
+                          </a:rPr>
+                          <m:t>𝑄</m:t>
+                        </m:r>
+                      </m:e>
+                      <m:sup>
+                        <m:r>
+                          <a:rPr lang="en-US" altLang="ja-JP" sz="1600" i="1" dirty="0" smtClean="0">
+                            <a:latin typeface="Cambria Math" panose="02040503050406030204" pitchFamily="18" charset="0"/>
+                            <a:cs typeface="Times New Roman" panose="02020603050405020304" pitchFamily="18" charset="0"/>
+                          </a:rPr>
+                          <m:t>′</m:t>
+                        </m:r>
+                      </m:sup>
+                    </m:sSup>
+                    <m:r>
+                      <a:rPr lang="en-US" altLang="ja-JP" sz="1600" i="1" dirty="0" smtClean="0">
+                        <a:latin typeface="Cambria Math" panose="02040503050406030204" pitchFamily="18" charset="0"/>
+                        <a:cs typeface="Times New Roman" panose="02020603050405020304" pitchFamily="18" charset="0"/>
+                      </a:rPr>
+                      <m:t>.</m:t>
+                    </m:r>
+                    <m:r>
+                      <a:rPr lang="en-US" altLang="ja-JP" sz="1600" i="1" dirty="0" err="1">
+                        <a:latin typeface="Cambria Math" panose="02040503050406030204" pitchFamily="18" charset="0"/>
+                        <a:cs typeface="Times New Roman" panose="02020603050405020304" pitchFamily="18" charset="0"/>
+                      </a:rPr>
+                      <m:t>𝑠</m:t>
+                    </m:r>
+                    <m:r>
+                      <a:rPr lang="en-US" altLang="ja-JP" sz="1600" i="1" dirty="0">
+                        <a:latin typeface="Cambria Math" panose="02040503050406030204" pitchFamily="18" charset="0"/>
+                        <a:ea typeface="Cambria Math" panose="02040503050406030204" pitchFamily="18" charset="0"/>
+                        <a:cs typeface="Times New Roman" panose="02020603050405020304" pitchFamily="18" charset="0"/>
+                      </a:rPr>
+                      <m:t>⊭</m:t>
+                    </m:r>
+                    <m:r>
+                      <a:rPr lang="en-US" altLang="ja-JP" sz="1600" i="1" dirty="0" err="1" smtClean="0">
+                        <a:latin typeface="Cambria Math" panose="02040503050406030204" pitchFamily="18" charset="0"/>
+                        <a:cs typeface="Times New Roman" panose="02020603050405020304" pitchFamily="18" charset="0"/>
+                      </a:rPr>
+                      <m:t>𝑝</m:t>
+                    </m:r>
+                    <m:r>
+                      <a:rPr lang="en-US" altLang="ja-JP" sz="1600" b="0" i="1" dirty="0" smtClean="0">
+                        <a:latin typeface="Cambria Math" panose="02040503050406030204" pitchFamily="18" charset="0"/>
+                        <a:cs typeface="Times New Roman" panose="02020603050405020304" pitchFamily="18" charset="0"/>
+                      </a:rPr>
+                      <m:t> </m:t>
+                    </m:r>
+                    <m:r>
+                      <a:rPr lang="en-US" altLang="ja-JP" sz="1600" b="1" i="0" dirty="0" err="1" smtClean="0">
+                        <a:latin typeface="Cambria Math" panose="02040503050406030204" pitchFamily="18" charset="0"/>
+                        <a:cs typeface="Times New Roman" panose="02020603050405020304" pitchFamily="18" charset="0"/>
+                      </a:rPr>
+                      <m:t>𝐭𝐡𝐞𝐧</m:t>
+                    </m:r>
+                    <m:r>
+                      <a:rPr lang="en-US" altLang="ja-JP" sz="1600" i="1" dirty="0" smtClean="0">
+                        <a:effectLst/>
+                        <a:latin typeface="Cambria Math" panose="02040503050406030204" pitchFamily="18" charset="0"/>
+                        <a:cs typeface="Times New Roman" panose="02020603050405020304" pitchFamily="18" charset="0"/>
+                      </a:rPr>
+                      <m:t> </m:t>
+                    </m:r>
+                  </m:oMath>
+                </a14:m>
+                <a:endParaRPr lang="en-US" altLang="ja-JP" sz="1600" dirty="0">
+                  <a:effectLst/>
+                  <a:cs typeface="Times New Roman" panose="02020603050405020304" pitchFamily="18" charset="0"/>
+                </a:endParaRPr>
+              </a:p>
+              <a:p>
+                <a:pPr>
+                  <a:lnSpc>
+                    <a:spcPts val="2320"/>
+                  </a:lnSpc>
+                </a:pPr>
+                <a:r>
+                  <a:rPr lang="ja-JP" altLang="en-US" sz="1600">
+                    <a:effectLst/>
+                    <a:cs typeface="Times New Roman" panose="02020603050405020304" pitchFamily="18" charset="0"/>
+                  </a:rPr>
+                  <a:t>　　　</a:t>
+                </a:r>
+                <a14:m>
+                  <m:oMath xmlns:m="http://schemas.openxmlformats.org/officeDocument/2006/math">
+                    <m:r>
+                      <a:rPr lang="en-US" altLang="ja-JP" sz="1600" b="1" i="0" dirty="0" smtClean="0">
+                        <a:effectLst/>
+                        <a:latin typeface="Cambria Math" panose="02040503050406030204" pitchFamily="18" charset="0"/>
+                        <a:cs typeface="Times New Roman" panose="02020603050405020304" pitchFamily="18" charset="0"/>
+                      </a:rPr>
+                      <m:t>𝐫𝐞𝐭𝐮𝐫𝐧</m:t>
+                    </m:r>
+                    <m:r>
+                      <a:rPr lang="en-US" altLang="ja-JP" sz="1600" i="1" dirty="0" smtClean="0">
+                        <a:effectLst/>
+                        <a:latin typeface="Cambria Math" panose="02040503050406030204" pitchFamily="18" charset="0"/>
+                        <a:cs typeface="Times New Roman" panose="02020603050405020304" pitchFamily="18" charset="0"/>
+                      </a:rPr>
+                      <m:t> </m:t>
+                    </m:r>
+                    <m:r>
+                      <m:rPr>
+                        <m:nor/>
+                      </m:rPr>
+                      <a:rPr lang="en-US" altLang="ja-JP" sz="1600" b="0" i="0" dirty="0" smtClean="0">
+                        <a:effectLst/>
+                        <a:latin typeface="Cambria Math" panose="02040503050406030204" pitchFamily="18" charset="0"/>
+                        <a:cs typeface="Times New Roman" panose="02020603050405020304" pitchFamily="18" charset="0"/>
+                      </a:rPr>
+                      <m:t>(</m:t>
+                    </m:r>
+                    <m:r>
+                      <m:rPr>
+                        <m:nor/>
+                      </m:rPr>
+                      <a:rPr lang="en-US" altLang="ja-JP" sz="1600" i="0" dirty="0" smtClean="0">
+                        <a:effectLst/>
+                        <a:latin typeface="Cambria Math" panose="02040503050406030204" pitchFamily="18" charset="0"/>
+                        <a:cs typeface="Times New Roman" panose="02020603050405020304" pitchFamily="18" charset="0"/>
+                      </a:rPr>
+                      <m:t>"</m:t>
+                    </m:r>
+                    <m:r>
+                      <m:rPr>
+                        <m:nor/>
+                      </m:rPr>
+                      <a:rPr lang="en-US" altLang="ja-JP" sz="1600" i="0" dirty="0" smtClean="0">
+                        <a:effectLst/>
+                        <a:latin typeface="Cambria Math" panose="02040503050406030204" pitchFamily="18" charset="0"/>
+                        <a:cs typeface="Times New Roman" panose="02020603050405020304" pitchFamily="18" charset="0"/>
+                      </a:rPr>
+                      <m:t>Model</m:t>
+                    </m:r>
+                    <m:r>
+                      <m:rPr>
+                        <m:nor/>
+                      </m:rPr>
+                      <a:rPr lang="en-US" altLang="ja-JP" sz="1600" i="0" dirty="0" smtClean="0">
+                        <a:effectLst/>
+                        <a:latin typeface="Cambria Math" panose="02040503050406030204" pitchFamily="18" charset="0"/>
+                        <a:cs typeface="Times New Roman" panose="02020603050405020304" pitchFamily="18" charset="0"/>
+                      </a:rPr>
+                      <m:t> </m:t>
+                    </m:r>
+                    <m:r>
+                      <m:rPr>
+                        <m:nor/>
+                      </m:rPr>
+                      <a:rPr lang="en-US" altLang="ja-JP" sz="1600" i="0" dirty="0" smtClean="0">
+                        <a:effectLst/>
+                        <a:latin typeface="Cambria Math" panose="02040503050406030204" pitchFamily="18" charset="0"/>
+                        <a:cs typeface="Times New Roman" panose="02020603050405020304" pitchFamily="18" charset="0"/>
+                      </a:rPr>
+                      <m:t>dose</m:t>
+                    </m:r>
+                    <m:r>
+                      <m:rPr>
+                        <m:nor/>
+                      </m:rPr>
+                      <a:rPr lang="en-US" altLang="ja-JP" sz="1600" i="0" dirty="0" smtClean="0">
+                        <a:effectLst/>
+                        <a:latin typeface="Cambria Math" panose="02040503050406030204" pitchFamily="18" charset="0"/>
+                        <a:cs typeface="Times New Roman" panose="02020603050405020304" pitchFamily="18" charset="0"/>
+                      </a:rPr>
+                      <m:t> </m:t>
+                    </m:r>
+                    <m:r>
+                      <m:rPr>
+                        <m:nor/>
+                      </m:rPr>
+                      <a:rPr lang="en-US" altLang="ja-JP" sz="1600" i="0" dirty="0" smtClean="0">
+                        <a:effectLst/>
+                        <a:latin typeface="Cambria Math" panose="02040503050406030204" pitchFamily="18" charset="0"/>
+                        <a:cs typeface="Times New Roman" panose="02020603050405020304" pitchFamily="18" charset="0"/>
+                      </a:rPr>
+                      <m:t>not</m:t>
+                    </m:r>
+                    <m:r>
+                      <m:rPr>
+                        <m:nor/>
+                      </m:rPr>
+                      <a:rPr lang="en-US" altLang="ja-JP" sz="1600" i="0" dirty="0" smtClean="0">
+                        <a:effectLst/>
+                        <a:latin typeface="Cambria Math" panose="02040503050406030204" pitchFamily="18" charset="0"/>
+                        <a:cs typeface="Times New Roman" panose="02020603050405020304" pitchFamily="18" charset="0"/>
+                      </a:rPr>
+                      <m:t> </m:t>
+                    </m:r>
+                    <m:r>
+                      <m:rPr>
+                        <m:nor/>
+                      </m:rPr>
+                      <a:rPr lang="en-US" altLang="ja-JP" sz="1600" i="0" dirty="0" smtClean="0">
+                        <a:effectLst/>
+                        <a:latin typeface="Cambria Math" panose="02040503050406030204" pitchFamily="18" charset="0"/>
+                        <a:cs typeface="Times New Roman" panose="02020603050405020304" pitchFamily="18" charset="0"/>
+                      </a:rPr>
+                      <m:t>satisfy</m:t>
+                    </m:r>
+                    <m:r>
+                      <a:rPr lang="en-US" altLang="ja-JP" sz="1600" i="1" dirty="0" smtClean="0">
+                        <a:effectLst/>
+                        <a:latin typeface="Cambria Math" panose="02040503050406030204" pitchFamily="18" charset="0"/>
+                        <a:cs typeface="Times New Roman" panose="02020603050405020304" pitchFamily="18" charset="0"/>
+                      </a:rPr>
+                      <m:t> </m:t>
+                    </m:r>
+                    <m:r>
+                      <a:rPr lang="en-US" altLang="ja-JP" sz="1600" b="1" i="0" dirty="0" smtClean="0">
+                        <a:effectLst/>
+                        <a:latin typeface="Cambria Math" panose="02040503050406030204" pitchFamily="18" charset="0"/>
+                        <a:cs typeface="Times New Roman" panose="02020603050405020304" pitchFamily="18" charset="0"/>
+                      </a:rPr>
+                      <m:t>𝐀𝐆</m:t>
+                    </m:r>
+                    <m:r>
+                      <a:rPr lang="en-US" altLang="ja-JP" sz="1600" i="1" dirty="0" smtClean="0">
+                        <a:effectLst/>
+                        <a:latin typeface="Cambria Math" panose="02040503050406030204" pitchFamily="18" charset="0"/>
+                        <a:cs typeface="Times New Roman" panose="02020603050405020304" pitchFamily="18" charset="0"/>
+                      </a:rPr>
+                      <m:t> </m:t>
+                    </m:r>
+                    <m:r>
+                      <a:rPr lang="en-US" altLang="ja-JP" sz="1600" i="1" dirty="0" smtClean="0">
+                        <a:effectLst/>
+                        <a:latin typeface="Cambria Math" panose="02040503050406030204" pitchFamily="18" charset="0"/>
+                        <a:cs typeface="Times New Roman" panose="02020603050405020304" pitchFamily="18" charset="0"/>
+                      </a:rPr>
+                      <m:t>𝑝</m:t>
+                    </m:r>
+                    <m:r>
+                      <m:rPr>
+                        <m:nor/>
+                      </m:rPr>
+                      <a:rPr lang="en-US" altLang="ja-JP" sz="1600" i="0" dirty="0" smtClean="0">
+                        <a:effectLst/>
+                        <a:latin typeface="Cambria Math" panose="02040503050406030204" pitchFamily="18" charset="0"/>
+                        <a:cs typeface="Times New Roman" panose="02020603050405020304" pitchFamily="18" charset="0"/>
+                      </a:rPr>
+                      <m:t>"</m:t>
+                    </m:r>
+                    <m:r>
+                      <m:rPr>
+                        <m:nor/>
+                      </m:rPr>
+                      <a:rPr lang="en-US" altLang="ja-JP" sz="1600" b="0" i="0" dirty="0" smtClean="0">
+                        <a:effectLst/>
+                        <a:latin typeface="Cambria Math" panose="02040503050406030204" pitchFamily="18" charset="0"/>
+                        <a:cs typeface="Times New Roman" panose="02020603050405020304" pitchFamily="18" charset="0"/>
+                      </a:rPr>
+                      <m:t>);</m:t>
+                    </m:r>
+                  </m:oMath>
+                </a14:m>
+                <a:endParaRPr lang="en-US" altLang="ja-JP" sz="1600" dirty="0">
+                  <a:effectLst/>
+                  <a:cs typeface="Times New Roman" panose="02020603050405020304" pitchFamily="18" charset="0"/>
+                </a:endParaRPr>
+              </a:p>
+              <a:p>
+                <a:pPr>
+                  <a:lnSpc>
+                    <a:spcPts val="2320"/>
+                  </a:lnSpc>
+                </a:pPr>
+                <a:r>
+                  <a:rPr lang="ja-JP" altLang="en-US" sz="1600">
+                    <a:effectLst/>
+                    <a:cs typeface="Times New Roman" panose="02020603050405020304" pitchFamily="18" charset="0"/>
+                  </a:rPr>
+                  <a:t>　　</a:t>
+                </a:r>
+                <a14:m>
+                  <m:oMath xmlns:m="http://schemas.openxmlformats.org/officeDocument/2006/math">
+                    <m:r>
+                      <a:rPr lang="en-US" altLang="ja-JP" sz="1600" b="1" i="0" dirty="0" smtClean="0">
+                        <a:effectLst/>
+                        <a:latin typeface="Cambria Math" panose="02040503050406030204" pitchFamily="18" charset="0"/>
+                        <a:cs typeface="Times New Roman" panose="02020603050405020304" pitchFamily="18" charset="0"/>
+                      </a:rPr>
+                      <m:t>𝐞𝐧𝐝</m:t>
+                    </m:r>
+                    <m:r>
+                      <a:rPr lang="en-US" altLang="ja-JP" sz="1600" b="1" i="0" dirty="0" smtClean="0">
+                        <a:effectLst/>
+                        <a:latin typeface="Cambria Math" panose="02040503050406030204" pitchFamily="18" charset="0"/>
+                        <a:cs typeface="Times New Roman" panose="02020603050405020304" pitchFamily="18" charset="0"/>
+                      </a:rPr>
+                      <m:t> </m:t>
+                    </m:r>
+                    <m:r>
+                      <a:rPr lang="en-US" altLang="ja-JP" sz="1600" b="1" i="0" dirty="0" smtClean="0">
+                        <a:effectLst/>
+                        <a:latin typeface="Cambria Math" panose="02040503050406030204" pitchFamily="18" charset="0"/>
+                        <a:cs typeface="Times New Roman" panose="02020603050405020304" pitchFamily="18" charset="0"/>
+                      </a:rPr>
+                      <m:t>𝐢𝐟</m:t>
+                    </m:r>
+                  </m:oMath>
+                </a14:m>
+                <a:endParaRPr lang="en-US" altLang="ja-JP" sz="1600" b="1" dirty="0">
+                  <a:effectLst/>
+                  <a:cs typeface="Times New Roman" panose="02020603050405020304" pitchFamily="18" charset="0"/>
+                </a:endParaRPr>
+              </a:p>
+              <a:p>
+                <a:pPr>
+                  <a:lnSpc>
+                    <a:spcPts val="2320"/>
+                  </a:lnSpc>
+                </a:pPr>
+                <a:r>
+                  <a:rPr lang="ja-JP" altLang="en-US" sz="1600">
+                    <a:effectLst/>
+                    <a:cs typeface="Times New Roman" panose="02020603050405020304" pitchFamily="18" charset="0"/>
+                  </a:rPr>
+                  <a:t>　　</a:t>
+                </a:r>
+                <a14:m>
+                  <m:oMath xmlns:m="http://schemas.openxmlformats.org/officeDocument/2006/math">
+                    <m:r>
+                      <a:rPr lang="en-US" altLang="ja-JP" sz="1600" b="0" i="1" dirty="0" smtClean="0">
+                        <a:effectLst/>
+                        <a:latin typeface="Cambria Math" panose="02040503050406030204" pitchFamily="18" charset="0"/>
+                        <a:cs typeface="Times New Roman" panose="02020603050405020304" pitchFamily="18" charset="0"/>
+                      </a:rPr>
+                      <m:t>𝑄</m:t>
+                    </m:r>
+                    <m:r>
+                      <a:rPr lang="en-US" altLang="ja-JP" sz="1600" i="1" dirty="0" smtClean="0">
+                        <a:effectLst/>
+                        <a:latin typeface="Cambria Math" panose="02040503050406030204" pitchFamily="18" charset="0"/>
+                        <a:cs typeface="Times New Roman" panose="02020603050405020304" pitchFamily="18" charset="0"/>
+                      </a:rPr>
+                      <m:t>:=</m:t>
+                    </m:r>
+                    <m:r>
+                      <a:rPr lang="en-US" altLang="ja-JP" sz="1600" b="0" i="1" dirty="0" smtClean="0">
+                        <a:effectLst/>
+                        <a:latin typeface="Cambria Math" panose="02040503050406030204" pitchFamily="18" charset="0"/>
+                        <a:cs typeface="Times New Roman" panose="02020603050405020304" pitchFamily="18" charset="0"/>
+                      </a:rPr>
+                      <m:t>𝑄</m:t>
+                    </m:r>
+                    <m:r>
+                      <a:rPr lang="en-US" altLang="ja-JP" sz="1600" b="0" i="1" dirty="0" smtClean="0">
+                        <a:effectLst/>
+                        <a:latin typeface="Cambria Math" panose="02040503050406030204" pitchFamily="18" charset="0"/>
+                        <a:cs typeface="Times New Roman" panose="02020603050405020304" pitchFamily="18" charset="0"/>
+                      </a:rPr>
+                      <m:t>′;</m:t>
+                    </m:r>
+                  </m:oMath>
+                </a14:m>
+                <a:endParaRPr lang="en-US" altLang="ja-JP" sz="1600" dirty="0">
+                  <a:effectLst/>
+                  <a:latin typeface="Times New Roman" panose="02020603050405020304" pitchFamily="18" charset="0"/>
+                  <a:cs typeface="Times New Roman" panose="02020603050405020304" pitchFamily="18" charset="0"/>
+                </a:endParaRPr>
+              </a:p>
+              <a:p>
+                <a:pPr>
+                  <a:lnSpc>
+                    <a:spcPts val="2320"/>
+                  </a:lnSpc>
+                </a:pPr>
+                <a:r>
+                  <a:rPr lang="ja-JP" altLang="en-US" sz="1600">
+                    <a:latin typeface="Times New Roman" panose="02020603050405020304" pitchFamily="18" charset="0"/>
+                    <a:cs typeface="Times New Roman" panose="02020603050405020304" pitchFamily="18" charset="0"/>
+                  </a:rPr>
+                  <a:t>　　</a:t>
+                </a:r>
+                <a14:m>
+                  <m:oMath xmlns:m="http://schemas.openxmlformats.org/officeDocument/2006/math">
+                    <m:sSup>
+                      <m:sSupPr>
+                        <m:ctrlPr>
+                          <a:rPr lang="en-US" altLang="ja-JP" sz="1600" i="1" dirty="0">
+                            <a:latin typeface="Cambria Math" panose="02040503050406030204" pitchFamily="18" charset="0"/>
+                            <a:cs typeface="Times New Roman" panose="02020603050405020304" pitchFamily="18" charset="0"/>
+                          </a:rPr>
+                        </m:ctrlPr>
+                      </m:sSupPr>
+                      <m:e>
+                        <m:r>
+                          <a:rPr lang="en-US" altLang="ja-JP" sz="1600" i="1" dirty="0">
+                            <a:latin typeface="Cambria Math" panose="02040503050406030204" pitchFamily="18" charset="0"/>
+                            <a:cs typeface="Times New Roman" panose="02020603050405020304" pitchFamily="18" charset="0"/>
+                          </a:rPr>
+                          <m:t>𝑄</m:t>
+                        </m:r>
+                      </m:e>
+                      <m:sup>
+                        <m:r>
+                          <a:rPr lang="en-US" altLang="ja-JP" sz="1600" i="1" dirty="0">
+                            <a:latin typeface="Cambria Math" panose="02040503050406030204" pitchFamily="18" charset="0"/>
+                            <a:cs typeface="Times New Roman" panose="02020603050405020304" pitchFamily="18" charset="0"/>
+                          </a:rPr>
+                          <m:t>′</m:t>
+                        </m:r>
+                      </m:sup>
+                    </m:sSup>
+                    <m:r>
+                      <a:rPr lang="en-US" altLang="ja-JP" sz="1600" i="1" dirty="0">
+                        <a:latin typeface="Cambria Math" panose="02040503050406030204" pitchFamily="18" charset="0"/>
+                        <a:cs typeface="Times New Roman" panose="02020603050405020304" pitchFamily="18" charset="0"/>
+                      </a:rPr>
+                      <m:t>:=</m:t>
+                    </m:r>
+                    <m:sSup>
+                      <m:sSupPr>
+                        <m:ctrlPr>
+                          <a:rPr lang="en-US" altLang="ja-JP" sz="1600" b="0" i="1" dirty="0" smtClean="0">
+                            <a:latin typeface="Cambria Math" panose="02040503050406030204" pitchFamily="18" charset="0"/>
+                            <a:cs typeface="Times New Roman" panose="02020603050405020304" pitchFamily="18" charset="0"/>
+                          </a:rPr>
+                        </m:ctrlPr>
+                      </m:sSupPr>
+                      <m:e>
+                        <m:r>
+                          <a:rPr lang="en-US" altLang="ja-JP" sz="1600" i="1" dirty="0">
+                            <a:latin typeface="Cambria Math" panose="02040503050406030204" pitchFamily="18" charset="0"/>
+                            <a:cs typeface="Times New Roman" panose="02020603050405020304" pitchFamily="18" charset="0"/>
+                          </a:rPr>
+                          <m:t>𝑄</m:t>
+                        </m:r>
+                      </m:e>
+                      <m:sup>
+                        <m:r>
+                          <a:rPr lang="en-US" altLang="ja-JP" sz="1600" b="0" i="1" dirty="0" smtClean="0">
+                            <a:latin typeface="Cambria Math" panose="02040503050406030204" pitchFamily="18" charset="0"/>
+                            <a:cs typeface="Times New Roman" panose="02020603050405020304" pitchFamily="18" charset="0"/>
+                          </a:rPr>
+                          <m:t>′</m:t>
+                        </m:r>
+                      </m:sup>
+                    </m:sSup>
+                    <m:r>
+                      <a:rPr lang="en-US" altLang="ja-JP" sz="1600" b="0" i="1" dirty="0" smtClean="0">
+                        <a:latin typeface="Cambria Math" panose="02040503050406030204" pitchFamily="18" charset="0"/>
+                        <a:ea typeface="Cambria Math" panose="02040503050406030204" pitchFamily="18" charset="0"/>
+                        <a:cs typeface="Times New Roman" panose="02020603050405020304" pitchFamily="18" charset="0"/>
+                      </a:rPr>
+                      <m:t>∪</m:t>
+                    </m:r>
+                    <m:r>
+                      <a:rPr lang="en-US" altLang="ja-JP" sz="1600" b="0" i="1" dirty="0" smtClean="0">
+                        <a:latin typeface="Cambria Math" panose="02040503050406030204" pitchFamily="18" charset="0"/>
+                        <a:ea typeface="Cambria Math" panose="02040503050406030204" pitchFamily="18" charset="0"/>
+                        <a:cs typeface="Times New Roman" panose="02020603050405020304" pitchFamily="18" charset="0"/>
+                      </a:rPr>
+                      <m:t>𝑝𝑜𝑠𝑡</m:t>
+                    </m:r>
+                    <m:r>
+                      <m:rPr>
+                        <m:nor/>
+                      </m:rPr>
+                      <a:rPr lang="en-US" altLang="ja-JP" sz="1600" b="0" i="0" dirty="0" smtClean="0">
+                        <a:latin typeface="Cambria Math" panose="02040503050406030204" pitchFamily="18" charset="0"/>
+                        <a:ea typeface="Cambria Math" panose="02040503050406030204" pitchFamily="18" charset="0"/>
+                        <a:cs typeface="Times New Roman" panose="02020603050405020304" pitchFamily="18" charset="0"/>
+                      </a:rPr>
+                      <m:t>-</m:t>
+                    </m:r>
+                    <m:r>
+                      <a:rPr lang="en-US" altLang="ja-JP" sz="1600" b="0" i="1" dirty="0" smtClean="0">
+                        <a:latin typeface="Cambria Math" panose="02040503050406030204" pitchFamily="18" charset="0"/>
+                        <a:ea typeface="Cambria Math" panose="02040503050406030204" pitchFamily="18" charset="0"/>
+                        <a:cs typeface="Times New Roman" panose="02020603050405020304" pitchFamily="18" charset="0"/>
+                      </a:rPr>
+                      <m:t>𝑖𝑚𝑎𝑔𝑒</m:t>
+                    </m:r>
+                    <m:r>
+                      <a:rPr lang="en-US" altLang="ja-JP" sz="1600" b="0" i="1" dirty="0" smtClean="0">
+                        <a:latin typeface="Cambria Math" panose="02040503050406030204" pitchFamily="18" charset="0"/>
+                        <a:ea typeface="Cambria Math" panose="02040503050406030204" pitchFamily="18" charset="0"/>
+                        <a:cs typeface="Times New Roman" panose="02020603050405020304" pitchFamily="18" charset="0"/>
+                      </a:rPr>
+                      <m:t>(</m:t>
+                    </m:r>
+                    <m:r>
+                      <a:rPr lang="en-US" altLang="ja-JP" sz="1600" b="0" i="1" dirty="0" smtClean="0">
+                        <a:latin typeface="Cambria Math" panose="02040503050406030204" pitchFamily="18" charset="0"/>
+                        <a:ea typeface="Cambria Math" panose="02040503050406030204" pitchFamily="18" charset="0"/>
+                        <a:cs typeface="Times New Roman" panose="02020603050405020304" pitchFamily="18" charset="0"/>
+                      </a:rPr>
+                      <m:t>𝑄</m:t>
+                    </m:r>
+                    <m:r>
+                      <a:rPr lang="en-US" altLang="ja-JP" sz="1600" b="0" i="1" dirty="0" smtClean="0">
+                        <a:latin typeface="Cambria Math" panose="02040503050406030204" pitchFamily="18" charset="0"/>
+                        <a:ea typeface="Cambria Math" panose="02040503050406030204" pitchFamily="18" charset="0"/>
+                        <a:cs typeface="Times New Roman" panose="02020603050405020304" pitchFamily="18" charset="0"/>
+                      </a:rPr>
+                      <m:t>′);</m:t>
+                    </m:r>
+                  </m:oMath>
+                </a14:m>
+                <a:br>
+                  <a:rPr lang="en-US" altLang="ja-JP" sz="1600" dirty="0">
+                    <a:effectLst/>
+                    <a:latin typeface="Times New Roman" panose="02020603050405020304" pitchFamily="18" charset="0"/>
+                    <a:cs typeface="Times New Roman" panose="02020603050405020304" pitchFamily="18" charset="0"/>
+                  </a:rPr>
+                </a:br>
+                <a:r>
+                  <a:rPr lang="ja-JP" altLang="en-US" sz="1600" b="1">
+                    <a:effectLst/>
+                    <a:cs typeface="Times New Roman" panose="02020603050405020304" pitchFamily="18" charset="0"/>
+                  </a:rPr>
+                  <a:t>　</a:t>
+                </a:r>
+                <a14:m>
+                  <m:oMath xmlns:m="http://schemas.openxmlformats.org/officeDocument/2006/math">
+                    <m:r>
+                      <a:rPr lang="en-US" altLang="ja-JP" sz="1600" b="1" i="0" dirty="0" smtClean="0">
+                        <a:effectLst/>
+                        <a:latin typeface="Cambria Math" panose="02040503050406030204" pitchFamily="18" charset="0"/>
+                        <a:cs typeface="Times New Roman" panose="02020603050405020304" pitchFamily="18" charset="0"/>
+                      </a:rPr>
+                      <m:t>𝐞𝐧𝐝</m:t>
+                    </m:r>
+                    <m:r>
+                      <a:rPr lang="en-US" altLang="ja-JP" sz="1600" b="1" i="0" dirty="0" smtClean="0">
+                        <a:effectLst/>
+                        <a:latin typeface="Cambria Math" panose="02040503050406030204" pitchFamily="18" charset="0"/>
+                        <a:cs typeface="Times New Roman" panose="02020603050405020304" pitchFamily="18" charset="0"/>
+                      </a:rPr>
+                      <m:t> </m:t>
+                    </m:r>
+                    <m:r>
+                      <a:rPr lang="en-US" altLang="ja-JP" sz="1600" b="1" i="0" dirty="0" smtClean="0">
+                        <a:effectLst/>
+                        <a:latin typeface="Cambria Math" panose="02040503050406030204" pitchFamily="18" charset="0"/>
+                        <a:cs typeface="Times New Roman" panose="02020603050405020304" pitchFamily="18" charset="0"/>
+                      </a:rPr>
+                      <m:t>𝐰𝐡𝐢𝐥𝐞</m:t>
+                    </m:r>
+                  </m:oMath>
+                </a14:m>
+                <a:endParaRPr lang="en-US" altLang="ja-JP" sz="1600" b="1" dirty="0">
+                  <a:effectLst/>
+                  <a:latin typeface="Times New Roman" panose="02020603050405020304" pitchFamily="18" charset="0"/>
+                  <a:cs typeface="Times New Roman" panose="02020603050405020304" pitchFamily="18" charset="0"/>
+                </a:endParaRPr>
+              </a:p>
+              <a:p>
+                <a:pPr>
+                  <a:lnSpc>
+                    <a:spcPts val="2320"/>
+                  </a:lnSpc>
+                </a:pPr>
+                <a:r>
+                  <a:rPr lang="ja-JP" altLang="en-US" sz="1600" b="1">
+                    <a:latin typeface="Times New Roman" panose="02020603050405020304" pitchFamily="18" charset="0"/>
+                    <a:cs typeface="Times New Roman" panose="02020603050405020304" pitchFamily="18" charset="0"/>
+                  </a:rPr>
+                  <a:t>　</a:t>
+                </a:r>
+                <a14:m>
+                  <m:oMath xmlns:m="http://schemas.openxmlformats.org/officeDocument/2006/math">
+                    <m:r>
+                      <a:rPr lang="en-US" altLang="ja-JP" sz="1600" b="1" i="0" dirty="0" smtClean="0">
+                        <a:latin typeface="Cambria Math" panose="02040503050406030204" pitchFamily="18" charset="0"/>
+                        <a:cs typeface="Times New Roman" panose="02020603050405020304" pitchFamily="18" charset="0"/>
+                      </a:rPr>
+                      <m:t>𝐫𝐞𝐭𝐮𝐫𝐧</m:t>
+                    </m:r>
+                    <m:r>
+                      <a:rPr lang="en-US" altLang="ja-JP" sz="1600" b="1" i="1" dirty="0">
+                        <a:latin typeface="Cambria Math" panose="02040503050406030204" pitchFamily="18" charset="0"/>
+                        <a:cs typeface="Times New Roman" panose="02020603050405020304" pitchFamily="18" charset="0"/>
+                      </a:rPr>
+                      <m:t> </m:t>
+                    </m:r>
+                    <m:r>
+                      <m:rPr>
+                        <m:nor/>
+                      </m:rPr>
+                      <a:rPr lang="en-US" altLang="ja-JP" sz="1600" dirty="0">
+                        <a:latin typeface="Cambria Math" panose="02040503050406030204" pitchFamily="18" charset="0"/>
+                        <a:cs typeface="Times New Roman" panose="02020603050405020304" pitchFamily="18" charset="0"/>
+                      </a:rPr>
+                      <m:t>("</m:t>
+                    </m:r>
+                    <m:r>
+                      <m:rPr>
+                        <m:nor/>
+                      </m:rPr>
+                      <a:rPr lang="en-US" altLang="ja-JP" sz="1600" dirty="0">
+                        <a:latin typeface="Cambria Math" panose="02040503050406030204" pitchFamily="18" charset="0"/>
+                        <a:cs typeface="Times New Roman" panose="02020603050405020304" pitchFamily="18" charset="0"/>
+                      </a:rPr>
+                      <m:t>Model</m:t>
+                    </m:r>
+                    <m:r>
+                      <m:rPr>
+                        <m:nor/>
+                      </m:rPr>
+                      <a:rPr lang="en-US" altLang="ja-JP" sz="1600" dirty="0">
+                        <a:latin typeface="Cambria Math" panose="02040503050406030204" pitchFamily="18" charset="0"/>
+                        <a:cs typeface="Times New Roman" panose="02020603050405020304" pitchFamily="18" charset="0"/>
+                      </a:rPr>
+                      <m:t> </m:t>
+                    </m:r>
+                    <m:r>
+                      <m:rPr>
+                        <m:nor/>
+                      </m:rPr>
+                      <a:rPr lang="en-US" altLang="ja-JP" sz="1600" dirty="0">
+                        <a:latin typeface="Cambria Math" panose="02040503050406030204" pitchFamily="18" charset="0"/>
+                        <a:cs typeface="Times New Roman" panose="02020603050405020304" pitchFamily="18" charset="0"/>
+                      </a:rPr>
+                      <m:t>satisf</m:t>
+                    </m:r>
+                    <m:r>
+                      <a:rPr lang="en-US" altLang="ja-JP" sz="1600" b="0" i="1" dirty="0" smtClean="0">
+                        <a:latin typeface="Cambria Math" panose="02040503050406030204" pitchFamily="18" charset="0"/>
+                        <a:cs typeface="Times New Roman" panose="02020603050405020304" pitchFamily="18" charset="0"/>
+                      </a:rPr>
+                      <m:t>𝑖𝑒𝑠</m:t>
+                    </m:r>
+                    <m:r>
+                      <a:rPr lang="en-US" altLang="ja-JP" sz="1600" i="1" dirty="0">
+                        <a:latin typeface="Cambria Math" panose="02040503050406030204" pitchFamily="18" charset="0"/>
+                        <a:cs typeface="Times New Roman" panose="02020603050405020304" pitchFamily="18" charset="0"/>
+                      </a:rPr>
+                      <m:t> </m:t>
+                    </m:r>
+                    <m:r>
+                      <a:rPr lang="en-US" altLang="ja-JP" sz="1600" b="1" dirty="0">
+                        <a:latin typeface="Cambria Math" panose="02040503050406030204" pitchFamily="18" charset="0"/>
+                        <a:cs typeface="Times New Roman" panose="02020603050405020304" pitchFamily="18" charset="0"/>
+                      </a:rPr>
+                      <m:t>𝐀𝐆</m:t>
+                    </m:r>
+                    <m:r>
+                      <a:rPr lang="en-US" altLang="ja-JP" sz="1600" i="1" dirty="0">
+                        <a:latin typeface="Cambria Math" panose="02040503050406030204" pitchFamily="18" charset="0"/>
+                        <a:cs typeface="Times New Roman" panose="02020603050405020304" pitchFamily="18" charset="0"/>
+                      </a:rPr>
+                      <m:t> </m:t>
+                    </m:r>
+                    <m:r>
+                      <a:rPr lang="en-US" altLang="ja-JP" sz="1600" i="1" dirty="0">
+                        <a:latin typeface="Cambria Math" panose="02040503050406030204" pitchFamily="18" charset="0"/>
+                        <a:cs typeface="Times New Roman" panose="02020603050405020304" pitchFamily="18" charset="0"/>
+                      </a:rPr>
+                      <m:t>𝑝</m:t>
+                    </m:r>
+                    <m:r>
+                      <m:rPr>
+                        <m:nor/>
+                      </m:rPr>
+                      <a:rPr lang="en-US" altLang="ja-JP" sz="1600" dirty="0">
+                        <a:latin typeface="Cambria Math" panose="02040503050406030204" pitchFamily="18" charset="0"/>
+                        <a:cs typeface="Times New Roman" panose="02020603050405020304" pitchFamily="18" charset="0"/>
+                      </a:rPr>
+                      <m:t>"</m:t>
+                    </m:r>
+                    <m:r>
+                      <m:rPr>
+                        <m:nor/>
+                      </m:rPr>
+                      <a:rPr lang="en-US" altLang="ja-JP" sz="1600" b="0" i="0" dirty="0" smtClean="0">
+                        <a:latin typeface="Cambria Math" panose="02040503050406030204" pitchFamily="18" charset="0"/>
+                        <a:cs typeface="Times New Roman" panose="02020603050405020304" pitchFamily="18" charset="0"/>
+                      </a:rPr>
+                      <m:t>, </m:t>
+                    </m:r>
+                    <m:r>
+                      <a:rPr lang="en-US" altLang="ja-JP" sz="1600" b="0" i="1" dirty="0" smtClean="0">
+                        <a:latin typeface="Cambria Math" panose="02040503050406030204" pitchFamily="18" charset="0"/>
+                        <a:cs typeface="Times New Roman" panose="02020603050405020304" pitchFamily="18" charset="0"/>
+                      </a:rPr>
+                      <m:t>𝑄</m:t>
+                    </m:r>
+                    <m:r>
+                      <m:rPr>
+                        <m:nor/>
+                      </m:rPr>
+                      <a:rPr lang="en-US" altLang="ja-JP" sz="1600" dirty="0">
+                        <a:latin typeface="Cambria Math" panose="02040503050406030204" pitchFamily="18" charset="0"/>
+                        <a:cs typeface="Times New Roman" panose="02020603050405020304" pitchFamily="18" charset="0"/>
+                      </a:rPr>
+                      <m:t>);</m:t>
+                    </m:r>
+                  </m:oMath>
+                </a14:m>
+                <a:endParaRPr lang="en-US" altLang="ja-JP" sz="1600" b="1" dirty="0">
+                  <a:effectLst/>
+                  <a:latin typeface="Times New Roman" panose="02020603050405020304" pitchFamily="18" charset="0"/>
+                  <a:cs typeface="Times New Roman" panose="02020603050405020304" pitchFamily="18" charset="0"/>
+                </a:endParaRPr>
+              </a:p>
+              <a:p>
+                <a:pPr>
+                  <a:lnSpc>
+                    <a:spcPts val="2320"/>
+                  </a:lnSpc>
+                </a:pPr>
+                <a14:m>
+                  <m:oMathPara xmlns:m="http://schemas.openxmlformats.org/officeDocument/2006/math">
+                    <m:oMathParaPr>
+                      <m:jc m:val="left"/>
+                    </m:oMathParaPr>
+                    <m:oMath xmlns:m="http://schemas.openxmlformats.org/officeDocument/2006/math">
+                      <m:r>
+                        <a:rPr lang="en-US" altLang="ja-JP" sz="1600" b="1" i="0" dirty="0" smtClean="0">
+                          <a:effectLst/>
+                          <a:latin typeface="Cambria Math" panose="02040503050406030204" pitchFamily="18" charset="0"/>
+                          <a:cs typeface="Times New Roman" panose="02020603050405020304" pitchFamily="18" charset="0"/>
+                        </a:rPr>
+                        <m:t>𝐞𝐧𝐝</m:t>
+                      </m:r>
+                      <m:r>
+                        <a:rPr lang="en-US" altLang="ja-JP" sz="1600" b="1" i="0" dirty="0" smtClean="0">
+                          <a:effectLst/>
+                          <a:latin typeface="Cambria Math" panose="02040503050406030204" pitchFamily="18" charset="0"/>
+                          <a:cs typeface="Times New Roman" panose="02020603050405020304" pitchFamily="18" charset="0"/>
+                        </a:rPr>
+                        <m:t> </m:t>
+                      </m:r>
+                      <m:r>
+                        <a:rPr lang="en-US" altLang="ja-JP" sz="1600" b="1" i="0" dirty="0" smtClean="0">
+                          <a:effectLst/>
+                          <a:latin typeface="Cambria Math" panose="02040503050406030204" pitchFamily="18" charset="0"/>
+                          <a:cs typeface="Times New Roman" panose="02020603050405020304" pitchFamily="18" charset="0"/>
+                        </a:rPr>
+                        <m:t>𝐟𝐮𝐧𝐜𝐭𝐢𝐨𝐧</m:t>
+                      </m:r>
+                    </m:oMath>
+                  </m:oMathPara>
+                </a14:m>
+                <a:endParaRPr lang="en-US" altLang="ja-JP" sz="1600" dirty="0">
+                  <a:latin typeface="Times New Roman" panose="02020603050405020304" pitchFamily="18" charset="0"/>
+                  <a:cs typeface="Times New Roman" panose="02020603050405020304" pitchFamily="18" charset="0"/>
+                </a:endParaRPr>
+              </a:p>
+            </p:txBody>
+          </p:sp>
+        </mc:Choice>
+        <mc:Fallback>
+          <p:sp>
+            <p:nvSpPr>
+              <p:cNvPr id="2" name="テキスト ボックス 1">
+                <a:extLst>
+                  <a:ext uri="{FF2B5EF4-FFF2-40B4-BE49-F238E27FC236}">
+                    <a16:creationId xmlns:a16="http://schemas.microsoft.com/office/drawing/2014/main" id="{D15ABD2D-4FE2-694A-A8DD-F70779BA5B3F}"/>
+                  </a:ext>
+                </a:extLst>
+              </p:cNvPr>
+              <p:cNvSpPr txBox="1">
+                <a:spLocks noRot="1" noChangeAspect="1" noMove="1" noResize="1" noEditPoints="1" noAdjustHandles="1" noChangeArrowheads="1" noChangeShapeType="1" noTextEdit="1"/>
+              </p:cNvSpPr>
+              <p:nvPr/>
+            </p:nvSpPr>
+            <p:spPr>
+              <a:xfrm>
+                <a:off x="2059487" y="429315"/>
+                <a:ext cx="5691142" cy="3631763"/>
+              </a:xfrm>
+              <a:prstGeom prst="rect">
+                <a:avLst/>
+              </a:prstGeom>
+              <a:blipFill>
+                <a:blip r:embed="rId2"/>
+                <a:stretch>
+                  <a:fillRect/>
+                </a:stretch>
+              </a:blipFill>
+            </p:spPr>
+            <p:txBody>
+              <a:bodyPr/>
+              <a:lstStyle/>
+              <a:p>
+                <a:r>
+                  <a:rPr lang="ja-JP" altLang="en-US">
+                    <a:noFill/>
+                  </a:rPr>
+                  <a:t> </a:t>
+                </a:r>
+              </a:p>
+            </p:txBody>
+          </p:sp>
+        </mc:Fallback>
+      </mc:AlternateContent>
+    </p:spTree>
+    <p:extLst>
+      <p:ext uri="{BB962C8B-B14F-4D97-AF65-F5344CB8AC3E}">
+        <p14:creationId xmlns:p14="http://schemas.microsoft.com/office/powerpoint/2010/main" val="3730150903"/>
+      </p:ext>
+    </p:extLst>
+  </p:cSld>
+  <p:clrMapOvr>
+    <a:masterClrMapping/>
+  </p:clrMapOvr>
+</p:sld>
+</file>
+
+<file path=ppt/slides/slide7.xml><?xml version="1.0" encoding="utf-8"?>
+<p:sld xmlns:a="http://schemas.openxmlformats.org/drawingml/2006/main" xmlns:r="http://schemas.openxmlformats.org/officeDocument/2006/relationships" xmlns:p="http://schemas.openxmlformats.org/presentationml/2006/main">
+  <p:cSld>
+    <p:spTree>
+      <p:nvGrpSpPr>
+        <p:cNvPr id="1" name=""/>
+        <p:cNvGrpSpPr/>
+        <p:nvPr/>
+      </p:nvGrpSpPr>
+      <p:grpSpPr>
+        <a:xfrm>
+          <a:off x="0" y="0"/>
+          <a:ext cx="0" cy="0"/>
+          <a:chOff x="0" y="0"/>
+          <a:chExt cx="0" cy="0"/>
+        </a:xfrm>
+      </p:grpSpPr>
+      <mc:AlternateContent xmlns:mc="http://schemas.openxmlformats.org/markup-compatibility/2006">
+        <mc:Choice xmlns:a14="http://schemas.microsoft.com/office/drawing/2010/main" Requires="a14">
+          <p:sp>
+            <p:nvSpPr>
+              <p:cNvPr id="2" name="円/楕円 1">
+                <a:extLst>
+                  <a:ext uri="{FF2B5EF4-FFF2-40B4-BE49-F238E27FC236}">
+                    <a16:creationId xmlns:a16="http://schemas.microsoft.com/office/drawing/2014/main" id="{FC4E2401-FCAA-6743-9E76-4910B2BB81A9}"/>
+                  </a:ext>
+                </a:extLst>
+              </p:cNvPr>
+              <p:cNvSpPr/>
+              <p:nvPr/>
+            </p:nvSpPr>
+            <p:spPr>
+              <a:xfrm>
+                <a:off x="2547257" y="772886"/>
+                <a:ext cx="587829" cy="566057"/>
+              </a:xfrm>
+              <a:prstGeom prst="ellipse">
+                <a:avLst/>
+              </a:prstGeom>
+            </p:spPr>
+            <p:style>
+              <a:lnRef idx="2">
+                <a:schemeClr val="dk1"/>
+              </a:lnRef>
+              <a:fillRef idx="1">
+                <a:schemeClr val="lt1"/>
+              </a:fillRef>
+              <a:effectRef idx="0">
+                <a:schemeClr val="dk1"/>
+              </a:effectRef>
+              <a:fontRef idx="minor">
+                <a:schemeClr val="dk1"/>
+              </a:fontRef>
+            </p:style>
+            <p:txBody>
+              <a:bodyPr rtlCol="0" anchor="ctr"/>
+              <a:lstStyle/>
+              <a:p>
+                <a:pPr algn="ctr"/>
+                <a14:m>
+                  <m:oMathPara xmlns:m="http://schemas.openxmlformats.org/officeDocument/2006/math">
+                    <m:oMathParaPr>
+                      <m:jc m:val="center"/>
+                    </m:oMathParaPr>
+                    <m:oMath xmlns:m="http://schemas.openxmlformats.org/officeDocument/2006/math">
+                      <m:r>
+                        <a:rPr kumimoji="1" lang="en-US" altLang="ja-JP" b="0" i="1" smtClean="0">
+                          <a:latin typeface="Cambria Math" panose="02040503050406030204" pitchFamily="18" charset="0"/>
+                        </a:rPr>
+                        <m:t>𝑝</m:t>
+                      </m:r>
+                    </m:oMath>
+                  </m:oMathPara>
+                </a14:m>
+                <a:endParaRPr kumimoji="1" lang="ja-JP" altLang="en-US"/>
+              </a:p>
+            </p:txBody>
+          </p:sp>
+        </mc:Choice>
+        <mc:Fallback>
+          <p:sp>
+            <p:nvSpPr>
+              <p:cNvPr id="2" name="円/楕円 1">
+                <a:extLst>
+                  <a:ext uri="{FF2B5EF4-FFF2-40B4-BE49-F238E27FC236}">
+                    <a16:creationId xmlns:a16="http://schemas.microsoft.com/office/drawing/2014/main" id="{FC4E2401-FCAA-6743-9E76-4910B2BB81A9}"/>
+                  </a:ext>
+                </a:extLst>
+              </p:cNvPr>
+              <p:cNvSpPr>
+                <a:spLocks noRot="1" noChangeAspect="1" noMove="1" noResize="1" noEditPoints="1" noAdjustHandles="1" noChangeArrowheads="1" noChangeShapeType="1" noTextEdit="1"/>
+              </p:cNvSpPr>
+              <p:nvPr/>
+            </p:nvSpPr>
+            <p:spPr>
+              <a:xfrm>
+                <a:off x="2547257" y="772886"/>
+                <a:ext cx="587829" cy="566057"/>
+              </a:xfrm>
+              <a:prstGeom prst="ellipse">
+                <a:avLst/>
+              </a:prstGeom>
+              <a:blipFill>
+                <a:blip r:embed="rId2"/>
+                <a:stretch>
+                  <a:fillRect/>
+                </a:stretch>
+              </a:blipFill>
+            </p:spPr>
+            <p:txBody>
+              <a:bodyPr/>
+              <a:lstStyle/>
+              <a:p>
+                <a:r>
+                  <a:rPr lang="ja-JP" altLang="en-US">
+                    <a:noFill/>
+                  </a:rPr>
+                  <a:t> </a:t>
+                </a:r>
+              </a:p>
+            </p:txBody>
+          </p:sp>
+        </mc:Fallback>
+      </mc:AlternateContent>
+      <mc:AlternateContent xmlns:mc="http://schemas.openxmlformats.org/markup-compatibility/2006">
+        <mc:Choice xmlns:a14="http://schemas.microsoft.com/office/drawing/2010/main" Requires="a14">
+          <p:sp>
+            <p:nvSpPr>
+              <p:cNvPr id="3" name="円/楕円 2">
+                <a:extLst>
+                  <a:ext uri="{FF2B5EF4-FFF2-40B4-BE49-F238E27FC236}">
+                    <a16:creationId xmlns:a16="http://schemas.microsoft.com/office/drawing/2014/main" id="{EF6E1C4F-233F-B44F-8D27-B7AAFFAAB688}"/>
+                  </a:ext>
+                </a:extLst>
+              </p:cNvPr>
+              <p:cNvSpPr/>
+              <p:nvPr/>
+            </p:nvSpPr>
+            <p:spPr>
+              <a:xfrm>
+                <a:off x="2547257" y="1948543"/>
+                <a:ext cx="587829" cy="566057"/>
+              </a:xfrm>
+              <a:prstGeom prst="ellipse">
+                <a:avLst/>
+              </a:prstGeom>
+            </p:spPr>
+            <p:style>
+              <a:lnRef idx="2">
+                <a:schemeClr val="dk1"/>
+              </a:lnRef>
+              <a:fillRef idx="1">
+                <a:schemeClr val="lt1"/>
+              </a:fillRef>
+              <a:effectRef idx="0">
+                <a:schemeClr val="dk1"/>
+              </a:effectRef>
+              <a:fontRef idx="minor">
+                <a:schemeClr val="dk1"/>
+              </a:fontRef>
+            </p:style>
+            <p:txBody>
+              <a:bodyPr rtlCol="0" anchor="ctr"/>
+              <a:lstStyle/>
+              <a:p>
+                <a:pPr algn="ctr"/>
+                <a14:m>
+                  <m:oMathPara xmlns:m="http://schemas.openxmlformats.org/officeDocument/2006/math">
+                    <m:oMathParaPr>
+                      <m:jc m:val="centerGroup"/>
+                    </m:oMathParaPr>
+                    <m:oMath xmlns:m="http://schemas.openxmlformats.org/officeDocument/2006/math">
+                      <m:r>
+                        <a:rPr kumimoji="1" lang="en-US" altLang="ja-JP" i="1" dirty="0" smtClean="0">
+                          <a:latin typeface="Cambria Math" panose="02040503050406030204" pitchFamily="18" charset="0"/>
+                        </a:rPr>
+                        <m:t>𝑝</m:t>
+                      </m:r>
+                    </m:oMath>
+                  </m:oMathPara>
+                </a14:m>
+                <a:endParaRPr kumimoji="1" lang="ja-JP" altLang="en-US"/>
+              </a:p>
+            </p:txBody>
+          </p:sp>
+        </mc:Choice>
+        <mc:Fallback>
+          <p:sp>
+            <p:nvSpPr>
+              <p:cNvPr id="3" name="円/楕円 2">
+                <a:extLst>
+                  <a:ext uri="{FF2B5EF4-FFF2-40B4-BE49-F238E27FC236}">
+                    <a16:creationId xmlns:a16="http://schemas.microsoft.com/office/drawing/2014/main" id="{EF6E1C4F-233F-B44F-8D27-B7AAFFAAB688}"/>
+                  </a:ext>
+                </a:extLst>
+              </p:cNvPr>
+              <p:cNvSpPr>
+                <a:spLocks noRot="1" noChangeAspect="1" noMove="1" noResize="1" noEditPoints="1" noAdjustHandles="1" noChangeArrowheads="1" noChangeShapeType="1" noTextEdit="1"/>
+              </p:cNvSpPr>
+              <p:nvPr/>
+            </p:nvSpPr>
+            <p:spPr>
+              <a:xfrm>
+                <a:off x="2547257" y="1948543"/>
+                <a:ext cx="587829" cy="566057"/>
+              </a:xfrm>
+              <a:prstGeom prst="ellipse">
+                <a:avLst/>
+              </a:prstGeom>
+              <a:blipFill>
+                <a:blip r:embed="rId3"/>
+                <a:stretch>
+                  <a:fillRect/>
+                </a:stretch>
+              </a:blipFill>
+            </p:spPr>
+            <p:txBody>
+              <a:bodyPr/>
+              <a:lstStyle/>
+              <a:p>
+                <a:r>
+                  <a:rPr lang="ja-JP" altLang="en-US">
+                    <a:noFill/>
+                  </a:rPr>
+                  <a:t> </a:t>
+                </a:r>
+              </a:p>
+            </p:txBody>
+          </p:sp>
+        </mc:Fallback>
+      </mc:AlternateContent>
+      <mc:AlternateContent xmlns:mc="http://schemas.openxmlformats.org/markup-compatibility/2006">
+        <mc:Choice xmlns:a14="http://schemas.microsoft.com/office/drawing/2010/main" Requires="a14">
+          <p:sp>
+            <p:nvSpPr>
+              <p:cNvPr id="4" name="円/楕円 3">
+                <a:extLst>
+                  <a:ext uri="{FF2B5EF4-FFF2-40B4-BE49-F238E27FC236}">
+                    <a16:creationId xmlns:a16="http://schemas.microsoft.com/office/drawing/2014/main" id="{895C5042-D8C9-7F41-8B2A-07D40FB4CA1F}"/>
+                  </a:ext>
+                </a:extLst>
+              </p:cNvPr>
+              <p:cNvSpPr/>
+              <p:nvPr/>
+            </p:nvSpPr>
+            <p:spPr>
+              <a:xfrm>
+                <a:off x="4125686" y="772885"/>
+                <a:ext cx="587829" cy="566057"/>
+              </a:xfrm>
+              <a:prstGeom prst="ellipse">
+                <a:avLst/>
+              </a:prstGeom>
+            </p:spPr>
+            <p:style>
+              <a:lnRef idx="2">
+                <a:schemeClr val="dk1"/>
+              </a:lnRef>
+              <a:fillRef idx="1">
+                <a:schemeClr val="lt1"/>
+              </a:fillRef>
+              <a:effectRef idx="0">
+                <a:schemeClr val="dk1"/>
+              </a:effectRef>
+              <a:fontRef idx="minor">
+                <a:schemeClr val="dk1"/>
+              </a:fontRef>
+            </p:style>
+            <p:txBody>
+              <a:bodyPr rtlCol="0" anchor="ctr"/>
+              <a:lstStyle/>
+              <a:p>
+                <a:pPr algn="ctr"/>
+                <a14:m>
+                  <m:oMathPara xmlns:m="http://schemas.openxmlformats.org/officeDocument/2006/math">
+                    <m:oMathParaPr>
+                      <m:jc m:val="centerGroup"/>
+                    </m:oMathParaPr>
+                    <m:oMath xmlns:m="http://schemas.openxmlformats.org/officeDocument/2006/math">
+                      <m:r>
+                        <a:rPr kumimoji="1" lang="en-US" altLang="ja-JP" i="1" dirty="0" smtClean="0">
+                          <a:latin typeface="Cambria Math" panose="02040503050406030204" pitchFamily="18" charset="0"/>
+                        </a:rPr>
+                        <m:t>𝑞</m:t>
+                      </m:r>
+                    </m:oMath>
+                  </m:oMathPara>
+                </a14:m>
+                <a:endParaRPr kumimoji="1" lang="ja-JP" altLang="en-US"/>
+              </a:p>
+            </p:txBody>
+          </p:sp>
+        </mc:Choice>
+        <mc:Fallback>
+          <p:sp>
+            <p:nvSpPr>
+              <p:cNvPr id="4" name="円/楕円 3">
+                <a:extLst>
+                  <a:ext uri="{FF2B5EF4-FFF2-40B4-BE49-F238E27FC236}">
+                    <a16:creationId xmlns:a16="http://schemas.microsoft.com/office/drawing/2014/main" id="{895C5042-D8C9-7F41-8B2A-07D40FB4CA1F}"/>
+                  </a:ext>
+                </a:extLst>
+              </p:cNvPr>
+              <p:cNvSpPr>
+                <a:spLocks noRot="1" noChangeAspect="1" noMove="1" noResize="1" noEditPoints="1" noAdjustHandles="1" noChangeArrowheads="1" noChangeShapeType="1" noTextEdit="1"/>
+              </p:cNvSpPr>
+              <p:nvPr/>
+            </p:nvSpPr>
+            <p:spPr>
+              <a:xfrm>
+                <a:off x="4125686" y="772885"/>
+                <a:ext cx="587829" cy="566057"/>
+              </a:xfrm>
+              <a:prstGeom prst="ellipse">
+                <a:avLst/>
+              </a:prstGeom>
+              <a:blipFill>
+                <a:blip r:embed="rId4"/>
+                <a:stretch>
+                  <a:fillRect/>
+                </a:stretch>
+              </a:blipFill>
+            </p:spPr>
+            <p:txBody>
+              <a:bodyPr/>
+              <a:lstStyle/>
+              <a:p>
+                <a:r>
+                  <a:rPr lang="ja-JP" altLang="en-US">
+                    <a:noFill/>
+                  </a:rPr>
+                  <a:t> </a:t>
+                </a:r>
+              </a:p>
+            </p:txBody>
+          </p:sp>
+        </mc:Fallback>
+      </mc:AlternateContent>
+      <p:sp>
+        <p:nvSpPr>
+          <p:cNvPr id="5" name="円/楕円 4">
+            <a:extLst>
+              <a:ext uri="{FF2B5EF4-FFF2-40B4-BE49-F238E27FC236}">
+                <a16:creationId xmlns:a16="http://schemas.microsoft.com/office/drawing/2014/main" id="{DA4416D0-100E-CE4B-B565-7270EF8E5223}"/>
+              </a:ext>
+            </a:extLst>
+          </p:cNvPr>
+          <p:cNvSpPr/>
+          <p:nvPr/>
+        </p:nvSpPr>
+        <p:spPr>
+          <a:xfrm>
+            <a:off x="4125686" y="1948543"/>
+            <a:ext cx="587829" cy="566057"/>
+          </a:xfrm>
+          <a:prstGeom prst="ellipse">
+            <a:avLst/>
+          </a:prstGeom>
+        </p:spPr>
+        <p:style>
+          <a:lnRef idx="2">
+            <a:schemeClr val="dk1"/>
+          </a:lnRef>
+          <a:fillRef idx="1">
+            <a:schemeClr val="lt1"/>
+          </a:fillRef>
+          <a:effectRef idx="0">
+            <a:schemeClr val="dk1"/>
+          </a:effectRef>
+          <a:fontRef idx="minor">
+            <a:schemeClr val="dk1"/>
+          </a:fontRef>
+        </p:style>
+        <p:txBody>
+          <a:bodyPr rtlCol="0" anchor="ctr"/>
+          <a:lstStyle/>
+          <a:p>
+            <a:pPr algn="ctr"/>
+            <a:endParaRPr kumimoji="1" lang="ja-JP" altLang="en-US"/>
+          </a:p>
+        </p:txBody>
+      </p:sp>
+      <p:cxnSp>
+        <p:nvCxnSpPr>
+          <p:cNvPr id="9" name="直線矢印コネクタ 8">
+            <a:extLst>
+              <a:ext uri="{FF2B5EF4-FFF2-40B4-BE49-F238E27FC236}">
+                <a16:creationId xmlns:a16="http://schemas.microsoft.com/office/drawing/2014/main" id="{F74F4ABA-1D55-8243-8A93-29F58541F9D5}"/>
+              </a:ext>
+            </a:extLst>
+          </p:cNvPr>
+          <p:cNvCxnSpPr>
+            <a:stCxn id="3" idx="0"/>
+            <a:endCxn id="2" idx="4"/>
+          </p:cNvCxnSpPr>
+          <p:nvPr/>
+        </p:nvCxnSpPr>
+        <p:spPr>
+          <a:xfrm flipV="1">
+            <a:off x="2841172" y="1338943"/>
+            <a:ext cx="0" cy="609600"/>
+          </a:xfrm>
+          <a:prstGeom prst="straightConnector1">
+            <a:avLst/>
+          </a:prstGeom>
+          <a:ln w="12700">
+            <a:solidFill>
+              <a:schemeClr val="tx1"/>
+            </a:solidFill>
+            <a:tailEnd type="triangle"/>
+          </a:ln>
+        </p:spPr>
+        <p:style>
+          <a:lnRef idx="1">
+            <a:schemeClr val="accent1"/>
+          </a:lnRef>
+          <a:fillRef idx="0">
+            <a:schemeClr val="accent1"/>
+          </a:fillRef>
+          <a:effectRef idx="0">
+            <a:schemeClr val="accent1"/>
+          </a:effectRef>
+          <a:fontRef idx="minor">
+            <a:schemeClr val="tx1"/>
+          </a:fontRef>
+        </p:style>
+      </p:cxnSp>
+      <p:cxnSp>
+        <p:nvCxnSpPr>
+          <p:cNvPr id="11" name="直線矢印コネクタ 10">
+            <a:extLst>
+              <a:ext uri="{FF2B5EF4-FFF2-40B4-BE49-F238E27FC236}">
+                <a16:creationId xmlns:a16="http://schemas.microsoft.com/office/drawing/2014/main" id="{61D80A1A-2FF0-B54C-ADF6-ADD95AE3A9ED}"/>
+              </a:ext>
+            </a:extLst>
+          </p:cNvPr>
+          <p:cNvCxnSpPr>
+            <a:stCxn id="5" idx="0"/>
+            <a:endCxn id="4" idx="4"/>
+          </p:cNvCxnSpPr>
+          <p:nvPr/>
+        </p:nvCxnSpPr>
+        <p:spPr>
+          <a:xfrm flipV="1">
+            <a:off x="4419601" y="1338942"/>
+            <a:ext cx="0" cy="609601"/>
+          </a:xfrm>
+          <a:prstGeom prst="straightConnector1">
+            <a:avLst/>
+          </a:prstGeom>
+          <a:ln w="12700">
+            <a:solidFill>
+              <a:schemeClr val="tx1"/>
+            </a:solidFill>
+            <a:tailEnd type="triangle"/>
+          </a:ln>
+        </p:spPr>
+        <p:style>
+          <a:lnRef idx="1">
+            <a:schemeClr val="accent1"/>
+          </a:lnRef>
+          <a:fillRef idx="0">
+            <a:schemeClr val="accent1"/>
+          </a:fillRef>
+          <a:effectRef idx="0">
+            <a:schemeClr val="accent1"/>
+          </a:effectRef>
+          <a:fontRef idx="minor">
+            <a:schemeClr val="tx1"/>
+          </a:fontRef>
+        </p:style>
+      </p:cxnSp>
+      <p:cxnSp>
+        <p:nvCxnSpPr>
+          <p:cNvPr id="13" name="曲線コネクタ 12">
+            <a:extLst>
+              <a:ext uri="{FF2B5EF4-FFF2-40B4-BE49-F238E27FC236}">
+                <a16:creationId xmlns:a16="http://schemas.microsoft.com/office/drawing/2014/main" id="{B90BEB9A-7EC2-C149-990A-DA0D457CAEE3}"/>
+              </a:ext>
+            </a:extLst>
+          </p:cNvPr>
+          <p:cNvCxnSpPr>
+            <a:stCxn id="4" idx="1"/>
+            <a:endCxn id="2" idx="7"/>
+          </p:cNvCxnSpPr>
+          <p:nvPr/>
+        </p:nvCxnSpPr>
+        <p:spPr>
+          <a:xfrm rot="16200000" flipH="1" flipV="1">
+            <a:off x="3630385" y="274396"/>
+            <a:ext cx="1" cy="1162772"/>
+          </a:xfrm>
+          <a:prstGeom prst="curvedConnector3">
+            <a:avLst>
+              <a:gd name="adj1" fmla="val -31149700000"/>
+            </a:avLst>
+          </a:prstGeom>
+          <a:ln w="12700">
+            <a:solidFill>
+              <a:schemeClr val="tx1"/>
+            </a:solidFill>
+            <a:tailEnd type="triangle"/>
+          </a:ln>
+        </p:spPr>
+        <p:style>
+          <a:lnRef idx="1">
+            <a:schemeClr val="accent1"/>
+          </a:lnRef>
+          <a:fillRef idx="0">
+            <a:schemeClr val="accent1"/>
+          </a:fillRef>
+          <a:effectRef idx="0">
+            <a:schemeClr val="accent1"/>
+          </a:effectRef>
+          <a:fontRef idx="minor">
+            <a:schemeClr val="tx1"/>
+          </a:fontRef>
+        </p:style>
+      </p:cxnSp>
+      <p:cxnSp>
+        <p:nvCxnSpPr>
+          <p:cNvPr id="15" name="曲線コネクタ 14">
+            <a:extLst>
+              <a:ext uri="{FF2B5EF4-FFF2-40B4-BE49-F238E27FC236}">
+                <a16:creationId xmlns:a16="http://schemas.microsoft.com/office/drawing/2014/main" id="{994C62C1-541C-734C-8B21-D75058B1D2D9}"/>
+              </a:ext>
+            </a:extLst>
+          </p:cNvPr>
+          <p:cNvCxnSpPr>
+            <a:stCxn id="2" idx="5"/>
+            <a:endCxn id="4" idx="3"/>
+          </p:cNvCxnSpPr>
+          <p:nvPr/>
+        </p:nvCxnSpPr>
+        <p:spPr>
+          <a:xfrm rot="5400000" flipH="1" flipV="1">
+            <a:off x="3630385" y="674660"/>
+            <a:ext cx="1" cy="1162772"/>
+          </a:xfrm>
+          <a:prstGeom prst="curvedConnector3">
+            <a:avLst>
+              <a:gd name="adj1" fmla="val -31149700000"/>
+            </a:avLst>
+          </a:prstGeom>
+          <a:ln w="12700">
+            <a:solidFill>
+              <a:schemeClr val="tx1"/>
+            </a:solidFill>
+            <a:tailEnd type="triangle"/>
+          </a:ln>
+        </p:spPr>
+        <p:style>
+          <a:lnRef idx="1">
+            <a:schemeClr val="accent1"/>
+          </a:lnRef>
+          <a:fillRef idx="0">
+            <a:schemeClr val="accent1"/>
+          </a:fillRef>
+          <a:effectRef idx="0">
+            <a:schemeClr val="accent1"/>
+          </a:effectRef>
+          <a:fontRef idx="minor">
+            <a:schemeClr val="tx1"/>
+          </a:fontRef>
+        </p:style>
+      </p:cxnSp>
+      <p:sp>
+        <p:nvSpPr>
+          <p:cNvPr id="44" name="テキスト ボックス 43">
+            <a:extLst>
+              <a:ext uri="{FF2B5EF4-FFF2-40B4-BE49-F238E27FC236}">
+                <a16:creationId xmlns:a16="http://schemas.microsoft.com/office/drawing/2014/main" id="{2525AF7B-A90B-5B4D-8927-D52A8546F4AD}"/>
+              </a:ext>
+            </a:extLst>
+          </p:cNvPr>
+          <p:cNvSpPr txBox="1"/>
+          <p:nvPr/>
+        </p:nvSpPr>
+        <p:spPr>
+          <a:xfrm>
+            <a:off x="2841171" y="2678668"/>
+            <a:ext cx="1569660" cy="369332"/>
+          </a:xfrm>
+          <a:prstGeom prst="rect">
+            <a:avLst/>
+          </a:prstGeom>
+          <a:noFill/>
+        </p:spPr>
+        <p:txBody>
+          <a:bodyPr wrap="none" rtlCol="0">
+            <a:spAutoFit/>
+          </a:bodyPr>
+          <a:lstStyle/>
+          <a:p>
+            <a:pPr algn="ctr"/>
+            <a:r>
+              <a:rPr kumimoji="1" lang="ja-JP" altLang="en-US">
+                <a:latin typeface="A-OTF UD Shin Go Pr6N L" panose="020B0300000000000000" pitchFamily="34" charset="-128"/>
+                <a:ea typeface="A-OTF UD Shin Go Pr6N L" panose="020B0300000000000000" pitchFamily="34" charset="-128"/>
+              </a:rPr>
+              <a:t>クリプキ構造</a:t>
+            </a:r>
+          </a:p>
+        </p:txBody>
+      </p:sp>
+      <mc:AlternateContent xmlns:mc="http://schemas.openxmlformats.org/markup-compatibility/2006">
+        <mc:Choice xmlns:a14="http://schemas.microsoft.com/office/drawing/2010/main" Requires="a14">
+          <p:sp>
+            <p:nvSpPr>
+              <p:cNvPr id="47" name="円/楕円 46">
+                <a:extLst>
+                  <a:ext uri="{FF2B5EF4-FFF2-40B4-BE49-F238E27FC236}">
+                    <a16:creationId xmlns:a16="http://schemas.microsoft.com/office/drawing/2014/main" id="{D5CE3434-9390-BF48-BAF9-749A3B2C995C}"/>
+                  </a:ext>
+                </a:extLst>
+              </p:cNvPr>
+              <p:cNvSpPr/>
+              <p:nvPr/>
+            </p:nvSpPr>
+            <p:spPr>
+              <a:xfrm>
+                <a:off x="5695346" y="772885"/>
+                <a:ext cx="587829" cy="566057"/>
+              </a:xfrm>
+              <a:prstGeom prst="ellipse">
+                <a:avLst/>
+              </a:prstGeom>
+            </p:spPr>
+            <p:style>
+              <a:lnRef idx="2">
+                <a:schemeClr val="dk1"/>
+              </a:lnRef>
+              <a:fillRef idx="1">
+                <a:schemeClr val="lt1"/>
+              </a:fillRef>
+              <a:effectRef idx="0">
+                <a:schemeClr val="dk1"/>
+              </a:effectRef>
+              <a:fontRef idx="minor">
+                <a:schemeClr val="dk1"/>
+              </a:fontRef>
+            </p:style>
+            <p:txBody>
+              <a:bodyPr rtlCol="0" anchor="ctr"/>
+              <a:lstStyle/>
+              <a:p>
+                <a:pPr algn="ctr"/>
+                <a14:m>
+                  <m:oMathPara xmlns:m="http://schemas.openxmlformats.org/officeDocument/2006/math">
+                    <m:oMathParaPr>
+                      <m:jc m:val="center"/>
+                    </m:oMathParaPr>
+                    <m:oMath xmlns:m="http://schemas.openxmlformats.org/officeDocument/2006/math">
+                      <m:r>
+                        <a:rPr kumimoji="1" lang="en-US" altLang="ja-JP" b="0" i="1" smtClean="0">
+                          <a:latin typeface="Cambria Math" panose="02040503050406030204" pitchFamily="18" charset="0"/>
+                        </a:rPr>
+                        <m:t>𝑝</m:t>
+                      </m:r>
+                    </m:oMath>
+                  </m:oMathPara>
+                </a14:m>
+                <a:endParaRPr kumimoji="1" lang="ja-JP" altLang="en-US"/>
+              </a:p>
+            </p:txBody>
+          </p:sp>
+        </mc:Choice>
+        <mc:Fallback>
+          <p:sp>
+            <p:nvSpPr>
+              <p:cNvPr id="47" name="円/楕円 46">
+                <a:extLst>
+                  <a:ext uri="{FF2B5EF4-FFF2-40B4-BE49-F238E27FC236}">
+                    <a16:creationId xmlns:a16="http://schemas.microsoft.com/office/drawing/2014/main" id="{D5CE3434-9390-BF48-BAF9-749A3B2C995C}"/>
+                  </a:ext>
+                </a:extLst>
+              </p:cNvPr>
+              <p:cNvSpPr>
+                <a:spLocks noRot="1" noChangeAspect="1" noMove="1" noResize="1" noEditPoints="1" noAdjustHandles="1" noChangeArrowheads="1" noChangeShapeType="1" noTextEdit="1"/>
+              </p:cNvSpPr>
+              <p:nvPr/>
+            </p:nvSpPr>
+            <p:spPr>
+              <a:xfrm>
+                <a:off x="5695346" y="772885"/>
+                <a:ext cx="587829" cy="566057"/>
+              </a:xfrm>
+              <a:prstGeom prst="ellipse">
+                <a:avLst/>
+              </a:prstGeom>
+              <a:blipFill>
+                <a:blip r:embed="rId5"/>
+                <a:stretch>
+                  <a:fillRect/>
+                </a:stretch>
+              </a:blipFill>
+            </p:spPr>
+            <p:txBody>
+              <a:bodyPr/>
+              <a:lstStyle/>
+              <a:p>
+                <a:r>
+                  <a:rPr lang="ja-JP" altLang="en-US">
+                    <a:noFill/>
+                  </a:rPr>
+                  <a:t> </a:t>
+                </a:r>
+              </a:p>
+            </p:txBody>
+          </p:sp>
+        </mc:Fallback>
+      </mc:AlternateContent>
+      <mc:AlternateContent xmlns:mc="http://schemas.openxmlformats.org/markup-compatibility/2006">
+        <mc:Choice xmlns:a14="http://schemas.microsoft.com/office/drawing/2010/main" Requires="a14">
+          <p:sp>
+            <p:nvSpPr>
+              <p:cNvPr id="48" name="円/楕円 47">
+                <a:extLst>
+                  <a:ext uri="{FF2B5EF4-FFF2-40B4-BE49-F238E27FC236}">
+                    <a16:creationId xmlns:a16="http://schemas.microsoft.com/office/drawing/2014/main" id="{16B32C31-CB22-5C40-9883-68B04AFDAB54}"/>
+                  </a:ext>
+                </a:extLst>
+              </p:cNvPr>
+              <p:cNvSpPr/>
+              <p:nvPr/>
+            </p:nvSpPr>
+            <p:spPr>
+              <a:xfrm>
+                <a:off x="5695346" y="1948542"/>
+                <a:ext cx="587829" cy="566057"/>
+              </a:xfrm>
+              <a:prstGeom prst="ellipse">
+                <a:avLst/>
+              </a:prstGeom>
+            </p:spPr>
+            <p:style>
+              <a:lnRef idx="2">
+                <a:schemeClr val="dk1"/>
+              </a:lnRef>
+              <a:fillRef idx="1">
+                <a:schemeClr val="lt1"/>
+              </a:fillRef>
+              <a:effectRef idx="0">
+                <a:schemeClr val="dk1"/>
+              </a:effectRef>
+              <a:fontRef idx="minor">
+                <a:schemeClr val="dk1"/>
+              </a:fontRef>
+            </p:style>
+            <p:txBody>
+              <a:bodyPr rtlCol="0" anchor="ctr"/>
+              <a:lstStyle/>
+              <a:p>
+                <a:pPr algn="ctr"/>
+                <a14:m>
+                  <m:oMathPara xmlns:m="http://schemas.openxmlformats.org/officeDocument/2006/math">
+                    <m:oMathParaPr>
+                      <m:jc m:val="centerGroup"/>
+                    </m:oMathParaPr>
+                    <m:oMath xmlns:m="http://schemas.openxmlformats.org/officeDocument/2006/math">
+                      <m:r>
+                        <a:rPr kumimoji="1" lang="en-US" altLang="ja-JP" i="1" dirty="0" smtClean="0">
+                          <a:latin typeface="Cambria Math" panose="02040503050406030204" pitchFamily="18" charset="0"/>
+                        </a:rPr>
+                        <m:t>𝑝</m:t>
+                      </m:r>
+                    </m:oMath>
+                  </m:oMathPara>
+                </a14:m>
+                <a:endParaRPr kumimoji="1" lang="ja-JP" altLang="en-US"/>
+              </a:p>
+            </p:txBody>
+          </p:sp>
+        </mc:Choice>
+        <mc:Fallback>
+          <p:sp>
+            <p:nvSpPr>
+              <p:cNvPr id="48" name="円/楕円 47">
+                <a:extLst>
+                  <a:ext uri="{FF2B5EF4-FFF2-40B4-BE49-F238E27FC236}">
+                    <a16:creationId xmlns:a16="http://schemas.microsoft.com/office/drawing/2014/main" id="{16B32C31-CB22-5C40-9883-68B04AFDAB54}"/>
+                  </a:ext>
+                </a:extLst>
+              </p:cNvPr>
+              <p:cNvSpPr>
+                <a:spLocks noRot="1" noChangeAspect="1" noMove="1" noResize="1" noEditPoints="1" noAdjustHandles="1" noChangeArrowheads="1" noChangeShapeType="1" noTextEdit="1"/>
+              </p:cNvSpPr>
+              <p:nvPr/>
+            </p:nvSpPr>
+            <p:spPr>
+              <a:xfrm>
+                <a:off x="5695346" y="1948542"/>
+                <a:ext cx="587829" cy="566057"/>
+              </a:xfrm>
+              <a:prstGeom prst="ellipse">
+                <a:avLst/>
+              </a:prstGeom>
+              <a:blipFill>
+                <a:blip r:embed="rId6"/>
+                <a:stretch>
+                  <a:fillRect/>
+                </a:stretch>
+              </a:blipFill>
+            </p:spPr>
+            <p:txBody>
+              <a:bodyPr/>
+              <a:lstStyle/>
+              <a:p>
+                <a:r>
+                  <a:rPr lang="ja-JP" altLang="en-US">
+                    <a:noFill/>
+                  </a:rPr>
+                  <a:t> </a:t>
+                </a:r>
+              </a:p>
+            </p:txBody>
+          </p:sp>
+        </mc:Fallback>
+      </mc:AlternateContent>
+      <mc:AlternateContent xmlns:mc="http://schemas.openxmlformats.org/markup-compatibility/2006">
+        <mc:Choice xmlns:a14="http://schemas.microsoft.com/office/drawing/2010/main" Requires="a14">
+          <p:sp>
+            <p:nvSpPr>
+              <p:cNvPr id="49" name="円/楕円 48">
+                <a:extLst>
+                  <a:ext uri="{FF2B5EF4-FFF2-40B4-BE49-F238E27FC236}">
+                    <a16:creationId xmlns:a16="http://schemas.microsoft.com/office/drawing/2014/main" id="{7154D8EB-860B-B24E-AE8D-A360CCE56FB3}"/>
+                  </a:ext>
+                </a:extLst>
+              </p:cNvPr>
+              <p:cNvSpPr/>
+              <p:nvPr/>
+            </p:nvSpPr>
+            <p:spPr>
+              <a:xfrm>
+                <a:off x="7273775" y="772884"/>
+                <a:ext cx="587829" cy="566057"/>
+              </a:xfrm>
+              <a:prstGeom prst="ellipse">
+                <a:avLst/>
+              </a:prstGeom>
+              <a:solidFill>
+                <a:schemeClr val="bg2">
+                  <a:lumMod val="75000"/>
+                </a:schemeClr>
+              </a:solidFill>
+            </p:spPr>
+            <p:style>
+              <a:lnRef idx="2">
+                <a:schemeClr val="dk1"/>
+              </a:lnRef>
+              <a:fillRef idx="1">
+                <a:schemeClr val="lt1"/>
+              </a:fillRef>
+              <a:effectRef idx="0">
+                <a:schemeClr val="dk1"/>
+              </a:effectRef>
+              <a:fontRef idx="minor">
+                <a:schemeClr val="dk1"/>
+              </a:fontRef>
+            </p:style>
+            <p:txBody>
+              <a:bodyPr rtlCol="0" anchor="ctr"/>
+              <a:lstStyle/>
+              <a:p>
+                <a:pPr algn="ctr"/>
+                <a14:m>
+                  <m:oMathPara xmlns:m="http://schemas.openxmlformats.org/officeDocument/2006/math">
+                    <m:oMathParaPr>
+                      <m:jc m:val="centerGroup"/>
+                    </m:oMathParaPr>
+                    <m:oMath xmlns:m="http://schemas.openxmlformats.org/officeDocument/2006/math">
+                      <m:r>
+                        <a:rPr kumimoji="1" lang="en-US" altLang="ja-JP" i="1" dirty="0" smtClean="0">
+                          <a:latin typeface="Cambria Math" panose="02040503050406030204" pitchFamily="18" charset="0"/>
+                        </a:rPr>
+                        <m:t>𝑞</m:t>
+                      </m:r>
+                    </m:oMath>
+                  </m:oMathPara>
+                </a14:m>
+                <a:endParaRPr kumimoji="1" lang="ja-JP" altLang="en-US"/>
+              </a:p>
+            </p:txBody>
+          </p:sp>
+        </mc:Choice>
+        <mc:Fallback>
+          <p:sp>
+            <p:nvSpPr>
+              <p:cNvPr id="49" name="円/楕円 48">
+                <a:extLst>
+                  <a:ext uri="{FF2B5EF4-FFF2-40B4-BE49-F238E27FC236}">
+                    <a16:creationId xmlns:a16="http://schemas.microsoft.com/office/drawing/2014/main" id="{7154D8EB-860B-B24E-AE8D-A360CCE56FB3}"/>
+                  </a:ext>
+                </a:extLst>
+              </p:cNvPr>
+              <p:cNvSpPr>
+                <a:spLocks noRot="1" noChangeAspect="1" noMove="1" noResize="1" noEditPoints="1" noAdjustHandles="1" noChangeArrowheads="1" noChangeShapeType="1" noTextEdit="1"/>
+              </p:cNvSpPr>
+              <p:nvPr/>
+            </p:nvSpPr>
+            <p:spPr>
+              <a:xfrm>
+                <a:off x="7273775" y="772884"/>
+                <a:ext cx="587829" cy="566057"/>
+              </a:xfrm>
+              <a:prstGeom prst="ellipse">
+                <a:avLst/>
+              </a:prstGeom>
+              <a:blipFill>
+                <a:blip r:embed="rId7"/>
+                <a:stretch>
+                  <a:fillRect/>
+                </a:stretch>
+              </a:blipFill>
+            </p:spPr>
+            <p:txBody>
+              <a:bodyPr/>
+              <a:lstStyle/>
+              <a:p>
+                <a:r>
+                  <a:rPr lang="ja-JP" altLang="en-US">
+                    <a:noFill/>
+                  </a:rPr>
+                  <a:t> </a:t>
+                </a:r>
+              </a:p>
+            </p:txBody>
+          </p:sp>
+        </mc:Fallback>
+      </mc:AlternateContent>
+      <p:sp>
+        <p:nvSpPr>
+          <p:cNvPr id="50" name="円/楕円 49">
+            <a:extLst>
+              <a:ext uri="{FF2B5EF4-FFF2-40B4-BE49-F238E27FC236}">
+                <a16:creationId xmlns:a16="http://schemas.microsoft.com/office/drawing/2014/main" id="{A78154B8-152C-CE4C-86ED-44454D4F867B}"/>
+              </a:ext>
+            </a:extLst>
+          </p:cNvPr>
+          <p:cNvSpPr/>
+          <p:nvPr/>
+        </p:nvSpPr>
+        <p:spPr>
+          <a:xfrm>
+            <a:off x="7273775" y="1948542"/>
+            <a:ext cx="587829" cy="566057"/>
+          </a:xfrm>
+          <a:prstGeom prst="ellipse">
+            <a:avLst/>
+          </a:prstGeom>
+        </p:spPr>
+        <p:style>
+          <a:lnRef idx="2">
+            <a:schemeClr val="dk1"/>
+          </a:lnRef>
+          <a:fillRef idx="1">
+            <a:schemeClr val="lt1"/>
+          </a:fillRef>
+          <a:effectRef idx="0">
+            <a:schemeClr val="dk1"/>
+          </a:effectRef>
+          <a:fontRef idx="minor">
+            <a:schemeClr val="dk1"/>
+          </a:fontRef>
+        </p:style>
+        <p:txBody>
+          <a:bodyPr rtlCol="0" anchor="ctr"/>
+          <a:lstStyle/>
+          <a:p>
+            <a:pPr algn="ctr"/>
+            <a:endParaRPr kumimoji="1" lang="ja-JP" altLang="en-US"/>
+          </a:p>
+        </p:txBody>
+      </p:sp>
+      <p:cxnSp>
+        <p:nvCxnSpPr>
+          <p:cNvPr id="51" name="直線矢印コネクタ 50">
+            <a:extLst>
+              <a:ext uri="{FF2B5EF4-FFF2-40B4-BE49-F238E27FC236}">
+                <a16:creationId xmlns:a16="http://schemas.microsoft.com/office/drawing/2014/main" id="{C6C21C91-B7DF-E042-91FB-AAD20C53B01C}"/>
+              </a:ext>
+            </a:extLst>
+          </p:cNvPr>
+          <p:cNvCxnSpPr>
+            <a:stCxn id="48" idx="0"/>
+            <a:endCxn id="47" idx="4"/>
+          </p:cNvCxnSpPr>
+          <p:nvPr/>
+        </p:nvCxnSpPr>
+        <p:spPr>
+          <a:xfrm flipV="1">
+            <a:off x="5989261" y="1338942"/>
+            <a:ext cx="0" cy="609600"/>
+          </a:xfrm>
+          <a:prstGeom prst="straightConnector1">
+            <a:avLst/>
+          </a:prstGeom>
+          <a:ln w="12700">
+            <a:solidFill>
+              <a:schemeClr val="tx1"/>
+            </a:solidFill>
+            <a:tailEnd type="triangle"/>
+          </a:ln>
+        </p:spPr>
+        <p:style>
+          <a:lnRef idx="1">
+            <a:schemeClr val="accent1"/>
+          </a:lnRef>
+          <a:fillRef idx="0">
+            <a:schemeClr val="accent1"/>
+          </a:fillRef>
+          <a:effectRef idx="0">
+            <a:schemeClr val="accent1"/>
+          </a:effectRef>
+          <a:fontRef idx="minor">
+            <a:schemeClr val="tx1"/>
+          </a:fontRef>
+        </p:style>
+      </p:cxnSp>
+      <p:cxnSp>
+        <p:nvCxnSpPr>
+          <p:cNvPr id="52" name="直線矢印コネクタ 51">
+            <a:extLst>
+              <a:ext uri="{FF2B5EF4-FFF2-40B4-BE49-F238E27FC236}">
+                <a16:creationId xmlns:a16="http://schemas.microsoft.com/office/drawing/2014/main" id="{C5C9C847-70EE-554E-A86A-BEF02B4D1263}"/>
+              </a:ext>
+            </a:extLst>
+          </p:cNvPr>
+          <p:cNvCxnSpPr>
+            <a:stCxn id="50" idx="0"/>
+            <a:endCxn id="49" idx="4"/>
+          </p:cNvCxnSpPr>
+          <p:nvPr/>
+        </p:nvCxnSpPr>
+        <p:spPr>
+          <a:xfrm flipV="1">
+            <a:off x="7567690" y="1338941"/>
+            <a:ext cx="0" cy="609601"/>
+          </a:xfrm>
+          <a:prstGeom prst="straightConnector1">
+            <a:avLst/>
+          </a:prstGeom>
+          <a:ln w="12700">
+            <a:solidFill>
+              <a:schemeClr val="tx1"/>
+            </a:solidFill>
+            <a:tailEnd type="triangle"/>
+          </a:ln>
+        </p:spPr>
+        <p:style>
+          <a:lnRef idx="1">
+            <a:schemeClr val="accent1"/>
+          </a:lnRef>
+          <a:fillRef idx="0">
+            <a:schemeClr val="accent1"/>
+          </a:fillRef>
+          <a:effectRef idx="0">
+            <a:schemeClr val="accent1"/>
+          </a:effectRef>
+          <a:fontRef idx="minor">
+            <a:schemeClr val="tx1"/>
+          </a:fontRef>
+        </p:style>
+      </p:cxnSp>
+      <p:cxnSp>
+        <p:nvCxnSpPr>
+          <p:cNvPr id="53" name="曲線コネクタ 52">
+            <a:extLst>
+              <a:ext uri="{FF2B5EF4-FFF2-40B4-BE49-F238E27FC236}">
+                <a16:creationId xmlns:a16="http://schemas.microsoft.com/office/drawing/2014/main" id="{3426AE05-38E0-394C-B8BC-79CCCC12EE8B}"/>
+              </a:ext>
+            </a:extLst>
+          </p:cNvPr>
+          <p:cNvCxnSpPr>
+            <a:stCxn id="49" idx="1"/>
+            <a:endCxn id="47" idx="7"/>
+          </p:cNvCxnSpPr>
+          <p:nvPr/>
+        </p:nvCxnSpPr>
+        <p:spPr>
+          <a:xfrm rot="16200000" flipH="1" flipV="1">
+            <a:off x="6778474" y="274395"/>
+            <a:ext cx="1" cy="1162772"/>
+          </a:xfrm>
+          <a:prstGeom prst="curvedConnector3">
+            <a:avLst>
+              <a:gd name="adj1" fmla="val -31149700000"/>
+            </a:avLst>
+          </a:prstGeom>
+          <a:ln w="12700">
+            <a:solidFill>
+              <a:schemeClr val="tx1"/>
+            </a:solidFill>
+            <a:tailEnd type="triangle"/>
+          </a:ln>
+        </p:spPr>
+        <p:style>
+          <a:lnRef idx="1">
+            <a:schemeClr val="accent1"/>
+          </a:lnRef>
+          <a:fillRef idx="0">
+            <a:schemeClr val="accent1"/>
+          </a:fillRef>
+          <a:effectRef idx="0">
+            <a:schemeClr val="accent1"/>
+          </a:effectRef>
+          <a:fontRef idx="minor">
+            <a:schemeClr val="tx1"/>
+          </a:fontRef>
+        </p:style>
+      </p:cxnSp>
+      <p:cxnSp>
+        <p:nvCxnSpPr>
+          <p:cNvPr id="54" name="曲線コネクタ 53">
+            <a:extLst>
+              <a:ext uri="{FF2B5EF4-FFF2-40B4-BE49-F238E27FC236}">
+                <a16:creationId xmlns:a16="http://schemas.microsoft.com/office/drawing/2014/main" id="{720CEF6C-5F3A-B548-BB83-71EFA7E756E3}"/>
+              </a:ext>
+            </a:extLst>
+          </p:cNvPr>
+          <p:cNvCxnSpPr>
+            <a:stCxn id="47" idx="5"/>
+            <a:endCxn id="49" idx="3"/>
+          </p:cNvCxnSpPr>
+          <p:nvPr/>
+        </p:nvCxnSpPr>
+        <p:spPr>
+          <a:xfrm rot="5400000" flipH="1" flipV="1">
+            <a:off x="6778474" y="674659"/>
+            <a:ext cx="1" cy="1162772"/>
+          </a:xfrm>
+          <a:prstGeom prst="curvedConnector3">
+            <a:avLst>
+              <a:gd name="adj1" fmla="val -31149700000"/>
+            </a:avLst>
+          </a:prstGeom>
+          <a:ln w="12700">
+            <a:solidFill>
+              <a:schemeClr val="tx1"/>
+            </a:solidFill>
+            <a:tailEnd type="triangle"/>
+          </a:ln>
+        </p:spPr>
+        <p:style>
+          <a:lnRef idx="1">
+            <a:schemeClr val="accent1"/>
+          </a:lnRef>
+          <a:fillRef idx="0">
+            <a:schemeClr val="accent1"/>
+          </a:fillRef>
+          <a:effectRef idx="0">
+            <a:schemeClr val="accent1"/>
+          </a:effectRef>
+          <a:fontRef idx="minor">
+            <a:schemeClr val="tx1"/>
+          </a:fontRef>
+        </p:style>
+      </p:cxnSp>
+      <mc:AlternateContent xmlns:mc="http://schemas.openxmlformats.org/markup-compatibility/2006">
+        <mc:Choice xmlns:a14="http://schemas.microsoft.com/office/drawing/2010/main" Requires="a14">
+          <p:sp>
+            <p:nvSpPr>
+              <p:cNvPr id="55" name="テキスト ボックス 54">
+                <a:extLst>
+                  <a:ext uri="{FF2B5EF4-FFF2-40B4-BE49-F238E27FC236}">
+                    <a16:creationId xmlns:a16="http://schemas.microsoft.com/office/drawing/2014/main" id="{F4BE789B-BA38-5740-AFC8-528077A18F98}"/>
+                  </a:ext>
+                </a:extLst>
+              </p:cNvPr>
+              <p:cNvSpPr txBox="1"/>
+              <p:nvPr/>
+            </p:nvSpPr>
+            <p:spPr>
+              <a:xfrm>
+                <a:off x="6165590" y="2678667"/>
+                <a:ext cx="1217000" cy="369332"/>
+              </a:xfrm>
+              <a:prstGeom prst="rect">
+                <a:avLst/>
+              </a:prstGeom>
+              <a:noFill/>
+            </p:spPr>
+            <p:txBody>
+              <a:bodyPr wrap="none" rtlCol="0">
+                <a:spAutoFit/>
+              </a:bodyPr>
+              <a:lstStyle/>
+              <a:p>
+                <a:pPr algn="ctr"/>
+                <a14:m>
+                  <m:oMathPara xmlns:m="http://schemas.openxmlformats.org/officeDocument/2006/math">
+                    <m:oMathParaPr>
+                      <m:jc m:val="centerGroup"/>
+                    </m:oMathParaPr>
+                    <m:oMath xmlns:m="http://schemas.openxmlformats.org/officeDocument/2006/math">
+                      <m:r>
+                        <a:rPr kumimoji="1" lang="en-US" altLang="ja-JP" i="1" dirty="0" smtClean="0">
+                          <a:latin typeface="Cambria Math" panose="02040503050406030204" pitchFamily="18" charset="0"/>
+                          <a:ea typeface="A-OTF UD Shin Go Pr6N L" panose="020B0300000000000000" pitchFamily="34" charset="-128"/>
+                        </a:rPr>
+                        <m:t>𝜏</m:t>
+                      </m:r>
+                      <m:r>
+                        <a:rPr kumimoji="1" lang="en-US" altLang="ja-JP" i="1" baseline="30000" dirty="0" smtClean="0">
+                          <a:latin typeface="Cambria Math" panose="02040503050406030204" pitchFamily="18" charset="0"/>
+                          <a:ea typeface="A-OTF UD Shin Go Pr6N L" panose="020B0300000000000000" pitchFamily="34" charset="-128"/>
+                        </a:rPr>
+                        <m:t>1</m:t>
+                      </m:r>
+                      <m:r>
+                        <a:rPr kumimoji="1" lang="en-US" altLang="ja-JP" i="1" dirty="0" smtClean="0">
+                          <a:latin typeface="Cambria Math" panose="02040503050406030204" pitchFamily="18" charset="0"/>
+                          <a:ea typeface="A-OTF UD Shin Go Pr6N L" panose="020B0300000000000000" pitchFamily="34" charset="-128"/>
+                        </a:rPr>
+                        <m:t>(</m:t>
+                      </m:r>
+                      <m:r>
+                        <a:rPr kumimoji="1" lang="en-US" altLang="ja-JP" i="1" dirty="0" smtClean="0">
+                          <a:latin typeface="Cambria Math" panose="02040503050406030204" pitchFamily="18" charset="0"/>
+                          <a:ea typeface="A-OTF UD Shin Go Pr6N L" panose="020B0300000000000000" pitchFamily="34" charset="-128"/>
+                        </a:rPr>
+                        <m:t>𝑓𝑎𝑙𝑠𝑒</m:t>
+                      </m:r>
+                      <m:r>
+                        <a:rPr kumimoji="1" lang="en-US" altLang="ja-JP" i="1" dirty="0" smtClean="0">
+                          <a:latin typeface="Cambria Math" panose="02040503050406030204" pitchFamily="18" charset="0"/>
+                          <a:ea typeface="A-OTF UD Shin Go Pr6N L" panose="020B0300000000000000" pitchFamily="34" charset="-128"/>
+                        </a:rPr>
+                        <m:t>)</m:t>
+                      </m:r>
+                    </m:oMath>
+                  </m:oMathPara>
+                </a14:m>
+                <a:endParaRPr kumimoji="1" lang="ja-JP" altLang="en-US">
+                  <a:latin typeface="A-OTF UD Shin Go Pr6N L" panose="020B0300000000000000" pitchFamily="34" charset="-128"/>
+                  <a:ea typeface="A-OTF UD Shin Go Pr6N L" panose="020B0300000000000000" pitchFamily="34" charset="-128"/>
+                </a:endParaRPr>
+              </a:p>
+            </p:txBody>
+          </p:sp>
+        </mc:Choice>
+        <mc:Fallback>
+          <p:sp>
+            <p:nvSpPr>
+              <p:cNvPr id="55" name="テキスト ボックス 54">
+                <a:extLst>
+                  <a:ext uri="{FF2B5EF4-FFF2-40B4-BE49-F238E27FC236}">
+                    <a16:creationId xmlns:a16="http://schemas.microsoft.com/office/drawing/2014/main" id="{F4BE789B-BA38-5740-AFC8-528077A18F98}"/>
+                  </a:ext>
+                </a:extLst>
+              </p:cNvPr>
+              <p:cNvSpPr txBox="1">
+                <a:spLocks noRot="1" noChangeAspect="1" noMove="1" noResize="1" noEditPoints="1" noAdjustHandles="1" noChangeArrowheads="1" noChangeShapeType="1" noTextEdit="1"/>
+              </p:cNvSpPr>
+              <p:nvPr/>
+            </p:nvSpPr>
+            <p:spPr>
+              <a:xfrm>
+                <a:off x="6165590" y="2678667"/>
+                <a:ext cx="1217000" cy="369332"/>
+              </a:xfrm>
+              <a:prstGeom prst="rect">
+                <a:avLst/>
+              </a:prstGeom>
+              <a:blipFill>
+                <a:blip r:embed="rId8"/>
+                <a:stretch>
+                  <a:fillRect b="-12903"/>
+                </a:stretch>
+              </a:blipFill>
+            </p:spPr>
+            <p:txBody>
+              <a:bodyPr/>
+              <a:lstStyle/>
+              <a:p>
+                <a:r>
+                  <a:rPr lang="ja-JP" altLang="en-US">
+                    <a:noFill/>
+                  </a:rPr>
+                  <a:t> </a:t>
+                </a:r>
+              </a:p>
+            </p:txBody>
+          </p:sp>
+        </mc:Fallback>
+      </mc:AlternateContent>
+      <mc:AlternateContent xmlns:mc="http://schemas.openxmlformats.org/markup-compatibility/2006">
+        <mc:Choice xmlns:a14="http://schemas.microsoft.com/office/drawing/2010/main" Requires="a14">
+          <p:sp>
+            <p:nvSpPr>
+              <p:cNvPr id="57" name="円/楕円 56">
+                <a:extLst>
+                  <a:ext uri="{FF2B5EF4-FFF2-40B4-BE49-F238E27FC236}">
+                    <a16:creationId xmlns:a16="http://schemas.microsoft.com/office/drawing/2014/main" id="{F50448D1-BBB0-3546-AA29-27269344BDC5}"/>
+                  </a:ext>
+                </a:extLst>
+              </p:cNvPr>
+              <p:cNvSpPr/>
+              <p:nvPr/>
+            </p:nvSpPr>
+            <p:spPr>
+              <a:xfrm>
+                <a:off x="2547257" y="3810000"/>
+                <a:ext cx="587829" cy="566057"/>
+              </a:xfrm>
+              <a:prstGeom prst="ellipse">
+                <a:avLst/>
+              </a:prstGeom>
+              <a:solidFill>
+                <a:schemeClr val="bg2">
+                  <a:lumMod val="75000"/>
+                </a:schemeClr>
+              </a:solidFill>
+            </p:spPr>
+            <p:style>
+              <a:lnRef idx="2">
+                <a:schemeClr val="dk1"/>
+              </a:lnRef>
+              <a:fillRef idx="1">
+                <a:schemeClr val="lt1"/>
+              </a:fillRef>
+              <a:effectRef idx="0">
+                <a:schemeClr val="dk1"/>
+              </a:effectRef>
+              <a:fontRef idx="minor">
+                <a:schemeClr val="dk1"/>
+              </a:fontRef>
+            </p:style>
+            <p:txBody>
+              <a:bodyPr rtlCol="0" anchor="ctr"/>
+              <a:lstStyle/>
+              <a:p>
+                <a:pPr algn="ctr"/>
+                <a14:m>
+                  <m:oMathPara xmlns:m="http://schemas.openxmlformats.org/officeDocument/2006/math">
+                    <m:oMathParaPr>
+                      <m:jc m:val="center"/>
+                    </m:oMathParaPr>
+                    <m:oMath xmlns:m="http://schemas.openxmlformats.org/officeDocument/2006/math">
+                      <m:r>
+                        <a:rPr kumimoji="1" lang="en-US" altLang="ja-JP" b="0" i="1" smtClean="0">
+                          <a:latin typeface="Cambria Math" panose="02040503050406030204" pitchFamily="18" charset="0"/>
+                        </a:rPr>
+                        <m:t>𝑝</m:t>
+                      </m:r>
+                    </m:oMath>
+                  </m:oMathPara>
+                </a14:m>
+                <a:endParaRPr kumimoji="1" lang="ja-JP" altLang="en-US"/>
+              </a:p>
+            </p:txBody>
+          </p:sp>
+        </mc:Choice>
+        <mc:Fallback>
+          <p:sp>
+            <p:nvSpPr>
+              <p:cNvPr id="57" name="円/楕円 56">
+                <a:extLst>
+                  <a:ext uri="{FF2B5EF4-FFF2-40B4-BE49-F238E27FC236}">
+                    <a16:creationId xmlns:a16="http://schemas.microsoft.com/office/drawing/2014/main" id="{F50448D1-BBB0-3546-AA29-27269344BDC5}"/>
+                  </a:ext>
+                </a:extLst>
+              </p:cNvPr>
+              <p:cNvSpPr>
+                <a:spLocks noRot="1" noChangeAspect="1" noMove="1" noResize="1" noEditPoints="1" noAdjustHandles="1" noChangeArrowheads="1" noChangeShapeType="1" noTextEdit="1"/>
+              </p:cNvSpPr>
+              <p:nvPr/>
+            </p:nvSpPr>
+            <p:spPr>
+              <a:xfrm>
+                <a:off x="2547257" y="3810000"/>
+                <a:ext cx="587829" cy="566057"/>
+              </a:xfrm>
+              <a:prstGeom prst="ellipse">
+                <a:avLst/>
+              </a:prstGeom>
+              <a:blipFill>
+                <a:blip r:embed="rId9"/>
+                <a:stretch>
+                  <a:fillRect/>
+                </a:stretch>
+              </a:blipFill>
+            </p:spPr>
+            <p:txBody>
+              <a:bodyPr/>
+              <a:lstStyle/>
+              <a:p>
+                <a:r>
+                  <a:rPr lang="ja-JP" altLang="en-US">
+                    <a:noFill/>
+                  </a:rPr>
+                  <a:t> </a:t>
+                </a:r>
+              </a:p>
+            </p:txBody>
+          </p:sp>
+        </mc:Fallback>
+      </mc:AlternateContent>
+      <mc:AlternateContent xmlns:mc="http://schemas.openxmlformats.org/markup-compatibility/2006">
+        <mc:Choice xmlns:a14="http://schemas.microsoft.com/office/drawing/2010/main" Requires="a14">
+          <p:sp>
+            <p:nvSpPr>
+              <p:cNvPr id="58" name="円/楕円 57">
+                <a:extLst>
+                  <a:ext uri="{FF2B5EF4-FFF2-40B4-BE49-F238E27FC236}">
+                    <a16:creationId xmlns:a16="http://schemas.microsoft.com/office/drawing/2014/main" id="{0532DBA6-EEFE-6F4D-A5A8-6BD9A3C06C6E}"/>
+                  </a:ext>
+                </a:extLst>
+              </p:cNvPr>
+              <p:cNvSpPr/>
+              <p:nvPr/>
+            </p:nvSpPr>
+            <p:spPr>
+              <a:xfrm>
+                <a:off x="2547257" y="4985657"/>
+                <a:ext cx="587829" cy="566057"/>
+              </a:xfrm>
+              <a:prstGeom prst="ellipse">
+                <a:avLst/>
+              </a:prstGeom>
+            </p:spPr>
+            <p:style>
+              <a:lnRef idx="2">
+                <a:schemeClr val="dk1"/>
+              </a:lnRef>
+              <a:fillRef idx="1">
+                <a:schemeClr val="lt1"/>
+              </a:fillRef>
+              <a:effectRef idx="0">
+                <a:schemeClr val="dk1"/>
+              </a:effectRef>
+              <a:fontRef idx="minor">
+                <a:schemeClr val="dk1"/>
+              </a:fontRef>
+            </p:style>
+            <p:txBody>
+              <a:bodyPr rtlCol="0" anchor="ctr"/>
+              <a:lstStyle/>
+              <a:p>
+                <a:pPr algn="ctr"/>
+                <a14:m>
+                  <m:oMathPara xmlns:m="http://schemas.openxmlformats.org/officeDocument/2006/math">
+                    <m:oMathParaPr>
+                      <m:jc m:val="centerGroup"/>
+                    </m:oMathParaPr>
+                    <m:oMath xmlns:m="http://schemas.openxmlformats.org/officeDocument/2006/math">
+                      <m:r>
+                        <a:rPr kumimoji="1" lang="en-US" altLang="ja-JP" i="1" dirty="0" smtClean="0">
+                          <a:latin typeface="Cambria Math" panose="02040503050406030204" pitchFamily="18" charset="0"/>
+                        </a:rPr>
+                        <m:t>𝑝</m:t>
+                      </m:r>
+                    </m:oMath>
+                  </m:oMathPara>
+                </a14:m>
+                <a:endParaRPr kumimoji="1" lang="ja-JP" altLang="en-US"/>
+              </a:p>
+            </p:txBody>
+          </p:sp>
+        </mc:Choice>
+        <mc:Fallback>
+          <p:sp>
+            <p:nvSpPr>
+              <p:cNvPr id="58" name="円/楕円 57">
+                <a:extLst>
+                  <a:ext uri="{FF2B5EF4-FFF2-40B4-BE49-F238E27FC236}">
+                    <a16:creationId xmlns:a16="http://schemas.microsoft.com/office/drawing/2014/main" id="{0532DBA6-EEFE-6F4D-A5A8-6BD9A3C06C6E}"/>
+                  </a:ext>
+                </a:extLst>
+              </p:cNvPr>
+              <p:cNvSpPr>
+                <a:spLocks noRot="1" noChangeAspect="1" noMove="1" noResize="1" noEditPoints="1" noAdjustHandles="1" noChangeArrowheads="1" noChangeShapeType="1" noTextEdit="1"/>
+              </p:cNvSpPr>
+              <p:nvPr/>
+            </p:nvSpPr>
+            <p:spPr>
+              <a:xfrm>
+                <a:off x="2547257" y="4985657"/>
+                <a:ext cx="587829" cy="566057"/>
+              </a:xfrm>
+              <a:prstGeom prst="ellipse">
+                <a:avLst/>
+              </a:prstGeom>
+              <a:blipFill>
+                <a:blip r:embed="rId10"/>
+                <a:stretch>
+                  <a:fillRect/>
+                </a:stretch>
+              </a:blipFill>
+            </p:spPr>
+            <p:txBody>
+              <a:bodyPr/>
+              <a:lstStyle/>
+              <a:p>
+                <a:r>
+                  <a:rPr lang="ja-JP" altLang="en-US">
+                    <a:noFill/>
+                  </a:rPr>
+                  <a:t> </a:t>
+                </a:r>
+              </a:p>
+            </p:txBody>
+          </p:sp>
+        </mc:Fallback>
+      </mc:AlternateContent>
+      <mc:AlternateContent xmlns:mc="http://schemas.openxmlformats.org/markup-compatibility/2006">
+        <mc:Choice xmlns:a14="http://schemas.microsoft.com/office/drawing/2010/main" Requires="a14">
+          <p:sp>
+            <p:nvSpPr>
+              <p:cNvPr id="59" name="円/楕円 58">
+                <a:extLst>
+                  <a:ext uri="{FF2B5EF4-FFF2-40B4-BE49-F238E27FC236}">
+                    <a16:creationId xmlns:a16="http://schemas.microsoft.com/office/drawing/2014/main" id="{5D42B4EA-3419-BA4C-BFC9-9DFB053ED4DF}"/>
+                  </a:ext>
+                </a:extLst>
+              </p:cNvPr>
+              <p:cNvSpPr/>
+              <p:nvPr/>
+            </p:nvSpPr>
+            <p:spPr>
+              <a:xfrm>
+                <a:off x="4125686" y="3809999"/>
+                <a:ext cx="587829" cy="566057"/>
+              </a:xfrm>
+              <a:prstGeom prst="ellipse">
+                <a:avLst/>
+              </a:prstGeom>
+              <a:solidFill>
+                <a:schemeClr val="bg2">
+                  <a:lumMod val="75000"/>
+                </a:schemeClr>
+              </a:solidFill>
+            </p:spPr>
+            <p:style>
+              <a:lnRef idx="2">
+                <a:schemeClr val="dk1"/>
+              </a:lnRef>
+              <a:fillRef idx="1">
+                <a:schemeClr val="lt1"/>
+              </a:fillRef>
+              <a:effectRef idx="0">
+                <a:schemeClr val="dk1"/>
+              </a:effectRef>
+              <a:fontRef idx="minor">
+                <a:schemeClr val="dk1"/>
+              </a:fontRef>
+            </p:style>
+            <p:txBody>
+              <a:bodyPr rtlCol="0" anchor="ctr"/>
+              <a:lstStyle/>
+              <a:p>
+                <a:pPr algn="ctr"/>
+                <a14:m>
+                  <m:oMathPara xmlns:m="http://schemas.openxmlformats.org/officeDocument/2006/math">
+                    <m:oMathParaPr>
+                      <m:jc m:val="centerGroup"/>
+                    </m:oMathParaPr>
+                    <m:oMath xmlns:m="http://schemas.openxmlformats.org/officeDocument/2006/math">
+                      <m:r>
+                        <a:rPr kumimoji="1" lang="en-US" altLang="ja-JP" i="1" dirty="0" smtClean="0">
+                          <a:latin typeface="Cambria Math" panose="02040503050406030204" pitchFamily="18" charset="0"/>
+                        </a:rPr>
+                        <m:t>𝑞</m:t>
+                      </m:r>
+                    </m:oMath>
+                  </m:oMathPara>
+                </a14:m>
+                <a:endParaRPr kumimoji="1" lang="ja-JP" altLang="en-US"/>
+              </a:p>
+            </p:txBody>
+          </p:sp>
+        </mc:Choice>
+        <mc:Fallback>
+          <p:sp>
+            <p:nvSpPr>
+              <p:cNvPr id="59" name="円/楕円 58">
+                <a:extLst>
+                  <a:ext uri="{FF2B5EF4-FFF2-40B4-BE49-F238E27FC236}">
+                    <a16:creationId xmlns:a16="http://schemas.microsoft.com/office/drawing/2014/main" id="{5D42B4EA-3419-BA4C-BFC9-9DFB053ED4DF}"/>
+                  </a:ext>
+                </a:extLst>
+              </p:cNvPr>
+              <p:cNvSpPr>
+                <a:spLocks noRot="1" noChangeAspect="1" noMove="1" noResize="1" noEditPoints="1" noAdjustHandles="1" noChangeArrowheads="1" noChangeShapeType="1" noTextEdit="1"/>
+              </p:cNvSpPr>
+              <p:nvPr/>
+            </p:nvSpPr>
+            <p:spPr>
+              <a:xfrm>
+                <a:off x="4125686" y="3809999"/>
+                <a:ext cx="587829" cy="566057"/>
+              </a:xfrm>
+              <a:prstGeom prst="ellipse">
+                <a:avLst/>
+              </a:prstGeom>
+              <a:blipFill>
+                <a:blip r:embed="rId11"/>
+                <a:stretch>
+                  <a:fillRect/>
+                </a:stretch>
+              </a:blipFill>
+            </p:spPr>
+            <p:txBody>
+              <a:bodyPr/>
+              <a:lstStyle/>
+              <a:p>
+                <a:r>
+                  <a:rPr lang="ja-JP" altLang="en-US">
+                    <a:noFill/>
+                  </a:rPr>
+                  <a:t> </a:t>
+                </a:r>
+              </a:p>
+            </p:txBody>
+          </p:sp>
+        </mc:Fallback>
+      </mc:AlternateContent>
+      <p:sp>
+        <p:nvSpPr>
+          <p:cNvPr id="60" name="円/楕円 59">
+            <a:extLst>
+              <a:ext uri="{FF2B5EF4-FFF2-40B4-BE49-F238E27FC236}">
+                <a16:creationId xmlns:a16="http://schemas.microsoft.com/office/drawing/2014/main" id="{6F8F60E4-9520-0A48-885B-0264876A4771}"/>
+              </a:ext>
+            </a:extLst>
+          </p:cNvPr>
+          <p:cNvSpPr/>
+          <p:nvPr/>
+        </p:nvSpPr>
+        <p:spPr>
+          <a:xfrm>
+            <a:off x="4125686" y="4985657"/>
+            <a:ext cx="587829" cy="566057"/>
+          </a:xfrm>
+          <a:prstGeom prst="ellipse">
+            <a:avLst/>
+          </a:prstGeom>
+        </p:spPr>
+        <p:style>
+          <a:lnRef idx="2">
+            <a:schemeClr val="dk1"/>
+          </a:lnRef>
+          <a:fillRef idx="1">
+            <a:schemeClr val="lt1"/>
+          </a:fillRef>
+          <a:effectRef idx="0">
+            <a:schemeClr val="dk1"/>
+          </a:effectRef>
+          <a:fontRef idx="minor">
+            <a:schemeClr val="dk1"/>
+          </a:fontRef>
+        </p:style>
+        <p:txBody>
+          <a:bodyPr rtlCol="0" anchor="ctr"/>
+          <a:lstStyle/>
+          <a:p>
+            <a:pPr algn="ctr"/>
+            <a:endParaRPr kumimoji="1" lang="ja-JP" altLang="en-US"/>
+          </a:p>
+        </p:txBody>
+      </p:sp>
+      <p:cxnSp>
+        <p:nvCxnSpPr>
+          <p:cNvPr id="61" name="直線矢印コネクタ 60">
+            <a:extLst>
+              <a:ext uri="{FF2B5EF4-FFF2-40B4-BE49-F238E27FC236}">
+                <a16:creationId xmlns:a16="http://schemas.microsoft.com/office/drawing/2014/main" id="{F7AA744A-3F42-BB40-A3EB-C75FBDE5E91F}"/>
+              </a:ext>
+            </a:extLst>
+          </p:cNvPr>
+          <p:cNvCxnSpPr>
+            <a:stCxn id="58" idx="0"/>
+            <a:endCxn id="57" idx="4"/>
+          </p:cNvCxnSpPr>
+          <p:nvPr/>
+        </p:nvCxnSpPr>
+        <p:spPr>
+          <a:xfrm flipV="1">
+            <a:off x="2841172" y="4376057"/>
+            <a:ext cx="0" cy="609600"/>
+          </a:xfrm>
+          <a:prstGeom prst="straightConnector1">
+            <a:avLst/>
+          </a:prstGeom>
+          <a:ln w="12700">
+            <a:solidFill>
+              <a:schemeClr val="tx1"/>
+            </a:solidFill>
+            <a:tailEnd type="triangle"/>
+          </a:ln>
+        </p:spPr>
+        <p:style>
+          <a:lnRef idx="1">
+            <a:schemeClr val="accent1"/>
+          </a:lnRef>
+          <a:fillRef idx="0">
+            <a:schemeClr val="accent1"/>
+          </a:fillRef>
+          <a:effectRef idx="0">
+            <a:schemeClr val="accent1"/>
+          </a:effectRef>
+          <a:fontRef idx="minor">
+            <a:schemeClr val="tx1"/>
+          </a:fontRef>
+        </p:style>
+      </p:cxnSp>
+      <p:cxnSp>
+        <p:nvCxnSpPr>
+          <p:cNvPr id="62" name="直線矢印コネクタ 61">
+            <a:extLst>
+              <a:ext uri="{FF2B5EF4-FFF2-40B4-BE49-F238E27FC236}">
+                <a16:creationId xmlns:a16="http://schemas.microsoft.com/office/drawing/2014/main" id="{EC6E4AF8-19DF-874A-8CCA-B99953F7CF79}"/>
+              </a:ext>
+            </a:extLst>
+          </p:cNvPr>
+          <p:cNvCxnSpPr>
+            <a:stCxn id="60" idx="0"/>
+            <a:endCxn id="59" idx="4"/>
+          </p:cNvCxnSpPr>
+          <p:nvPr/>
+        </p:nvCxnSpPr>
+        <p:spPr>
+          <a:xfrm flipV="1">
+            <a:off x="4419601" y="4376056"/>
+            <a:ext cx="0" cy="609601"/>
+          </a:xfrm>
+          <a:prstGeom prst="straightConnector1">
+            <a:avLst/>
+          </a:prstGeom>
+          <a:ln w="12700">
+            <a:solidFill>
+              <a:schemeClr val="tx1"/>
+            </a:solidFill>
+            <a:tailEnd type="triangle"/>
+          </a:ln>
+        </p:spPr>
+        <p:style>
+          <a:lnRef idx="1">
+            <a:schemeClr val="accent1"/>
+          </a:lnRef>
+          <a:fillRef idx="0">
+            <a:schemeClr val="accent1"/>
+          </a:fillRef>
+          <a:effectRef idx="0">
+            <a:schemeClr val="accent1"/>
+          </a:effectRef>
+          <a:fontRef idx="minor">
+            <a:schemeClr val="tx1"/>
+          </a:fontRef>
+        </p:style>
+      </p:cxnSp>
+      <p:cxnSp>
+        <p:nvCxnSpPr>
+          <p:cNvPr id="63" name="曲線コネクタ 62">
+            <a:extLst>
+              <a:ext uri="{FF2B5EF4-FFF2-40B4-BE49-F238E27FC236}">
+                <a16:creationId xmlns:a16="http://schemas.microsoft.com/office/drawing/2014/main" id="{CB5ACDAD-9C87-6345-9EF6-6579F4DB3CAD}"/>
+              </a:ext>
+            </a:extLst>
+          </p:cNvPr>
+          <p:cNvCxnSpPr>
+            <a:stCxn id="59" idx="1"/>
+            <a:endCxn id="57" idx="7"/>
+          </p:cNvCxnSpPr>
+          <p:nvPr/>
+        </p:nvCxnSpPr>
+        <p:spPr>
+          <a:xfrm rot="16200000" flipH="1" flipV="1">
+            <a:off x="3630385" y="3311510"/>
+            <a:ext cx="1" cy="1162772"/>
+          </a:xfrm>
+          <a:prstGeom prst="curvedConnector3">
+            <a:avLst>
+              <a:gd name="adj1" fmla="val -31149700000"/>
+            </a:avLst>
+          </a:prstGeom>
+          <a:ln w="12700">
+            <a:solidFill>
+              <a:schemeClr val="tx1"/>
+            </a:solidFill>
+            <a:tailEnd type="triangle"/>
+          </a:ln>
+        </p:spPr>
+        <p:style>
+          <a:lnRef idx="1">
+            <a:schemeClr val="accent1"/>
+          </a:lnRef>
+          <a:fillRef idx="0">
+            <a:schemeClr val="accent1"/>
+          </a:fillRef>
+          <a:effectRef idx="0">
+            <a:schemeClr val="accent1"/>
+          </a:effectRef>
+          <a:fontRef idx="minor">
+            <a:schemeClr val="tx1"/>
+          </a:fontRef>
+        </p:style>
+      </p:cxnSp>
+      <p:cxnSp>
+        <p:nvCxnSpPr>
+          <p:cNvPr id="64" name="曲線コネクタ 63">
+            <a:extLst>
+              <a:ext uri="{FF2B5EF4-FFF2-40B4-BE49-F238E27FC236}">
+                <a16:creationId xmlns:a16="http://schemas.microsoft.com/office/drawing/2014/main" id="{30FBA0C7-05BE-924C-9DA0-8FCB9B0125D0}"/>
+              </a:ext>
+            </a:extLst>
+          </p:cNvPr>
+          <p:cNvCxnSpPr>
+            <a:stCxn id="57" idx="5"/>
+            <a:endCxn id="59" idx="3"/>
+          </p:cNvCxnSpPr>
+          <p:nvPr/>
+        </p:nvCxnSpPr>
+        <p:spPr>
+          <a:xfrm rot="5400000" flipH="1" flipV="1">
+            <a:off x="3630385" y="3711774"/>
+            <a:ext cx="1" cy="1162772"/>
+          </a:xfrm>
+          <a:prstGeom prst="curvedConnector3">
+            <a:avLst>
+              <a:gd name="adj1" fmla="val -31149700000"/>
+            </a:avLst>
+          </a:prstGeom>
+          <a:ln w="12700">
+            <a:solidFill>
+              <a:schemeClr val="tx1"/>
+            </a:solidFill>
+            <a:tailEnd type="triangle"/>
+          </a:ln>
+        </p:spPr>
+        <p:style>
+          <a:lnRef idx="1">
+            <a:schemeClr val="accent1"/>
+          </a:lnRef>
+          <a:fillRef idx="0">
+            <a:schemeClr val="accent1"/>
+          </a:fillRef>
+          <a:effectRef idx="0">
+            <a:schemeClr val="accent1"/>
+          </a:effectRef>
+          <a:fontRef idx="minor">
+            <a:schemeClr val="tx1"/>
+          </a:fontRef>
+        </p:style>
+      </p:cxnSp>
+      <mc:AlternateContent xmlns:mc="http://schemas.openxmlformats.org/markup-compatibility/2006">
+        <mc:Choice xmlns:a14="http://schemas.microsoft.com/office/drawing/2010/main" Requires="a14">
+          <p:sp>
+            <p:nvSpPr>
+              <p:cNvPr id="65" name="テキスト ボックス 64">
+                <a:extLst>
+                  <a:ext uri="{FF2B5EF4-FFF2-40B4-BE49-F238E27FC236}">
+                    <a16:creationId xmlns:a16="http://schemas.microsoft.com/office/drawing/2014/main" id="{723BCA31-605F-A44D-8482-1BB6D3EF4284}"/>
+                  </a:ext>
+                </a:extLst>
+              </p:cNvPr>
+              <p:cNvSpPr txBox="1"/>
+              <p:nvPr/>
+            </p:nvSpPr>
+            <p:spPr>
+              <a:xfrm>
+                <a:off x="3017501" y="5715782"/>
+                <a:ext cx="1217000" cy="369332"/>
+              </a:xfrm>
+              <a:prstGeom prst="rect">
+                <a:avLst/>
+              </a:prstGeom>
+              <a:noFill/>
+            </p:spPr>
+            <p:txBody>
+              <a:bodyPr wrap="none" rtlCol="0">
+                <a:spAutoFit/>
+              </a:bodyPr>
+              <a:lstStyle/>
+              <a:p>
+                <a:pPr algn="ctr"/>
+                <a14:m>
+                  <m:oMathPara xmlns:m="http://schemas.openxmlformats.org/officeDocument/2006/math">
+                    <m:oMathParaPr>
+                      <m:jc m:val="centerGroup"/>
+                    </m:oMathParaPr>
+                    <m:oMath xmlns:m="http://schemas.openxmlformats.org/officeDocument/2006/math">
+                      <m:r>
+                        <a:rPr lang="en-US" altLang="ja-JP" i="1" dirty="0" smtClean="0">
+                          <a:latin typeface="Cambria Math" panose="02040503050406030204" pitchFamily="18" charset="0"/>
+                          <a:ea typeface="A-OTF UD Shin Go Pr6N L" panose="020B0300000000000000" pitchFamily="34" charset="-128"/>
+                        </a:rPr>
+                        <m:t>𝜏</m:t>
+                      </m:r>
+                      <m:r>
+                        <a:rPr lang="en-US" altLang="ja-JP" i="1" baseline="30000" dirty="0" smtClean="0">
+                          <a:latin typeface="Cambria Math" panose="02040503050406030204" pitchFamily="18" charset="0"/>
+                          <a:ea typeface="A-OTF UD Shin Go Pr6N L" panose="020B0300000000000000" pitchFamily="34" charset="-128"/>
+                        </a:rPr>
+                        <m:t>2</m:t>
+                      </m:r>
+                      <m:r>
+                        <a:rPr lang="en-US" altLang="ja-JP" i="1" dirty="0" smtClean="0">
+                          <a:latin typeface="Cambria Math" panose="02040503050406030204" pitchFamily="18" charset="0"/>
+                          <a:ea typeface="A-OTF UD Shin Go Pr6N L" panose="020B0300000000000000" pitchFamily="34" charset="-128"/>
+                        </a:rPr>
+                        <m:t>(</m:t>
+                      </m:r>
+                      <m:r>
+                        <a:rPr lang="en-US" altLang="ja-JP" i="1" dirty="0">
+                          <a:latin typeface="Cambria Math" panose="02040503050406030204" pitchFamily="18" charset="0"/>
+                          <a:ea typeface="A-OTF UD Shin Go Pr6N L" panose="020B0300000000000000" pitchFamily="34" charset="-128"/>
+                        </a:rPr>
+                        <m:t>𝑓𝑎𝑙𝑠𝑒</m:t>
+                      </m:r>
+                      <m:r>
+                        <a:rPr lang="en-US" altLang="ja-JP" i="1" dirty="0" smtClean="0">
+                          <a:latin typeface="Cambria Math" panose="02040503050406030204" pitchFamily="18" charset="0"/>
+                          <a:ea typeface="A-OTF UD Shin Go Pr6N L" panose="020B0300000000000000" pitchFamily="34" charset="-128"/>
+                        </a:rPr>
+                        <m:t>)</m:t>
+                      </m:r>
+                    </m:oMath>
+                  </m:oMathPara>
+                </a14:m>
+                <a:endParaRPr lang="ja-JP" altLang="en-US">
+                  <a:latin typeface="A-OTF UD Shin Go Pr6N L" panose="020B0300000000000000" pitchFamily="34" charset="-128"/>
+                  <a:ea typeface="A-OTF UD Shin Go Pr6N L" panose="020B0300000000000000" pitchFamily="34" charset="-128"/>
+                </a:endParaRPr>
+              </a:p>
+            </p:txBody>
+          </p:sp>
+        </mc:Choice>
+        <mc:Fallback>
+          <p:sp>
+            <p:nvSpPr>
+              <p:cNvPr id="65" name="テキスト ボックス 64">
+                <a:extLst>
+                  <a:ext uri="{FF2B5EF4-FFF2-40B4-BE49-F238E27FC236}">
+                    <a16:creationId xmlns:a16="http://schemas.microsoft.com/office/drawing/2014/main" id="{723BCA31-605F-A44D-8482-1BB6D3EF4284}"/>
+                  </a:ext>
+                </a:extLst>
+              </p:cNvPr>
+              <p:cNvSpPr txBox="1">
+                <a:spLocks noRot="1" noChangeAspect="1" noMove="1" noResize="1" noEditPoints="1" noAdjustHandles="1" noChangeArrowheads="1" noChangeShapeType="1" noTextEdit="1"/>
+              </p:cNvSpPr>
+              <p:nvPr/>
+            </p:nvSpPr>
+            <p:spPr>
+              <a:xfrm>
+                <a:off x="3017501" y="5715782"/>
+                <a:ext cx="1217000" cy="369332"/>
+              </a:xfrm>
+              <a:prstGeom prst="rect">
+                <a:avLst/>
+              </a:prstGeom>
+              <a:blipFill>
+                <a:blip r:embed="rId12"/>
+                <a:stretch>
+                  <a:fillRect b="-13333"/>
+                </a:stretch>
+              </a:blipFill>
+            </p:spPr>
+            <p:txBody>
+              <a:bodyPr/>
+              <a:lstStyle/>
+              <a:p>
+                <a:r>
+                  <a:rPr lang="ja-JP" altLang="en-US">
+                    <a:noFill/>
+                  </a:rPr>
+                  <a:t> </a:t>
+                </a:r>
+              </a:p>
+            </p:txBody>
+          </p:sp>
+        </mc:Fallback>
+      </mc:AlternateContent>
+      <mc:AlternateContent xmlns:mc="http://schemas.openxmlformats.org/markup-compatibility/2006">
+        <mc:Choice xmlns:a14="http://schemas.microsoft.com/office/drawing/2010/main" Requires="a14">
+          <p:sp>
+            <p:nvSpPr>
+              <p:cNvPr id="67" name="円/楕円 66">
+                <a:extLst>
+                  <a:ext uri="{FF2B5EF4-FFF2-40B4-BE49-F238E27FC236}">
+                    <a16:creationId xmlns:a16="http://schemas.microsoft.com/office/drawing/2014/main" id="{1EC8CEBE-7642-6A49-8D08-D5FB8984A2EC}"/>
+                  </a:ext>
+                </a:extLst>
+              </p:cNvPr>
+              <p:cNvSpPr/>
+              <p:nvPr/>
+            </p:nvSpPr>
+            <p:spPr>
+              <a:xfrm>
+                <a:off x="5695346" y="3810000"/>
+                <a:ext cx="587829" cy="566057"/>
+              </a:xfrm>
+              <a:prstGeom prst="ellipse">
+                <a:avLst/>
+              </a:prstGeom>
+              <a:solidFill>
+                <a:schemeClr val="bg2">
+                  <a:lumMod val="75000"/>
+                </a:schemeClr>
+              </a:solidFill>
+            </p:spPr>
+            <p:style>
+              <a:lnRef idx="2">
+                <a:schemeClr val="dk1"/>
+              </a:lnRef>
+              <a:fillRef idx="1">
+                <a:schemeClr val="lt1"/>
+              </a:fillRef>
+              <a:effectRef idx="0">
+                <a:schemeClr val="dk1"/>
+              </a:effectRef>
+              <a:fontRef idx="minor">
+                <a:schemeClr val="dk1"/>
+              </a:fontRef>
+            </p:style>
+            <p:txBody>
+              <a:bodyPr rtlCol="0" anchor="ctr"/>
+              <a:lstStyle/>
+              <a:p>
+                <a:pPr algn="ctr"/>
+                <a14:m>
+                  <m:oMathPara xmlns:m="http://schemas.openxmlformats.org/officeDocument/2006/math">
+                    <m:oMathParaPr>
+                      <m:jc m:val="center"/>
+                    </m:oMathParaPr>
+                    <m:oMath xmlns:m="http://schemas.openxmlformats.org/officeDocument/2006/math">
+                      <m:r>
+                        <a:rPr kumimoji="1" lang="en-US" altLang="ja-JP" b="0" i="1" smtClean="0">
+                          <a:latin typeface="Cambria Math" panose="02040503050406030204" pitchFamily="18" charset="0"/>
+                        </a:rPr>
+                        <m:t>𝑝</m:t>
+                      </m:r>
+                    </m:oMath>
+                  </m:oMathPara>
+                </a14:m>
+                <a:endParaRPr kumimoji="1" lang="ja-JP" altLang="en-US"/>
+              </a:p>
+            </p:txBody>
+          </p:sp>
+        </mc:Choice>
+        <mc:Fallback>
+          <p:sp>
+            <p:nvSpPr>
+              <p:cNvPr id="67" name="円/楕円 66">
+                <a:extLst>
+                  <a:ext uri="{FF2B5EF4-FFF2-40B4-BE49-F238E27FC236}">
+                    <a16:creationId xmlns:a16="http://schemas.microsoft.com/office/drawing/2014/main" id="{1EC8CEBE-7642-6A49-8D08-D5FB8984A2EC}"/>
+                  </a:ext>
+                </a:extLst>
+              </p:cNvPr>
+              <p:cNvSpPr>
+                <a:spLocks noRot="1" noChangeAspect="1" noMove="1" noResize="1" noEditPoints="1" noAdjustHandles="1" noChangeArrowheads="1" noChangeShapeType="1" noTextEdit="1"/>
+              </p:cNvSpPr>
+              <p:nvPr/>
+            </p:nvSpPr>
+            <p:spPr>
+              <a:xfrm>
+                <a:off x="5695346" y="3810000"/>
+                <a:ext cx="587829" cy="566057"/>
+              </a:xfrm>
+              <a:prstGeom prst="ellipse">
+                <a:avLst/>
+              </a:prstGeom>
+              <a:blipFill>
+                <a:blip r:embed="rId13"/>
+                <a:stretch>
+                  <a:fillRect/>
+                </a:stretch>
+              </a:blipFill>
+            </p:spPr>
+            <p:txBody>
+              <a:bodyPr/>
+              <a:lstStyle/>
+              <a:p>
+                <a:r>
+                  <a:rPr lang="ja-JP" altLang="en-US">
+                    <a:noFill/>
+                  </a:rPr>
+                  <a:t> </a:t>
+                </a:r>
+              </a:p>
+            </p:txBody>
+          </p:sp>
+        </mc:Fallback>
+      </mc:AlternateContent>
+      <mc:AlternateContent xmlns:mc="http://schemas.openxmlformats.org/markup-compatibility/2006">
+        <mc:Choice xmlns:a14="http://schemas.microsoft.com/office/drawing/2010/main" Requires="a14">
+          <p:sp>
+            <p:nvSpPr>
+              <p:cNvPr id="68" name="円/楕円 67">
+                <a:extLst>
+                  <a:ext uri="{FF2B5EF4-FFF2-40B4-BE49-F238E27FC236}">
+                    <a16:creationId xmlns:a16="http://schemas.microsoft.com/office/drawing/2014/main" id="{112A376B-2C88-B342-998F-4E69B38FA5A1}"/>
+                  </a:ext>
+                </a:extLst>
+              </p:cNvPr>
+              <p:cNvSpPr/>
+              <p:nvPr/>
+            </p:nvSpPr>
+            <p:spPr>
+              <a:xfrm>
+                <a:off x="5695346" y="4985657"/>
+                <a:ext cx="587829" cy="566057"/>
+              </a:xfrm>
+              <a:prstGeom prst="ellipse">
+                <a:avLst/>
+              </a:prstGeom>
+              <a:solidFill>
+                <a:schemeClr val="bg2">
+                  <a:lumMod val="75000"/>
+                </a:schemeClr>
+              </a:solidFill>
+            </p:spPr>
+            <p:style>
+              <a:lnRef idx="2">
+                <a:schemeClr val="dk1"/>
+              </a:lnRef>
+              <a:fillRef idx="1">
+                <a:schemeClr val="lt1"/>
+              </a:fillRef>
+              <a:effectRef idx="0">
+                <a:schemeClr val="dk1"/>
+              </a:effectRef>
+              <a:fontRef idx="minor">
+                <a:schemeClr val="dk1"/>
+              </a:fontRef>
+            </p:style>
+            <p:txBody>
+              <a:bodyPr rtlCol="0" anchor="ctr"/>
+              <a:lstStyle/>
+              <a:p>
+                <a:pPr algn="ctr"/>
+                <a14:m>
+                  <m:oMathPara xmlns:m="http://schemas.openxmlformats.org/officeDocument/2006/math">
+                    <m:oMathParaPr>
+                      <m:jc m:val="centerGroup"/>
+                    </m:oMathParaPr>
+                    <m:oMath xmlns:m="http://schemas.openxmlformats.org/officeDocument/2006/math">
+                      <m:r>
+                        <a:rPr kumimoji="1" lang="en-US" altLang="ja-JP" i="1" dirty="0" smtClean="0">
+                          <a:latin typeface="Cambria Math" panose="02040503050406030204" pitchFamily="18" charset="0"/>
+                        </a:rPr>
+                        <m:t>𝑝</m:t>
+                      </m:r>
+                    </m:oMath>
+                  </m:oMathPara>
+                </a14:m>
+                <a:endParaRPr kumimoji="1" lang="ja-JP" altLang="en-US"/>
+              </a:p>
+            </p:txBody>
+          </p:sp>
+        </mc:Choice>
+        <mc:Fallback>
+          <p:sp>
+            <p:nvSpPr>
+              <p:cNvPr id="68" name="円/楕円 67">
+                <a:extLst>
+                  <a:ext uri="{FF2B5EF4-FFF2-40B4-BE49-F238E27FC236}">
+                    <a16:creationId xmlns:a16="http://schemas.microsoft.com/office/drawing/2014/main" id="{112A376B-2C88-B342-998F-4E69B38FA5A1}"/>
+                  </a:ext>
+                </a:extLst>
+              </p:cNvPr>
+              <p:cNvSpPr>
+                <a:spLocks noRot="1" noChangeAspect="1" noMove="1" noResize="1" noEditPoints="1" noAdjustHandles="1" noChangeArrowheads="1" noChangeShapeType="1" noTextEdit="1"/>
+              </p:cNvSpPr>
+              <p:nvPr/>
+            </p:nvSpPr>
+            <p:spPr>
+              <a:xfrm>
+                <a:off x="5695346" y="4985657"/>
+                <a:ext cx="587829" cy="566057"/>
+              </a:xfrm>
+              <a:prstGeom prst="ellipse">
+                <a:avLst/>
+              </a:prstGeom>
+              <a:blipFill>
+                <a:blip r:embed="rId14"/>
+                <a:stretch>
+                  <a:fillRect/>
+                </a:stretch>
+              </a:blipFill>
+            </p:spPr>
+            <p:txBody>
+              <a:bodyPr/>
+              <a:lstStyle/>
+              <a:p>
+                <a:r>
+                  <a:rPr lang="ja-JP" altLang="en-US">
+                    <a:noFill/>
+                  </a:rPr>
+                  <a:t> </a:t>
+                </a:r>
+              </a:p>
+            </p:txBody>
+          </p:sp>
+        </mc:Fallback>
+      </mc:AlternateContent>
+      <mc:AlternateContent xmlns:mc="http://schemas.openxmlformats.org/markup-compatibility/2006">
+        <mc:Choice xmlns:a14="http://schemas.microsoft.com/office/drawing/2010/main" Requires="a14">
+          <p:sp>
+            <p:nvSpPr>
+              <p:cNvPr id="69" name="円/楕円 68">
+                <a:extLst>
+                  <a:ext uri="{FF2B5EF4-FFF2-40B4-BE49-F238E27FC236}">
+                    <a16:creationId xmlns:a16="http://schemas.microsoft.com/office/drawing/2014/main" id="{374B3C8F-DE95-CB48-8E44-9D901591874E}"/>
+                  </a:ext>
+                </a:extLst>
+              </p:cNvPr>
+              <p:cNvSpPr/>
+              <p:nvPr/>
+            </p:nvSpPr>
+            <p:spPr>
+              <a:xfrm>
+                <a:off x="7273775" y="3809999"/>
+                <a:ext cx="587829" cy="566057"/>
+              </a:xfrm>
+              <a:prstGeom prst="ellipse">
+                <a:avLst/>
+              </a:prstGeom>
+              <a:solidFill>
+                <a:schemeClr val="bg2">
+                  <a:lumMod val="75000"/>
+                </a:schemeClr>
+              </a:solidFill>
+            </p:spPr>
+            <p:style>
+              <a:lnRef idx="2">
+                <a:schemeClr val="dk1"/>
+              </a:lnRef>
+              <a:fillRef idx="1">
+                <a:schemeClr val="lt1"/>
+              </a:fillRef>
+              <a:effectRef idx="0">
+                <a:schemeClr val="dk1"/>
+              </a:effectRef>
+              <a:fontRef idx="minor">
+                <a:schemeClr val="dk1"/>
+              </a:fontRef>
+            </p:style>
+            <p:txBody>
+              <a:bodyPr rtlCol="0" anchor="ctr"/>
+              <a:lstStyle/>
+              <a:p>
+                <a:pPr algn="ctr"/>
+                <a14:m>
+                  <m:oMathPara xmlns:m="http://schemas.openxmlformats.org/officeDocument/2006/math">
+                    <m:oMathParaPr>
+                      <m:jc m:val="centerGroup"/>
+                    </m:oMathParaPr>
+                    <m:oMath xmlns:m="http://schemas.openxmlformats.org/officeDocument/2006/math">
+                      <m:r>
+                        <a:rPr kumimoji="1" lang="en-US" altLang="ja-JP" i="1" dirty="0" smtClean="0">
+                          <a:latin typeface="Cambria Math" panose="02040503050406030204" pitchFamily="18" charset="0"/>
+                        </a:rPr>
+                        <m:t>𝑞</m:t>
+                      </m:r>
+                    </m:oMath>
+                  </m:oMathPara>
+                </a14:m>
+                <a:endParaRPr kumimoji="1" lang="ja-JP" altLang="en-US"/>
+              </a:p>
+            </p:txBody>
+          </p:sp>
+        </mc:Choice>
+        <mc:Fallback>
+          <p:sp>
+            <p:nvSpPr>
+              <p:cNvPr id="69" name="円/楕円 68">
+                <a:extLst>
+                  <a:ext uri="{FF2B5EF4-FFF2-40B4-BE49-F238E27FC236}">
+                    <a16:creationId xmlns:a16="http://schemas.microsoft.com/office/drawing/2014/main" id="{374B3C8F-DE95-CB48-8E44-9D901591874E}"/>
+                  </a:ext>
+                </a:extLst>
+              </p:cNvPr>
+              <p:cNvSpPr>
+                <a:spLocks noRot="1" noChangeAspect="1" noMove="1" noResize="1" noEditPoints="1" noAdjustHandles="1" noChangeArrowheads="1" noChangeShapeType="1" noTextEdit="1"/>
+              </p:cNvSpPr>
+              <p:nvPr/>
+            </p:nvSpPr>
+            <p:spPr>
+              <a:xfrm>
+                <a:off x="7273775" y="3809999"/>
+                <a:ext cx="587829" cy="566057"/>
+              </a:xfrm>
+              <a:prstGeom prst="ellipse">
+                <a:avLst/>
+              </a:prstGeom>
+              <a:blipFill>
+                <a:blip r:embed="rId15"/>
+                <a:stretch>
+                  <a:fillRect/>
+                </a:stretch>
+              </a:blipFill>
+            </p:spPr>
+            <p:txBody>
+              <a:bodyPr/>
+              <a:lstStyle/>
+              <a:p>
+                <a:r>
+                  <a:rPr lang="ja-JP" altLang="en-US">
+                    <a:noFill/>
+                  </a:rPr>
+                  <a:t> </a:t>
+                </a:r>
+              </a:p>
+            </p:txBody>
+          </p:sp>
+        </mc:Fallback>
+      </mc:AlternateContent>
+      <p:sp>
+        <p:nvSpPr>
+          <p:cNvPr id="70" name="円/楕円 69">
+            <a:extLst>
+              <a:ext uri="{FF2B5EF4-FFF2-40B4-BE49-F238E27FC236}">
+                <a16:creationId xmlns:a16="http://schemas.microsoft.com/office/drawing/2014/main" id="{F8419E52-8169-6B4D-A8FC-D7435F07D52E}"/>
+              </a:ext>
+            </a:extLst>
+          </p:cNvPr>
+          <p:cNvSpPr/>
+          <p:nvPr/>
+        </p:nvSpPr>
+        <p:spPr>
+          <a:xfrm>
+            <a:off x="7273775" y="4985657"/>
+            <a:ext cx="587829" cy="566057"/>
+          </a:xfrm>
+          <a:prstGeom prst="ellipse">
+            <a:avLst/>
+          </a:prstGeom>
+        </p:spPr>
+        <p:style>
+          <a:lnRef idx="2">
+            <a:schemeClr val="dk1"/>
+          </a:lnRef>
+          <a:fillRef idx="1">
+            <a:schemeClr val="lt1"/>
+          </a:fillRef>
+          <a:effectRef idx="0">
+            <a:schemeClr val="dk1"/>
+          </a:effectRef>
+          <a:fontRef idx="minor">
+            <a:schemeClr val="dk1"/>
+          </a:fontRef>
+        </p:style>
+        <p:txBody>
+          <a:bodyPr rtlCol="0" anchor="ctr"/>
+          <a:lstStyle/>
+          <a:p>
+            <a:pPr algn="ctr"/>
+            <a:endParaRPr kumimoji="1" lang="ja-JP" altLang="en-US"/>
+          </a:p>
+        </p:txBody>
+      </p:sp>
+      <p:cxnSp>
+        <p:nvCxnSpPr>
+          <p:cNvPr id="71" name="直線矢印コネクタ 70">
+            <a:extLst>
+              <a:ext uri="{FF2B5EF4-FFF2-40B4-BE49-F238E27FC236}">
+                <a16:creationId xmlns:a16="http://schemas.microsoft.com/office/drawing/2014/main" id="{4BF692FB-2D4C-1945-AA9E-CC07A3E0AABA}"/>
+              </a:ext>
+            </a:extLst>
+          </p:cNvPr>
+          <p:cNvCxnSpPr>
+            <a:stCxn id="68" idx="0"/>
+            <a:endCxn id="67" idx="4"/>
+          </p:cNvCxnSpPr>
+          <p:nvPr/>
+        </p:nvCxnSpPr>
+        <p:spPr>
+          <a:xfrm flipV="1">
+            <a:off x="5989261" y="4376057"/>
+            <a:ext cx="0" cy="609600"/>
+          </a:xfrm>
+          <a:prstGeom prst="straightConnector1">
+            <a:avLst/>
+          </a:prstGeom>
+          <a:ln w="12700">
+            <a:solidFill>
+              <a:schemeClr val="tx1"/>
+            </a:solidFill>
+            <a:tailEnd type="triangle"/>
+          </a:ln>
+        </p:spPr>
+        <p:style>
+          <a:lnRef idx="1">
+            <a:schemeClr val="accent1"/>
+          </a:lnRef>
+          <a:fillRef idx="0">
+            <a:schemeClr val="accent1"/>
+          </a:fillRef>
+          <a:effectRef idx="0">
+            <a:schemeClr val="accent1"/>
+          </a:effectRef>
+          <a:fontRef idx="minor">
+            <a:schemeClr val="tx1"/>
+          </a:fontRef>
+        </p:style>
+      </p:cxnSp>
+      <p:cxnSp>
+        <p:nvCxnSpPr>
+          <p:cNvPr id="72" name="直線矢印コネクタ 71">
+            <a:extLst>
+              <a:ext uri="{FF2B5EF4-FFF2-40B4-BE49-F238E27FC236}">
+                <a16:creationId xmlns:a16="http://schemas.microsoft.com/office/drawing/2014/main" id="{48F2F64E-EBF0-9748-AFA8-4F3C224C1048}"/>
+              </a:ext>
+            </a:extLst>
+          </p:cNvPr>
+          <p:cNvCxnSpPr>
+            <a:stCxn id="70" idx="0"/>
+            <a:endCxn id="69" idx="4"/>
+          </p:cNvCxnSpPr>
+          <p:nvPr/>
+        </p:nvCxnSpPr>
+        <p:spPr>
+          <a:xfrm flipV="1">
+            <a:off x="7567690" y="4376056"/>
+            <a:ext cx="0" cy="609601"/>
+          </a:xfrm>
+          <a:prstGeom prst="straightConnector1">
+            <a:avLst/>
+          </a:prstGeom>
+          <a:ln w="12700">
+            <a:solidFill>
+              <a:schemeClr val="tx1"/>
+            </a:solidFill>
+            <a:tailEnd type="triangle"/>
+          </a:ln>
+        </p:spPr>
+        <p:style>
+          <a:lnRef idx="1">
+            <a:schemeClr val="accent1"/>
+          </a:lnRef>
+          <a:fillRef idx="0">
+            <a:schemeClr val="accent1"/>
+          </a:fillRef>
+          <a:effectRef idx="0">
+            <a:schemeClr val="accent1"/>
+          </a:effectRef>
+          <a:fontRef idx="minor">
+            <a:schemeClr val="tx1"/>
+          </a:fontRef>
+        </p:style>
+      </p:cxnSp>
+      <p:cxnSp>
+        <p:nvCxnSpPr>
+          <p:cNvPr id="73" name="曲線コネクタ 72">
+            <a:extLst>
+              <a:ext uri="{FF2B5EF4-FFF2-40B4-BE49-F238E27FC236}">
+                <a16:creationId xmlns:a16="http://schemas.microsoft.com/office/drawing/2014/main" id="{0A32BE1A-577E-514C-A2EF-35FF869896EA}"/>
+              </a:ext>
+            </a:extLst>
+          </p:cNvPr>
+          <p:cNvCxnSpPr>
+            <a:stCxn id="69" idx="1"/>
+            <a:endCxn id="67" idx="7"/>
+          </p:cNvCxnSpPr>
+          <p:nvPr/>
+        </p:nvCxnSpPr>
+        <p:spPr>
+          <a:xfrm rot="16200000" flipH="1" flipV="1">
+            <a:off x="6778474" y="3311510"/>
+            <a:ext cx="1" cy="1162772"/>
+          </a:xfrm>
+          <a:prstGeom prst="curvedConnector3">
+            <a:avLst>
+              <a:gd name="adj1" fmla="val -31149700000"/>
+            </a:avLst>
+          </a:prstGeom>
+          <a:ln w="12700">
+            <a:solidFill>
+              <a:schemeClr val="tx1"/>
+            </a:solidFill>
+            <a:tailEnd type="triangle"/>
+          </a:ln>
+        </p:spPr>
+        <p:style>
+          <a:lnRef idx="1">
+            <a:schemeClr val="accent1"/>
+          </a:lnRef>
+          <a:fillRef idx="0">
+            <a:schemeClr val="accent1"/>
+          </a:fillRef>
+          <a:effectRef idx="0">
+            <a:schemeClr val="accent1"/>
+          </a:effectRef>
+          <a:fontRef idx="minor">
+            <a:schemeClr val="tx1"/>
+          </a:fontRef>
+        </p:style>
+      </p:cxnSp>
+      <p:cxnSp>
+        <p:nvCxnSpPr>
+          <p:cNvPr id="74" name="曲線コネクタ 73">
+            <a:extLst>
+              <a:ext uri="{FF2B5EF4-FFF2-40B4-BE49-F238E27FC236}">
+                <a16:creationId xmlns:a16="http://schemas.microsoft.com/office/drawing/2014/main" id="{4E995FDC-64A4-654D-8C66-50443225B307}"/>
+              </a:ext>
+            </a:extLst>
+          </p:cNvPr>
+          <p:cNvCxnSpPr>
+            <a:stCxn id="67" idx="5"/>
+            <a:endCxn id="69" idx="3"/>
+          </p:cNvCxnSpPr>
+          <p:nvPr/>
+        </p:nvCxnSpPr>
+        <p:spPr>
+          <a:xfrm rot="5400000" flipH="1" flipV="1">
+            <a:off x="6778474" y="3711774"/>
+            <a:ext cx="1" cy="1162772"/>
+          </a:xfrm>
+          <a:prstGeom prst="curvedConnector3">
+            <a:avLst>
+              <a:gd name="adj1" fmla="val -31149700000"/>
+            </a:avLst>
+          </a:prstGeom>
+          <a:ln w="12700">
+            <a:solidFill>
+              <a:schemeClr val="tx1"/>
+            </a:solidFill>
+            <a:tailEnd type="triangle"/>
+          </a:ln>
+        </p:spPr>
+        <p:style>
+          <a:lnRef idx="1">
+            <a:schemeClr val="accent1"/>
+          </a:lnRef>
+          <a:fillRef idx="0">
+            <a:schemeClr val="accent1"/>
+          </a:fillRef>
+          <a:effectRef idx="0">
+            <a:schemeClr val="accent1"/>
+          </a:effectRef>
+          <a:fontRef idx="minor">
+            <a:schemeClr val="tx1"/>
+          </a:fontRef>
+        </p:style>
+      </p:cxnSp>
+      <mc:AlternateContent xmlns:mc="http://schemas.openxmlformats.org/markup-compatibility/2006">
+        <mc:Choice xmlns:a14="http://schemas.microsoft.com/office/drawing/2010/main" Requires="a14">
+          <p:sp>
+            <p:nvSpPr>
+              <p:cNvPr id="75" name="テキスト ボックス 74">
+                <a:extLst>
+                  <a:ext uri="{FF2B5EF4-FFF2-40B4-BE49-F238E27FC236}">
+                    <a16:creationId xmlns:a16="http://schemas.microsoft.com/office/drawing/2014/main" id="{7F8D51F0-2B74-7843-99B9-C94C3DD618F6}"/>
+                  </a:ext>
+                </a:extLst>
+              </p:cNvPr>
+              <p:cNvSpPr txBox="1"/>
+              <p:nvPr/>
+            </p:nvSpPr>
+            <p:spPr>
+              <a:xfrm>
+                <a:off x="6165590" y="5715782"/>
+                <a:ext cx="1217000" cy="369332"/>
+              </a:xfrm>
+              <a:prstGeom prst="rect">
+                <a:avLst/>
+              </a:prstGeom>
+              <a:noFill/>
+            </p:spPr>
+            <p:txBody>
+              <a:bodyPr wrap="none" rtlCol="0">
+                <a:spAutoFit/>
+              </a:bodyPr>
+              <a:lstStyle/>
+              <a:p>
+                <a:pPr algn="ctr"/>
+                <a14:m>
+                  <m:oMathPara xmlns:m="http://schemas.openxmlformats.org/officeDocument/2006/math">
+                    <m:oMathParaPr>
+                      <m:jc m:val="centerGroup"/>
+                    </m:oMathParaPr>
+                    <m:oMath xmlns:m="http://schemas.openxmlformats.org/officeDocument/2006/math">
+                      <m:r>
+                        <a:rPr lang="en-US" altLang="ja-JP" i="1" dirty="0" smtClean="0">
+                          <a:latin typeface="Cambria Math" panose="02040503050406030204" pitchFamily="18" charset="0"/>
+                          <a:ea typeface="A-OTF UD Shin Go Pr6N L" panose="020B0300000000000000" pitchFamily="34" charset="-128"/>
+                        </a:rPr>
+                        <m:t>𝜏</m:t>
+                      </m:r>
+                      <m:r>
+                        <a:rPr lang="en-US" altLang="ja-JP" i="1" baseline="30000" dirty="0" smtClean="0">
+                          <a:latin typeface="Cambria Math" panose="02040503050406030204" pitchFamily="18" charset="0"/>
+                          <a:ea typeface="A-OTF UD Shin Go Pr6N L" panose="020B0300000000000000" pitchFamily="34" charset="-128"/>
+                        </a:rPr>
+                        <m:t>3</m:t>
+                      </m:r>
+                      <m:r>
+                        <a:rPr lang="en-US" altLang="ja-JP" i="1" dirty="0" smtClean="0">
+                          <a:latin typeface="Cambria Math" panose="02040503050406030204" pitchFamily="18" charset="0"/>
+                          <a:ea typeface="A-OTF UD Shin Go Pr6N L" panose="020B0300000000000000" pitchFamily="34" charset="-128"/>
+                        </a:rPr>
+                        <m:t>(</m:t>
+                      </m:r>
+                      <m:r>
+                        <a:rPr lang="en-US" altLang="ja-JP" i="1" dirty="0">
+                          <a:latin typeface="Cambria Math" panose="02040503050406030204" pitchFamily="18" charset="0"/>
+                          <a:ea typeface="A-OTF UD Shin Go Pr6N L" panose="020B0300000000000000" pitchFamily="34" charset="-128"/>
+                        </a:rPr>
+                        <m:t>𝑓𝑎𝑙𝑠𝑒</m:t>
+                      </m:r>
+                      <m:r>
+                        <a:rPr lang="en-US" altLang="ja-JP" i="1" dirty="0">
+                          <a:latin typeface="Cambria Math" panose="02040503050406030204" pitchFamily="18" charset="0"/>
+                          <a:ea typeface="A-OTF UD Shin Go Pr6N L" panose="020B0300000000000000" pitchFamily="34" charset="-128"/>
+                        </a:rPr>
+                        <m:t>)</m:t>
+                      </m:r>
+                    </m:oMath>
+                  </m:oMathPara>
+                </a14:m>
+                <a:endParaRPr lang="ja-JP" altLang="en-US">
+                  <a:latin typeface="A-OTF UD Shin Go Pr6N L" panose="020B0300000000000000" pitchFamily="34" charset="-128"/>
+                  <a:ea typeface="A-OTF UD Shin Go Pr6N L" panose="020B0300000000000000" pitchFamily="34" charset="-128"/>
+                </a:endParaRPr>
+              </a:p>
+            </p:txBody>
+          </p:sp>
+        </mc:Choice>
+        <mc:Fallback>
+          <p:sp>
+            <p:nvSpPr>
+              <p:cNvPr id="75" name="テキスト ボックス 74">
+                <a:extLst>
+                  <a:ext uri="{FF2B5EF4-FFF2-40B4-BE49-F238E27FC236}">
+                    <a16:creationId xmlns:a16="http://schemas.microsoft.com/office/drawing/2014/main" id="{7F8D51F0-2B74-7843-99B9-C94C3DD618F6}"/>
+                  </a:ext>
+                </a:extLst>
+              </p:cNvPr>
+              <p:cNvSpPr txBox="1">
+                <a:spLocks noRot="1" noChangeAspect="1" noMove="1" noResize="1" noEditPoints="1" noAdjustHandles="1" noChangeArrowheads="1" noChangeShapeType="1" noTextEdit="1"/>
+              </p:cNvSpPr>
+              <p:nvPr/>
+            </p:nvSpPr>
+            <p:spPr>
+              <a:xfrm>
+                <a:off x="6165590" y="5715782"/>
+                <a:ext cx="1217000" cy="369332"/>
+              </a:xfrm>
+              <a:prstGeom prst="rect">
+                <a:avLst/>
+              </a:prstGeom>
+              <a:blipFill>
+                <a:blip r:embed="rId16"/>
+                <a:stretch>
+                  <a:fillRect b="-13333"/>
+                </a:stretch>
+              </a:blipFill>
+            </p:spPr>
+            <p:txBody>
+              <a:bodyPr/>
+              <a:lstStyle/>
+              <a:p>
+                <a:r>
+                  <a:rPr lang="ja-JP" altLang="en-US">
+                    <a:noFill/>
+                  </a:rPr>
+                  <a:t> </a:t>
+                </a:r>
+              </a:p>
+            </p:txBody>
+          </p:sp>
+        </mc:Fallback>
+      </mc:AlternateContent>
+      <mc:AlternateContent xmlns:mc="http://schemas.openxmlformats.org/markup-compatibility/2006">
+        <mc:Choice xmlns:a14="http://schemas.microsoft.com/office/drawing/2010/main" Requires="a14">
+          <p:sp>
+            <p:nvSpPr>
+              <p:cNvPr id="76" name="テキスト ボックス 75">
+                <a:extLst>
+                  <a:ext uri="{FF2B5EF4-FFF2-40B4-BE49-F238E27FC236}">
+                    <a16:creationId xmlns:a16="http://schemas.microsoft.com/office/drawing/2014/main" id="{7FF46187-69B4-B14D-9DBD-72314FA3F4B3}"/>
+                  </a:ext>
+                </a:extLst>
+              </p:cNvPr>
+              <p:cNvSpPr txBox="1"/>
+              <p:nvPr/>
+            </p:nvSpPr>
+            <p:spPr>
+              <a:xfrm>
+                <a:off x="2126949" y="2050078"/>
+                <a:ext cx="420308" cy="362984"/>
+              </a:xfrm>
+              <a:prstGeom prst="rect">
+                <a:avLst/>
+              </a:prstGeom>
+              <a:noFill/>
+            </p:spPr>
+            <p:txBody>
+              <a:bodyPr wrap="none" rtlCol="0">
+                <a:spAutoFit/>
+              </a:bodyPr>
+              <a:lstStyle/>
+              <a:p>
+                <a14:m>
+                  <m:oMathPara xmlns:m="http://schemas.openxmlformats.org/officeDocument/2006/math">
+                    <m:oMathParaPr>
+                      <m:jc m:val="centerGroup"/>
+                    </m:oMathParaPr>
+                    <m:oMath xmlns:m="http://schemas.openxmlformats.org/officeDocument/2006/math">
+                      <m:r>
+                        <a:rPr kumimoji="1" lang="en-US" altLang="ja-JP" i="1" dirty="0" smtClean="0">
+                          <a:latin typeface="Cambria Math" panose="02040503050406030204" pitchFamily="18" charset="0"/>
+                        </a:rPr>
+                        <m:t>𝑠</m:t>
+                      </m:r>
+                      <m:r>
+                        <a:rPr kumimoji="1" lang="en-US" altLang="ja-JP" i="1" baseline="-25000" dirty="0" smtClean="0">
+                          <a:latin typeface="Cambria Math" panose="02040503050406030204" pitchFamily="18" charset="0"/>
+                        </a:rPr>
+                        <m:t>0</m:t>
+                      </m:r>
+                    </m:oMath>
+                  </m:oMathPara>
+                </a14:m>
+                <a:endParaRPr kumimoji="1" lang="ja-JP" altLang="en-US" baseline="-25000"/>
+              </a:p>
+            </p:txBody>
+          </p:sp>
+        </mc:Choice>
+        <mc:Fallback>
+          <p:sp>
+            <p:nvSpPr>
+              <p:cNvPr id="76" name="テキスト ボックス 75">
+                <a:extLst>
+                  <a:ext uri="{FF2B5EF4-FFF2-40B4-BE49-F238E27FC236}">
+                    <a16:creationId xmlns:a16="http://schemas.microsoft.com/office/drawing/2014/main" id="{7FF46187-69B4-B14D-9DBD-72314FA3F4B3}"/>
+                  </a:ext>
+                </a:extLst>
+              </p:cNvPr>
+              <p:cNvSpPr txBox="1">
+                <a:spLocks noRot="1" noChangeAspect="1" noMove="1" noResize="1" noEditPoints="1" noAdjustHandles="1" noChangeArrowheads="1" noChangeShapeType="1" noTextEdit="1"/>
+              </p:cNvSpPr>
+              <p:nvPr/>
+            </p:nvSpPr>
+            <p:spPr>
+              <a:xfrm>
+                <a:off x="2126949" y="2050078"/>
+                <a:ext cx="420308" cy="362984"/>
+              </a:xfrm>
+              <a:prstGeom prst="rect">
+                <a:avLst/>
+              </a:prstGeom>
+              <a:blipFill>
+                <a:blip r:embed="rId17"/>
+                <a:stretch>
+                  <a:fillRect/>
+                </a:stretch>
+              </a:blipFill>
+            </p:spPr>
+            <p:txBody>
+              <a:bodyPr/>
+              <a:lstStyle/>
+              <a:p>
+                <a:r>
+                  <a:rPr lang="ja-JP" altLang="en-US">
+                    <a:noFill/>
+                  </a:rPr>
+                  <a:t> </a:t>
+                </a:r>
+              </a:p>
+            </p:txBody>
+          </p:sp>
+        </mc:Fallback>
+      </mc:AlternateContent>
+      <mc:AlternateContent xmlns:mc="http://schemas.openxmlformats.org/markup-compatibility/2006">
+        <mc:Choice xmlns:a14="http://schemas.microsoft.com/office/drawing/2010/main" Requires="a14">
+          <p:sp>
+            <p:nvSpPr>
+              <p:cNvPr id="77" name="テキスト ボックス 76">
+                <a:extLst>
+                  <a:ext uri="{FF2B5EF4-FFF2-40B4-BE49-F238E27FC236}">
+                    <a16:creationId xmlns:a16="http://schemas.microsoft.com/office/drawing/2014/main" id="{4728B118-6FD5-C34E-A827-596FFC54B995}"/>
+                  </a:ext>
+                </a:extLst>
+              </p:cNvPr>
+              <p:cNvSpPr txBox="1"/>
+              <p:nvPr/>
+            </p:nvSpPr>
+            <p:spPr>
+              <a:xfrm>
+                <a:off x="2126949" y="5089272"/>
+                <a:ext cx="420308" cy="362984"/>
+              </a:xfrm>
+              <a:prstGeom prst="rect">
+                <a:avLst/>
+              </a:prstGeom>
+              <a:noFill/>
+            </p:spPr>
+            <p:txBody>
+              <a:bodyPr wrap="none" rtlCol="0">
+                <a:spAutoFit/>
+              </a:bodyPr>
+              <a:lstStyle/>
+              <a:p>
+                <a14:m>
+                  <m:oMathPara xmlns:m="http://schemas.openxmlformats.org/officeDocument/2006/math">
+                    <m:oMathParaPr>
+                      <m:jc m:val="centerGroup"/>
+                    </m:oMathParaPr>
+                    <m:oMath xmlns:m="http://schemas.openxmlformats.org/officeDocument/2006/math">
+                      <m:r>
+                        <a:rPr kumimoji="1" lang="en-US" altLang="ja-JP" i="1" dirty="0" smtClean="0">
+                          <a:latin typeface="Cambria Math" panose="02040503050406030204" pitchFamily="18" charset="0"/>
+                        </a:rPr>
+                        <m:t>𝑠</m:t>
+                      </m:r>
+                      <m:r>
+                        <a:rPr kumimoji="1" lang="en-US" altLang="ja-JP" i="1" baseline="-25000" dirty="0" smtClean="0">
+                          <a:latin typeface="Cambria Math" panose="02040503050406030204" pitchFamily="18" charset="0"/>
+                        </a:rPr>
+                        <m:t>0</m:t>
+                      </m:r>
+                    </m:oMath>
+                  </m:oMathPara>
+                </a14:m>
+                <a:endParaRPr kumimoji="1" lang="ja-JP" altLang="en-US" baseline="-25000"/>
+              </a:p>
+            </p:txBody>
+          </p:sp>
+        </mc:Choice>
+        <mc:Fallback>
+          <p:sp>
+            <p:nvSpPr>
+              <p:cNvPr id="77" name="テキスト ボックス 76">
+                <a:extLst>
+                  <a:ext uri="{FF2B5EF4-FFF2-40B4-BE49-F238E27FC236}">
+                    <a16:creationId xmlns:a16="http://schemas.microsoft.com/office/drawing/2014/main" id="{4728B118-6FD5-C34E-A827-596FFC54B995}"/>
+                  </a:ext>
+                </a:extLst>
+              </p:cNvPr>
+              <p:cNvSpPr txBox="1">
+                <a:spLocks noRot="1" noChangeAspect="1" noMove="1" noResize="1" noEditPoints="1" noAdjustHandles="1" noChangeArrowheads="1" noChangeShapeType="1" noTextEdit="1"/>
+              </p:cNvSpPr>
+              <p:nvPr/>
+            </p:nvSpPr>
+            <p:spPr>
+              <a:xfrm>
+                <a:off x="2126949" y="5089272"/>
+                <a:ext cx="420308" cy="362984"/>
+              </a:xfrm>
+              <a:prstGeom prst="rect">
+                <a:avLst/>
+              </a:prstGeom>
+              <a:blipFill>
+                <a:blip r:embed="rId18"/>
+                <a:stretch>
+                  <a:fillRect/>
+                </a:stretch>
+              </a:blipFill>
+            </p:spPr>
+            <p:txBody>
+              <a:bodyPr/>
+              <a:lstStyle/>
+              <a:p>
+                <a:r>
+                  <a:rPr lang="ja-JP" altLang="en-US">
+                    <a:noFill/>
+                  </a:rPr>
+                  <a:t> </a:t>
+                </a:r>
+              </a:p>
+            </p:txBody>
+          </p:sp>
+        </mc:Fallback>
+      </mc:AlternateContent>
+      <mc:AlternateContent xmlns:mc="http://schemas.openxmlformats.org/markup-compatibility/2006">
+        <mc:Choice xmlns:a14="http://schemas.microsoft.com/office/drawing/2010/main" Requires="a14">
+          <p:sp>
+            <p:nvSpPr>
+              <p:cNvPr id="78" name="テキスト ボックス 77">
+                <a:extLst>
+                  <a:ext uri="{FF2B5EF4-FFF2-40B4-BE49-F238E27FC236}">
+                    <a16:creationId xmlns:a16="http://schemas.microsoft.com/office/drawing/2014/main" id="{E0EE4435-1DA6-B242-BE53-DFF93D93F96A}"/>
+                  </a:ext>
+                </a:extLst>
+              </p:cNvPr>
+              <p:cNvSpPr txBox="1"/>
+              <p:nvPr/>
+            </p:nvSpPr>
+            <p:spPr>
+              <a:xfrm>
+                <a:off x="5275038" y="2050078"/>
+                <a:ext cx="420308" cy="362984"/>
+              </a:xfrm>
+              <a:prstGeom prst="rect">
+                <a:avLst/>
+              </a:prstGeom>
+              <a:noFill/>
+            </p:spPr>
+            <p:txBody>
+              <a:bodyPr wrap="none" rtlCol="0">
+                <a:spAutoFit/>
+              </a:bodyPr>
+              <a:lstStyle/>
+              <a:p>
+                <a14:m>
+                  <m:oMathPara xmlns:m="http://schemas.openxmlformats.org/officeDocument/2006/math">
+                    <m:oMathParaPr>
+                      <m:jc m:val="centerGroup"/>
+                    </m:oMathParaPr>
+                    <m:oMath xmlns:m="http://schemas.openxmlformats.org/officeDocument/2006/math">
+                      <m:r>
+                        <a:rPr kumimoji="1" lang="en-US" altLang="ja-JP" i="1" dirty="0" smtClean="0">
+                          <a:latin typeface="Cambria Math" panose="02040503050406030204" pitchFamily="18" charset="0"/>
+                        </a:rPr>
+                        <m:t>𝑠</m:t>
+                      </m:r>
+                      <m:r>
+                        <a:rPr kumimoji="1" lang="en-US" altLang="ja-JP" i="1" baseline="-25000" dirty="0" smtClean="0">
+                          <a:latin typeface="Cambria Math" panose="02040503050406030204" pitchFamily="18" charset="0"/>
+                        </a:rPr>
+                        <m:t>0</m:t>
+                      </m:r>
+                    </m:oMath>
+                  </m:oMathPara>
+                </a14:m>
+                <a:endParaRPr kumimoji="1" lang="ja-JP" altLang="en-US" baseline="-25000"/>
+              </a:p>
+            </p:txBody>
+          </p:sp>
+        </mc:Choice>
+        <mc:Fallback>
+          <p:sp>
+            <p:nvSpPr>
+              <p:cNvPr id="78" name="テキスト ボックス 77">
+                <a:extLst>
+                  <a:ext uri="{FF2B5EF4-FFF2-40B4-BE49-F238E27FC236}">
+                    <a16:creationId xmlns:a16="http://schemas.microsoft.com/office/drawing/2014/main" id="{E0EE4435-1DA6-B242-BE53-DFF93D93F96A}"/>
+                  </a:ext>
+                </a:extLst>
+              </p:cNvPr>
+              <p:cNvSpPr txBox="1">
+                <a:spLocks noRot="1" noChangeAspect="1" noMove="1" noResize="1" noEditPoints="1" noAdjustHandles="1" noChangeArrowheads="1" noChangeShapeType="1" noTextEdit="1"/>
+              </p:cNvSpPr>
+              <p:nvPr/>
+            </p:nvSpPr>
+            <p:spPr>
+              <a:xfrm>
+                <a:off x="5275038" y="2050078"/>
+                <a:ext cx="420308" cy="362984"/>
+              </a:xfrm>
+              <a:prstGeom prst="rect">
+                <a:avLst/>
+              </a:prstGeom>
+              <a:blipFill>
+                <a:blip r:embed="rId19"/>
+                <a:stretch>
+                  <a:fillRect/>
+                </a:stretch>
+              </a:blipFill>
+            </p:spPr>
+            <p:txBody>
+              <a:bodyPr/>
+              <a:lstStyle/>
+              <a:p>
+                <a:r>
+                  <a:rPr lang="ja-JP" altLang="en-US">
+                    <a:noFill/>
+                  </a:rPr>
+                  <a:t> </a:t>
+                </a:r>
+              </a:p>
+            </p:txBody>
+          </p:sp>
+        </mc:Fallback>
+      </mc:AlternateContent>
+      <mc:AlternateContent xmlns:mc="http://schemas.openxmlformats.org/markup-compatibility/2006">
+        <mc:Choice xmlns:a14="http://schemas.microsoft.com/office/drawing/2010/main" Requires="a14">
+          <p:sp>
+            <p:nvSpPr>
+              <p:cNvPr id="79" name="テキスト ボックス 78">
+                <a:extLst>
+                  <a:ext uri="{FF2B5EF4-FFF2-40B4-BE49-F238E27FC236}">
+                    <a16:creationId xmlns:a16="http://schemas.microsoft.com/office/drawing/2014/main" id="{DFB79DB0-31FC-EF49-ABD7-9991D3316DA0}"/>
+                  </a:ext>
+                </a:extLst>
+              </p:cNvPr>
+              <p:cNvSpPr txBox="1"/>
+              <p:nvPr/>
+            </p:nvSpPr>
+            <p:spPr>
+              <a:xfrm>
+                <a:off x="5275038" y="5087193"/>
+                <a:ext cx="420308" cy="362984"/>
+              </a:xfrm>
+              <a:prstGeom prst="rect">
+                <a:avLst/>
+              </a:prstGeom>
+              <a:noFill/>
+            </p:spPr>
+            <p:txBody>
+              <a:bodyPr wrap="none" rtlCol="0">
+                <a:spAutoFit/>
+              </a:bodyPr>
+              <a:lstStyle/>
+              <a:p>
+                <a14:m>
+                  <m:oMathPara xmlns:m="http://schemas.openxmlformats.org/officeDocument/2006/math">
+                    <m:oMathParaPr>
+                      <m:jc m:val="centerGroup"/>
+                    </m:oMathParaPr>
+                    <m:oMath xmlns:m="http://schemas.openxmlformats.org/officeDocument/2006/math">
+                      <m:r>
+                        <a:rPr kumimoji="1" lang="en-US" altLang="ja-JP" i="1" dirty="0" smtClean="0">
+                          <a:latin typeface="Cambria Math" panose="02040503050406030204" pitchFamily="18" charset="0"/>
+                        </a:rPr>
+                        <m:t>𝑠</m:t>
+                      </m:r>
+                      <m:r>
+                        <a:rPr kumimoji="1" lang="en-US" altLang="ja-JP" i="1" baseline="-25000" dirty="0" smtClean="0">
+                          <a:latin typeface="Cambria Math" panose="02040503050406030204" pitchFamily="18" charset="0"/>
+                        </a:rPr>
+                        <m:t>0</m:t>
+                      </m:r>
+                    </m:oMath>
+                  </m:oMathPara>
+                </a14:m>
+                <a:endParaRPr kumimoji="1" lang="ja-JP" altLang="en-US" baseline="-25000"/>
+              </a:p>
+            </p:txBody>
+          </p:sp>
+        </mc:Choice>
+        <mc:Fallback>
+          <p:sp>
+            <p:nvSpPr>
+              <p:cNvPr id="79" name="テキスト ボックス 78">
+                <a:extLst>
+                  <a:ext uri="{FF2B5EF4-FFF2-40B4-BE49-F238E27FC236}">
+                    <a16:creationId xmlns:a16="http://schemas.microsoft.com/office/drawing/2014/main" id="{DFB79DB0-31FC-EF49-ABD7-9991D3316DA0}"/>
+                  </a:ext>
+                </a:extLst>
+              </p:cNvPr>
+              <p:cNvSpPr txBox="1">
+                <a:spLocks noRot="1" noChangeAspect="1" noMove="1" noResize="1" noEditPoints="1" noAdjustHandles="1" noChangeArrowheads="1" noChangeShapeType="1" noTextEdit="1"/>
+              </p:cNvSpPr>
+              <p:nvPr/>
+            </p:nvSpPr>
+            <p:spPr>
+              <a:xfrm>
+                <a:off x="5275038" y="5087193"/>
+                <a:ext cx="420308" cy="362984"/>
+              </a:xfrm>
+              <a:prstGeom prst="rect">
+                <a:avLst/>
+              </a:prstGeom>
+              <a:blipFill>
+                <a:blip r:embed="rId19"/>
+                <a:stretch>
+                  <a:fillRect/>
+                </a:stretch>
+              </a:blipFill>
+            </p:spPr>
+            <p:txBody>
+              <a:bodyPr/>
+              <a:lstStyle/>
+              <a:p>
+                <a:r>
+                  <a:rPr lang="ja-JP" altLang="en-US">
+                    <a:noFill/>
+                  </a:rPr>
+                  <a:t> </a:t>
+                </a:r>
+              </a:p>
+            </p:txBody>
+          </p:sp>
+        </mc:Fallback>
+      </mc:AlternateContent>
+    </p:spTree>
+    <p:extLst>
+      <p:ext uri="{BB962C8B-B14F-4D97-AF65-F5344CB8AC3E}">
+        <p14:creationId xmlns:p14="http://schemas.microsoft.com/office/powerpoint/2010/main" val="1572686220"/>
+      </p:ext>
+    </p:extLst>
+  </p:cSld>
+  <p:clrMapOvr>
+    <a:masterClrMapping/>
+  </p:clrMapOvr>
+</p:sld>
+</file>
+
 <file path=ppt/theme/theme1.xml><?xml version="1.0" encoding="utf-8"?>
 <a:theme xmlns:a="http://schemas.openxmlformats.org/drawingml/2006/main" name="Office テーマ">
   <a:themeElements>
@@ -9286,7 +15686,34 @@
       </a:bgFillStyleLst>
     </a:fmtScheme>
   </a:themeElements>
-  <a:objectDefaults/>
+  <a:objectDefaults>
+    <a:lnDef>
+      <a:spPr>
+        <a:ln w="12700">
+          <a:solidFill>
+            <a:schemeClr val="tx1"/>
+          </a:solidFill>
+          <a:tailEnd type="triangle"/>
+        </a:ln>
+      </a:spPr>
+      <a:bodyPr/>
+      <a:lstStyle/>
+      <a:style>
+        <a:lnRef idx="1">
+          <a:schemeClr val="accent1"/>
+        </a:lnRef>
+        <a:fillRef idx="0">
+          <a:schemeClr val="accent1"/>
+        </a:fillRef>
+        <a:effectRef idx="0">
+          <a:schemeClr val="accent1"/>
+        </a:effectRef>
+        <a:fontRef idx="minor">
+          <a:schemeClr val="tx1"/>
+        </a:fontRef>
+      </a:style>
+    </a:lnDef>
+  </a:objectDefaults>
   <a:extraClrSchemeLst/>
   <a:extLst>
     <a:ext uri="{05A4C25C-085E-4340-85A3-A5531E510DB2}">
